--- a/Bitcoin Address Clustering.pptx
+++ b/Bitcoin Address Clustering.pptx
@@ -13,22 +13,24 @@
     <p:sldId id="265" r:id="rId7"/>
     <p:sldId id="266" r:id="rId8"/>
     <p:sldId id="267" r:id="rId9"/>
-    <p:sldId id="269" r:id="rId10"/>
-    <p:sldId id="268" r:id="rId11"/>
-    <p:sldId id="270" r:id="rId12"/>
-    <p:sldId id="272" r:id="rId13"/>
-    <p:sldId id="285" r:id="rId14"/>
-    <p:sldId id="273" r:id="rId15"/>
-    <p:sldId id="274" r:id="rId16"/>
-    <p:sldId id="275" r:id="rId17"/>
-    <p:sldId id="276" r:id="rId18"/>
-    <p:sldId id="277" r:id="rId19"/>
-    <p:sldId id="278" r:id="rId20"/>
-    <p:sldId id="280" r:id="rId21"/>
-    <p:sldId id="281" r:id="rId22"/>
-    <p:sldId id="282" r:id="rId23"/>
-    <p:sldId id="283" r:id="rId24"/>
-    <p:sldId id="284" r:id="rId25"/>
+    <p:sldId id="286" r:id="rId10"/>
+    <p:sldId id="269" r:id="rId11"/>
+    <p:sldId id="268" r:id="rId12"/>
+    <p:sldId id="270" r:id="rId13"/>
+    <p:sldId id="272" r:id="rId14"/>
+    <p:sldId id="285" r:id="rId15"/>
+    <p:sldId id="273" r:id="rId16"/>
+    <p:sldId id="274" r:id="rId17"/>
+    <p:sldId id="275" r:id="rId18"/>
+    <p:sldId id="276" r:id="rId19"/>
+    <p:sldId id="277" r:id="rId20"/>
+    <p:sldId id="278" r:id="rId21"/>
+    <p:sldId id="280" r:id="rId22"/>
+    <p:sldId id="281" r:id="rId23"/>
+    <p:sldId id="282" r:id="rId24"/>
+    <p:sldId id="283" r:id="rId25"/>
+    <p:sldId id="284" r:id="rId26"/>
+    <p:sldId id="287" r:id="rId27"/>
   </p:sldIdLst>
   <p:sldSz cx="12192000" cy="6858000"/>
   <p:notesSz cx="6858000" cy="9144000"/>
@@ -1339,6 +1341,47 @@
         </a:p>
       </dgm:t>
     </dgm:pt>
+    <dgm:pt modelId="{7003754B-0153-4B8E-B957-5769FF62724E}">
+      <dgm:prSet/>
+      <dgm:spPr/>
+      <dgm:t>
+        <a:bodyPr/>
+        <a:lstStyle/>
+        <a:p>
+          <a:r>
+            <a:rPr lang="it-IT" dirty="0"/>
+            <a:t>Future </a:t>
+          </a:r>
+          <a:r>
+            <a:rPr lang="it-IT" dirty="0" err="1"/>
+            <a:t>Improvements</a:t>
+          </a:r>
+          <a:endParaRPr lang="en-US" dirty="0"/>
+        </a:p>
+      </dgm:t>
+    </dgm:pt>
+    <dgm:pt modelId="{2483CB42-C452-4452-86B6-8ED36A304D84}" type="parTrans" cxnId="{F519A1EA-C1C4-4AC6-8F9C-BDAF84147F6E}">
+      <dgm:prSet/>
+      <dgm:spPr/>
+      <dgm:t>
+        <a:bodyPr/>
+        <a:lstStyle/>
+        <a:p>
+          <a:endParaRPr lang="it-IT"/>
+        </a:p>
+      </dgm:t>
+    </dgm:pt>
+    <dgm:pt modelId="{4E651A42-5F12-4089-88F0-D4E36059E86A}" type="sibTrans" cxnId="{F519A1EA-C1C4-4AC6-8F9C-BDAF84147F6E}">
+      <dgm:prSet/>
+      <dgm:spPr/>
+      <dgm:t>
+        <a:bodyPr/>
+        <a:lstStyle/>
+        <a:p>
+          <a:endParaRPr lang="it-IT"/>
+        </a:p>
+      </dgm:t>
+    </dgm:pt>
     <dgm:pt modelId="{F84F0461-8112-49A4-BC22-443494EBF813}" type="pres">
       <dgm:prSet presAssocID="{1C122803-C52F-4776-9E86-618703397085}" presName="vert0" presStyleCnt="0">
         <dgm:presLayoutVars>
@@ -1350,7 +1393,7 @@
       <dgm:spPr/>
     </dgm:pt>
     <dgm:pt modelId="{CA88DBAB-D989-49BE-8062-BFE4A8FF654E}" type="pres">
-      <dgm:prSet presAssocID="{260625FB-ED1A-42E9-8C98-81828E1F0812}" presName="thickLine" presStyleLbl="alignNode1" presStyleIdx="0" presStyleCnt="7"/>
+      <dgm:prSet presAssocID="{260625FB-ED1A-42E9-8C98-81828E1F0812}" presName="thickLine" presStyleLbl="alignNode1" presStyleIdx="0" presStyleCnt="8"/>
       <dgm:spPr/>
     </dgm:pt>
     <dgm:pt modelId="{A138DF20-F314-4D89-AEDE-D25D782E5262}" type="pres">
@@ -1358,7 +1401,7 @@
       <dgm:spPr/>
     </dgm:pt>
     <dgm:pt modelId="{2C76A03A-EB5D-4043-A93F-D55175BE30BA}" type="pres">
-      <dgm:prSet presAssocID="{260625FB-ED1A-42E9-8C98-81828E1F0812}" presName="tx1" presStyleLbl="revTx" presStyleIdx="0" presStyleCnt="7"/>
+      <dgm:prSet presAssocID="{260625FB-ED1A-42E9-8C98-81828E1F0812}" presName="tx1" presStyleLbl="revTx" presStyleIdx="0" presStyleCnt="8"/>
       <dgm:spPr/>
     </dgm:pt>
     <dgm:pt modelId="{9BA6159D-7C2D-4B33-A87D-D19F25FE8818}" type="pres">
@@ -1366,7 +1409,7 @@
       <dgm:spPr/>
     </dgm:pt>
     <dgm:pt modelId="{1AE47F4A-CBC1-4CC7-9E8D-A890013CF090}" type="pres">
-      <dgm:prSet presAssocID="{86462E50-9788-4AD8-BE53-508396055AA8}" presName="thickLine" presStyleLbl="alignNode1" presStyleIdx="1" presStyleCnt="7"/>
+      <dgm:prSet presAssocID="{86462E50-9788-4AD8-BE53-508396055AA8}" presName="thickLine" presStyleLbl="alignNode1" presStyleIdx="1" presStyleCnt="8"/>
       <dgm:spPr/>
     </dgm:pt>
     <dgm:pt modelId="{1A48129F-B237-4E16-A7A8-9D5C662595EF}" type="pres">
@@ -1374,7 +1417,7 @@
       <dgm:spPr/>
     </dgm:pt>
     <dgm:pt modelId="{38826409-5A6D-4DE2-B519-52DF0AD5365A}" type="pres">
-      <dgm:prSet presAssocID="{86462E50-9788-4AD8-BE53-508396055AA8}" presName="tx1" presStyleLbl="revTx" presStyleIdx="1" presStyleCnt="7"/>
+      <dgm:prSet presAssocID="{86462E50-9788-4AD8-BE53-508396055AA8}" presName="tx1" presStyleLbl="revTx" presStyleIdx="1" presStyleCnt="8"/>
       <dgm:spPr/>
     </dgm:pt>
     <dgm:pt modelId="{99239834-41AD-40B5-BE7C-0E5600CC8ABC}" type="pres">
@@ -1382,7 +1425,7 @@
       <dgm:spPr/>
     </dgm:pt>
     <dgm:pt modelId="{F11220CE-10CE-4441-9571-B85F2BB7BF68}" type="pres">
-      <dgm:prSet presAssocID="{2524A846-9AC3-46C6-ADE1-453FB6E909EF}" presName="thickLine" presStyleLbl="alignNode1" presStyleIdx="2" presStyleCnt="7"/>
+      <dgm:prSet presAssocID="{2524A846-9AC3-46C6-ADE1-453FB6E909EF}" presName="thickLine" presStyleLbl="alignNode1" presStyleIdx="2" presStyleCnt="8"/>
       <dgm:spPr/>
     </dgm:pt>
     <dgm:pt modelId="{1D932A32-58B4-49EB-B086-0B95605E07F2}" type="pres">
@@ -1390,7 +1433,7 @@
       <dgm:spPr/>
     </dgm:pt>
     <dgm:pt modelId="{194E75F0-1A1A-4541-8DFC-3AFD1CA5237B}" type="pres">
-      <dgm:prSet presAssocID="{2524A846-9AC3-46C6-ADE1-453FB6E909EF}" presName="tx1" presStyleLbl="revTx" presStyleIdx="2" presStyleCnt="7"/>
+      <dgm:prSet presAssocID="{2524A846-9AC3-46C6-ADE1-453FB6E909EF}" presName="tx1" presStyleLbl="revTx" presStyleIdx="2" presStyleCnt="8"/>
       <dgm:spPr/>
     </dgm:pt>
     <dgm:pt modelId="{A25FFF67-B325-44AC-BE6D-8F1250D70AF9}" type="pres">
@@ -1398,7 +1441,7 @@
       <dgm:spPr/>
     </dgm:pt>
     <dgm:pt modelId="{0A430652-A972-4096-BE9D-C7434E2E5253}" type="pres">
-      <dgm:prSet presAssocID="{0712E120-69F7-418C-9DC0-51095C5D5E6D}" presName="thickLine" presStyleLbl="alignNode1" presStyleIdx="3" presStyleCnt="7"/>
+      <dgm:prSet presAssocID="{0712E120-69F7-418C-9DC0-51095C5D5E6D}" presName="thickLine" presStyleLbl="alignNode1" presStyleIdx="3" presStyleCnt="8"/>
       <dgm:spPr/>
     </dgm:pt>
     <dgm:pt modelId="{F33E8E59-C422-423B-8954-DB2C79BD48C1}" type="pres">
@@ -1406,7 +1449,7 @@
       <dgm:spPr/>
     </dgm:pt>
     <dgm:pt modelId="{046E4640-7E38-4031-AE37-318323CDBF17}" type="pres">
-      <dgm:prSet presAssocID="{0712E120-69F7-418C-9DC0-51095C5D5E6D}" presName="tx1" presStyleLbl="revTx" presStyleIdx="3" presStyleCnt="7"/>
+      <dgm:prSet presAssocID="{0712E120-69F7-418C-9DC0-51095C5D5E6D}" presName="tx1" presStyleLbl="revTx" presStyleIdx="3" presStyleCnt="8"/>
       <dgm:spPr/>
     </dgm:pt>
     <dgm:pt modelId="{65E9D7A8-1B4E-41F1-B554-DAEFCA5C801B}" type="pres">
@@ -1414,7 +1457,7 @@
       <dgm:spPr/>
     </dgm:pt>
     <dgm:pt modelId="{FD890C1F-10C5-4EDD-8882-69A952349FF0}" type="pres">
-      <dgm:prSet presAssocID="{449E6F52-AFE3-40B8-81CB-5B1D0601D1D9}" presName="thickLine" presStyleLbl="alignNode1" presStyleIdx="4" presStyleCnt="7"/>
+      <dgm:prSet presAssocID="{449E6F52-AFE3-40B8-81CB-5B1D0601D1D9}" presName="thickLine" presStyleLbl="alignNode1" presStyleIdx="4" presStyleCnt="8"/>
       <dgm:spPr/>
     </dgm:pt>
     <dgm:pt modelId="{062499AF-86DB-4134-83C2-8AF13C16330B}" type="pres">
@@ -1422,7 +1465,7 @@
       <dgm:spPr/>
     </dgm:pt>
     <dgm:pt modelId="{3A0C21AB-8D81-409D-9AF0-96B5848C34EC}" type="pres">
-      <dgm:prSet presAssocID="{449E6F52-AFE3-40B8-81CB-5B1D0601D1D9}" presName="tx1" presStyleLbl="revTx" presStyleIdx="4" presStyleCnt="7"/>
+      <dgm:prSet presAssocID="{449E6F52-AFE3-40B8-81CB-5B1D0601D1D9}" presName="tx1" presStyleLbl="revTx" presStyleIdx="4" presStyleCnt="8"/>
       <dgm:spPr/>
     </dgm:pt>
     <dgm:pt modelId="{A4C07585-E90F-40FC-AF98-5E08E4CC29F6}" type="pres">
@@ -1430,7 +1473,7 @@
       <dgm:spPr/>
     </dgm:pt>
     <dgm:pt modelId="{4A327EBF-D52E-48DC-B755-381919AF03B9}" type="pres">
-      <dgm:prSet presAssocID="{18967839-0ED4-4DEA-AD6C-4AE9F45D30A9}" presName="thickLine" presStyleLbl="alignNode1" presStyleIdx="5" presStyleCnt="7"/>
+      <dgm:prSet presAssocID="{18967839-0ED4-4DEA-AD6C-4AE9F45D30A9}" presName="thickLine" presStyleLbl="alignNode1" presStyleIdx="5" presStyleCnt="8"/>
       <dgm:spPr/>
     </dgm:pt>
     <dgm:pt modelId="{80362430-A71C-44DD-91D6-45C10C7B1CA3}" type="pres">
@@ -1438,7 +1481,7 @@
       <dgm:spPr/>
     </dgm:pt>
     <dgm:pt modelId="{6CABF901-AE72-4DE0-8DF8-DFABCEB01098}" type="pres">
-      <dgm:prSet presAssocID="{18967839-0ED4-4DEA-AD6C-4AE9F45D30A9}" presName="tx1" presStyleLbl="revTx" presStyleIdx="5" presStyleCnt="7"/>
+      <dgm:prSet presAssocID="{18967839-0ED4-4DEA-AD6C-4AE9F45D30A9}" presName="tx1" presStyleLbl="revTx" presStyleIdx="5" presStyleCnt="8"/>
       <dgm:spPr/>
     </dgm:pt>
     <dgm:pt modelId="{D5ED673F-7835-4663-B2DE-C8FD64CC2568}" type="pres">
@@ -1446,7 +1489,7 @@
       <dgm:spPr/>
     </dgm:pt>
     <dgm:pt modelId="{4010D0BF-4F28-4181-B881-CB520CD45958}" type="pres">
-      <dgm:prSet presAssocID="{0CDE904D-D269-414E-BD6C-E9658C94FE27}" presName="thickLine" presStyleLbl="alignNode1" presStyleIdx="6" presStyleCnt="7"/>
+      <dgm:prSet presAssocID="{0CDE904D-D269-414E-BD6C-E9658C94FE27}" presName="thickLine" presStyleLbl="alignNode1" presStyleIdx="6" presStyleCnt="8"/>
       <dgm:spPr/>
     </dgm:pt>
     <dgm:pt modelId="{18C61F93-C21D-4D5A-9F34-71518A5C68F8}" type="pres">
@@ -1454,17 +1497,34 @@
       <dgm:spPr/>
     </dgm:pt>
     <dgm:pt modelId="{EF382B47-F5E4-4747-9288-57FD3DE9F35E}" type="pres">
-      <dgm:prSet presAssocID="{0CDE904D-D269-414E-BD6C-E9658C94FE27}" presName="tx1" presStyleLbl="revTx" presStyleIdx="6" presStyleCnt="7"/>
+      <dgm:prSet presAssocID="{0CDE904D-D269-414E-BD6C-E9658C94FE27}" presName="tx1" presStyleLbl="revTx" presStyleIdx="6" presStyleCnt="8"/>
       <dgm:spPr/>
     </dgm:pt>
     <dgm:pt modelId="{470A092C-4EA8-4B09-BA1D-7FBE6D3E6D78}" type="pres">
       <dgm:prSet presAssocID="{0CDE904D-D269-414E-BD6C-E9658C94FE27}" presName="vert1" presStyleCnt="0"/>
       <dgm:spPr/>
     </dgm:pt>
+    <dgm:pt modelId="{5596FB96-9C8B-4459-B556-53B7F09F35C5}" type="pres">
+      <dgm:prSet presAssocID="{7003754B-0153-4B8E-B957-5769FF62724E}" presName="thickLine" presStyleLbl="alignNode1" presStyleIdx="7" presStyleCnt="8"/>
+      <dgm:spPr/>
+    </dgm:pt>
+    <dgm:pt modelId="{7304DB9E-FEA0-4E81-827D-5857BF4EB90F}" type="pres">
+      <dgm:prSet presAssocID="{7003754B-0153-4B8E-B957-5769FF62724E}" presName="horz1" presStyleCnt="0"/>
+      <dgm:spPr/>
+    </dgm:pt>
+    <dgm:pt modelId="{C728DF10-6B7F-4BDF-A5D0-39AEA378C5C0}" type="pres">
+      <dgm:prSet presAssocID="{7003754B-0153-4B8E-B957-5769FF62724E}" presName="tx1" presStyleLbl="revTx" presStyleIdx="7" presStyleCnt="8"/>
+      <dgm:spPr/>
+    </dgm:pt>
+    <dgm:pt modelId="{794B4EC8-D6BF-40B5-819A-9754CD7F60AC}" type="pres">
+      <dgm:prSet presAssocID="{7003754B-0153-4B8E-B957-5769FF62724E}" presName="vert1" presStyleCnt="0"/>
+      <dgm:spPr/>
+    </dgm:pt>
   </dgm:ptLst>
   <dgm:cxnLst>
     <dgm:cxn modelId="{6027E705-5C59-4F18-9461-D8DC2526C764}" type="presOf" srcId="{86462E50-9788-4AD8-BE53-508396055AA8}" destId="{38826409-5A6D-4DE2-B519-52DF0AD5365A}" srcOrd="0" destOrd="0" presId="urn:microsoft.com/office/officeart/2008/layout/LinedList"/>
     <dgm:cxn modelId="{D595EA5D-03F4-4F08-8A0B-823CB7EF2FE3}" type="presOf" srcId="{1C122803-C52F-4776-9E86-618703397085}" destId="{F84F0461-8112-49A4-BC22-443494EBF813}" srcOrd="0" destOrd="0" presId="urn:microsoft.com/office/officeart/2008/layout/LinedList"/>
+    <dgm:cxn modelId="{C9BE4663-36E7-4103-AC75-7E945A7FE18E}" type="presOf" srcId="{7003754B-0153-4B8E-B957-5769FF62724E}" destId="{C728DF10-6B7F-4BDF-A5D0-39AEA378C5C0}" srcOrd="0" destOrd="0" presId="urn:microsoft.com/office/officeart/2008/layout/LinedList"/>
     <dgm:cxn modelId="{97848249-ED97-4191-B590-4EEAB27F4B0D}" srcId="{1C122803-C52F-4776-9E86-618703397085}" destId="{0CDE904D-D269-414E-BD6C-E9658C94FE27}" srcOrd="6" destOrd="0" parTransId="{82E192BA-AA15-4E54-B1B9-F12D55CF8A6E}" sibTransId="{3AE013D9-9F61-4512-803B-FF2CDBBAAC1A}"/>
     <dgm:cxn modelId="{3734DE6B-8021-4461-A21A-C8A0A2A6A921}" type="presOf" srcId="{18967839-0ED4-4DEA-AD6C-4AE9F45D30A9}" destId="{6CABF901-AE72-4DE0-8DF8-DFABCEB01098}" srcOrd="0" destOrd="0" presId="urn:microsoft.com/office/officeart/2008/layout/LinedList"/>
     <dgm:cxn modelId="{E9F61E4D-0158-4060-8905-169CC5964BBA}" type="presOf" srcId="{0CDE904D-D269-414E-BD6C-E9658C94FE27}" destId="{EF382B47-F5E4-4747-9288-57FD3DE9F35E}" srcOrd="0" destOrd="0" presId="urn:microsoft.com/office/officeart/2008/layout/LinedList"/>
@@ -1476,6 +1536,7 @@
     <dgm:cxn modelId="{5E18A2AC-9974-4EBF-8B86-AB2EAEEC07CD}" type="presOf" srcId="{260625FB-ED1A-42E9-8C98-81828E1F0812}" destId="{2C76A03A-EB5D-4043-A93F-D55175BE30BA}" srcOrd="0" destOrd="0" presId="urn:microsoft.com/office/officeart/2008/layout/LinedList"/>
     <dgm:cxn modelId="{E076EED6-6193-4BA7-90B7-5503D211CB1F}" srcId="{1C122803-C52F-4776-9E86-618703397085}" destId="{18967839-0ED4-4DEA-AD6C-4AE9F45D30A9}" srcOrd="5" destOrd="0" parTransId="{7B66BE18-9A62-4942-90D2-6D59B608F00C}" sibTransId="{682F07D4-FCB8-4848-B53F-714D969FEE68}"/>
     <dgm:cxn modelId="{2154D0E5-9940-40D3-86ED-52279E79D97C}" type="presOf" srcId="{449E6F52-AFE3-40B8-81CB-5B1D0601D1D9}" destId="{3A0C21AB-8D81-409D-9AF0-96B5848C34EC}" srcOrd="0" destOrd="0" presId="urn:microsoft.com/office/officeart/2008/layout/LinedList"/>
+    <dgm:cxn modelId="{F519A1EA-C1C4-4AC6-8F9C-BDAF84147F6E}" srcId="{1C122803-C52F-4776-9E86-618703397085}" destId="{7003754B-0153-4B8E-B957-5769FF62724E}" srcOrd="7" destOrd="0" parTransId="{2483CB42-C452-4452-86B6-8ED36A304D84}" sibTransId="{4E651A42-5F12-4089-88F0-D4E36059E86A}"/>
     <dgm:cxn modelId="{827F38FA-3F57-419A-BD7F-32E2E6042741}" srcId="{1C122803-C52F-4776-9E86-618703397085}" destId="{0712E120-69F7-418C-9DC0-51095C5D5E6D}" srcOrd="3" destOrd="0" parTransId="{D13587DF-DAF0-4C19-B416-DC7EDCF75965}" sibTransId="{62205ECF-E2DE-4775-81B4-5086DDE31623}"/>
     <dgm:cxn modelId="{9B4C0EFE-775A-4DF9-811E-6012BB9BF341}" type="presOf" srcId="{0712E120-69F7-418C-9DC0-51095C5D5E6D}" destId="{046E4640-7E38-4031-AE37-318323CDBF17}" srcOrd="0" destOrd="0" presId="urn:microsoft.com/office/officeart/2008/layout/LinedList"/>
     <dgm:cxn modelId="{AADF341E-5522-4798-B2CA-B3BF46739DD7}" type="presParOf" srcId="{F84F0461-8112-49A4-BC22-443494EBF813}" destId="{CA88DBAB-D989-49BE-8062-BFE4A8FF654E}" srcOrd="0" destOrd="0" presId="urn:microsoft.com/office/officeart/2008/layout/LinedList"/>
@@ -1506,6 +1567,10 @@
     <dgm:cxn modelId="{CBD4AA05-B840-4B2A-90C1-98358B0301B6}" type="presParOf" srcId="{F84F0461-8112-49A4-BC22-443494EBF813}" destId="{18C61F93-C21D-4D5A-9F34-71518A5C68F8}" srcOrd="13" destOrd="0" presId="urn:microsoft.com/office/officeart/2008/layout/LinedList"/>
     <dgm:cxn modelId="{5854407E-8B46-431E-92C2-3C39EB826053}" type="presParOf" srcId="{18C61F93-C21D-4D5A-9F34-71518A5C68F8}" destId="{EF382B47-F5E4-4747-9288-57FD3DE9F35E}" srcOrd="0" destOrd="0" presId="urn:microsoft.com/office/officeart/2008/layout/LinedList"/>
     <dgm:cxn modelId="{AD215EF9-977B-4726-98D6-85D1A23F1318}" type="presParOf" srcId="{18C61F93-C21D-4D5A-9F34-71518A5C68F8}" destId="{470A092C-4EA8-4B09-BA1D-7FBE6D3E6D78}" srcOrd="1" destOrd="0" presId="urn:microsoft.com/office/officeart/2008/layout/LinedList"/>
+    <dgm:cxn modelId="{6849EC36-39C9-4D2A-BD2C-40C5289C34C8}" type="presParOf" srcId="{F84F0461-8112-49A4-BC22-443494EBF813}" destId="{5596FB96-9C8B-4459-B556-53B7F09F35C5}" srcOrd="14" destOrd="0" presId="urn:microsoft.com/office/officeart/2008/layout/LinedList"/>
+    <dgm:cxn modelId="{60817333-5BCB-45BC-ADCF-DB235DEF2C4B}" type="presParOf" srcId="{F84F0461-8112-49A4-BC22-443494EBF813}" destId="{7304DB9E-FEA0-4E81-827D-5857BF4EB90F}" srcOrd="15" destOrd="0" presId="urn:microsoft.com/office/officeart/2008/layout/LinedList"/>
+    <dgm:cxn modelId="{D973D77A-772C-464F-9F38-069C7AB0C7C7}" type="presParOf" srcId="{7304DB9E-FEA0-4E81-827D-5857BF4EB90F}" destId="{C728DF10-6B7F-4BDF-A5D0-39AEA378C5C0}" srcOrd="0" destOrd="0" presId="urn:microsoft.com/office/officeart/2008/layout/LinedList"/>
+    <dgm:cxn modelId="{11957B6B-8563-4B8A-A04F-F9D340F8BE82}" type="presParOf" srcId="{7304DB9E-FEA0-4E81-827D-5857BF4EB90F}" destId="{794B4EC8-D6BF-40B5-819A-9754CD7F60AC}" srcOrd="1" destOrd="0" presId="urn:microsoft.com/office/officeart/2008/layout/LinedList"/>
   </dgm:cxnLst>
   <dgm:bg/>
   <dgm:whole/>
@@ -1532,7 +1597,7 @@
       </dsp:nvSpPr>
       <dsp:spPr>
         <a:xfrm>
-          <a:off x="0" y="665"/>
+          <a:off x="0" y="0"/>
           <a:ext cx="6666833" cy="0"/>
         </a:xfrm>
         <a:prstGeom prst="line">
@@ -1612,8 +1677,8 @@
       </dsp:nvSpPr>
       <dsp:spPr>
         <a:xfrm>
-          <a:off x="0" y="665"/>
-          <a:ext cx="6666833" cy="778941"/>
+          <a:off x="0" y="0"/>
+          <a:ext cx="6666833" cy="681740"/>
         </a:xfrm>
         <a:prstGeom prst="rect">
           <a:avLst/>
@@ -1637,12 +1702,12 @@
         <a:fontRef idx="minor"/>
       </dsp:style>
       <dsp:txBody>
-        <a:bodyPr spcFirstLastPara="0" vert="horz" wrap="square" lIns="137160" tIns="137160" rIns="137160" bIns="137160" numCol="1" spcCol="1270" anchor="t" anchorCtr="0">
+        <a:bodyPr spcFirstLastPara="0" vert="horz" wrap="square" lIns="118110" tIns="118110" rIns="118110" bIns="118110" numCol="1" spcCol="1270" anchor="t" anchorCtr="0">
           <a:noAutofit/>
         </a:bodyPr>
         <a:lstStyle/>
         <a:p>
-          <a:pPr marL="0" lvl="0" indent="0" algn="l" defTabSz="1600200">
+          <a:pPr marL="0" lvl="0" indent="0" algn="l" defTabSz="1377950">
             <a:lnSpc>
               <a:spcPct val="90000"/>
             </a:lnSpc>
@@ -1655,19 +1720,19 @@
             <a:buNone/>
           </a:pPr>
           <a:r>
-            <a:rPr lang="it-IT" sz="3600" kern="1200" dirty="0"/>
+            <a:rPr lang="it-IT" sz="3100" kern="1200" dirty="0"/>
             <a:t>Domain </a:t>
           </a:r>
           <a:r>
-            <a:rPr lang="it-IT" sz="3600" kern="1200" dirty="0" err="1"/>
+            <a:rPr lang="it-IT" sz="3100" kern="1200" dirty="0" err="1"/>
             <a:t>Overview</a:t>
           </a:r>
-          <a:endParaRPr lang="en-US" sz="3600" kern="1200" dirty="0"/>
+          <a:endParaRPr lang="en-US" sz="3100" kern="1200" dirty="0"/>
         </a:p>
       </dsp:txBody>
       <dsp:txXfrm>
-        <a:off x="0" y="665"/>
-        <a:ext cx="6666833" cy="778941"/>
+        <a:off x="0" y="0"/>
+        <a:ext cx="6666833" cy="681740"/>
       </dsp:txXfrm>
     </dsp:sp>
     <dsp:sp modelId="{1AE47F4A-CBC1-4CC7-9E8D-A890013CF090}">
@@ -1677,7 +1742,7 @@
       </dsp:nvSpPr>
       <dsp:spPr>
         <a:xfrm>
-          <a:off x="0" y="779606"/>
+          <a:off x="0" y="681740"/>
           <a:ext cx="6666833" cy="0"/>
         </a:xfrm>
         <a:prstGeom prst="line">
@@ -1757,8 +1822,8 @@
       </dsp:nvSpPr>
       <dsp:spPr>
         <a:xfrm>
-          <a:off x="0" y="779606"/>
-          <a:ext cx="6666833" cy="778941"/>
+          <a:off x="0" y="681740"/>
+          <a:ext cx="6666833" cy="681740"/>
         </a:xfrm>
         <a:prstGeom prst="rect">
           <a:avLst/>
@@ -1782,12 +1847,12 @@
         <a:fontRef idx="minor"/>
       </dsp:style>
       <dsp:txBody>
-        <a:bodyPr spcFirstLastPara="0" vert="horz" wrap="square" lIns="137160" tIns="137160" rIns="137160" bIns="137160" numCol="1" spcCol="1270" anchor="t" anchorCtr="0">
+        <a:bodyPr spcFirstLastPara="0" vert="horz" wrap="square" lIns="118110" tIns="118110" rIns="118110" bIns="118110" numCol="1" spcCol="1270" anchor="t" anchorCtr="0">
           <a:noAutofit/>
         </a:bodyPr>
         <a:lstStyle/>
         <a:p>
-          <a:pPr marL="0" lvl="0" indent="0" algn="l" defTabSz="1600200">
+          <a:pPr marL="0" lvl="0" indent="0" algn="l" defTabSz="1377950">
             <a:lnSpc>
               <a:spcPct val="90000"/>
             </a:lnSpc>
@@ -1800,14 +1865,14 @@
             <a:buNone/>
           </a:pPr>
           <a:r>
-            <a:rPr lang="en-US" sz="3600" kern="1200" dirty="0"/>
+            <a:rPr lang="en-US" sz="3100" kern="1200" dirty="0"/>
             <a:t>Data Collection</a:t>
           </a:r>
         </a:p>
       </dsp:txBody>
       <dsp:txXfrm>
-        <a:off x="0" y="779606"/>
-        <a:ext cx="6666833" cy="778941"/>
+        <a:off x="0" y="681740"/>
+        <a:ext cx="6666833" cy="681740"/>
       </dsp:txXfrm>
     </dsp:sp>
     <dsp:sp modelId="{F11220CE-10CE-4441-9571-B85F2BB7BF68}">
@@ -1817,7 +1882,7 @@
       </dsp:nvSpPr>
       <dsp:spPr>
         <a:xfrm>
-          <a:off x="0" y="1558548"/>
+          <a:off x="0" y="1363480"/>
           <a:ext cx="6666833" cy="0"/>
         </a:xfrm>
         <a:prstGeom prst="line">
@@ -1897,8 +1962,8 @@
       </dsp:nvSpPr>
       <dsp:spPr>
         <a:xfrm>
-          <a:off x="0" y="1558548"/>
-          <a:ext cx="6666833" cy="778941"/>
+          <a:off x="0" y="1363480"/>
+          <a:ext cx="6666833" cy="681740"/>
         </a:xfrm>
         <a:prstGeom prst="rect">
           <a:avLst/>
@@ -1922,12 +1987,12 @@
         <a:fontRef idx="minor"/>
       </dsp:style>
       <dsp:txBody>
-        <a:bodyPr spcFirstLastPara="0" vert="horz" wrap="square" lIns="137160" tIns="137160" rIns="137160" bIns="137160" numCol="1" spcCol="1270" anchor="t" anchorCtr="0">
+        <a:bodyPr spcFirstLastPara="0" vert="horz" wrap="square" lIns="118110" tIns="118110" rIns="118110" bIns="118110" numCol="1" spcCol="1270" anchor="t" anchorCtr="0">
           <a:noAutofit/>
         </a:bodyPr>
         <a:lstStyle/>
         <a:p>
-          <a:pPr marL="0" lvl="0" indent="0" algn="l" defTabSz="1600200">
+          <a:pPr marL="0" lvl="0" indent="0" algn="l" defTabSz="1377950">
             <a:lnSpc>
               <a:spcPct val="90000"/>
             </a:lnSpc>
@@ -1940,14 +2005,14 @@
             <a:buNone/>
           </a:pPr>
           <a:r>
-            <a:rPr lang="en-US" sz="3600" kern="1200" dirty="0"/>
+            <a:rPr lang="en-US" sz="3100" kern="1200" dirty="0"/>
             <a:t>Data Processing</a:t>
           </a:r>
         </a:p>
       </dsp:txBody>
       <dsp:txXfrm>
-        <a:off x="0" y="1558548"/>
-        <a:ext cx="6666833" cy="778941"/>
+        <a:off x="0" y="1363480"/>
+        <a:ext cx="6666833" cy="681740"/>
       </dsp:txXfrm>
     </dsp:sp>
     <dsp:sp modelId="{0A430652-A972-4096-BE9D-C7434E2E5253}">
@@ -1957,7 +2022,7 @@
       </dsp:nvSpPr>
       <dsp:spPr>
         <a:xfrm>
-          <a:off x="0" y="2337489"/>
+          <a:off x="0" y="2045220"/>
           <a:ext cx="6666833" cy="0"/>
         </a:xfrm>
         <a:prstGeom prst="line">
@@ -2037,8 +2102,8 @@
       </dsp:nvSpPr>
       <dsp:spPr>
         <a:xfrm>
-          <a:off x="0" y="2337489"/>
-          <a:ext cx="6666833" cy="778941"/>
+          <a:off x="0" y="2045220"/>
+          <a:ext cx="6666833" cy="681740"/>
         </a:xfrm>
         <a:prstGeom prst="rect">
           <a:avLst/>
@@ -2062,12 +2127,12 @@
         <a:fontRef idx="minor"/>
       </dsp:style>
       <dsp:txBody>
-        <a:bodyPr spcFirstLastPara="0" vert="horz" wrap="square" lIns="137160" tIns="137160" rIns="137160" bIns="137160" numCol="1" spcCol="1270" anchor="t" anchorCtr="0">
+        <a:bodyPr spcFirstLastPara="0" vert="horz" wrap="square" lIns="118110" tIns="118110" rIns="118110" bIns="118110" numCol="1" spcCol="1270" anchor="t" anchorCtr="0">
           <a:noAutofit/>
         </a:bodyPr>
         <a:lstStyle/>
         <a:p>
-          <a:pPr marL="0" lvl="0" indent="0" algn="l" defTabSz="1600200">
+          <a:pPr marL="0" lvl="0" indent="0" algn="l" defTabSz="1377950">
             <a:lnSpc>
               <a:spcPct val="90000"/>
             </a:lnSpc>
@@ -2080,14 +2145,14 @@
             <a:buNone/>
           </a:pPr>
           <a:r>
-            <a:rPr lang="en-US" sz="3600" kern="1200" dirty="0"/>
+            <a:rPr lang="en-US" sz="3100" kern="1200" dirty="0"/>
             <a:t>Graph Analysis</a:t>
           </a:r>
         </a:p>
       </dsp:txBody>
       <dsp:txXfrm>
-        <a:off x="0" y="2337489"/>
-        <a:ext cx="6666833" cy="778941"/>
+        <a:off x="0" y="2045220"/>
+        <a:ext cx="6666833" cy="681740"/>
       </dsp:txXfrm>
     </dsp:sp>
     <dsp:sp modelId="{FD890C1F-10C5-4EDD-8882-69A952349FF0}">
@@ -2097,7 +2162,7 @@
       </dsp:nvSpPr>
       <dsp:spPr>
         <a:xfrm>
-          <a:off x="0" y="3116430"/>
+          <a:off x="0" y="2726960"/>
           <a:ext cx="6666833" cy="0"/>
         </a:xfrm>
         <a:prstGeom prst="line">
@@ -2177,8 +2242,8 @@
       </dsp:nvSpPr>
       <dsp:spPr>
         <a:xfrm>
-          <a:off x="0" y="3116430"/>
-          <a:ext cx="6666833" cy="778941"/>
+          <a:off x="0" y="2726960"/>
+          <a:ext cx="6666833" cy="681740"/>
         </a:xfrm>
         <a:prstGeom prst="rect">
           <a:avLst/>
@@ -2202,12 +2267,12 @@
         <a:fontRef idx="minor"/>
       </dsp:style>
       <dsp:txBody>
-        <a:bodyPr spcFirstLastPara="0" vert="horz" wrap="square" lIns="137160" tIns="137160" rIns="137160" bIns="137160" numCol="1" spcCol="1270" anchor="t" anchorCtr="0">
+        <a:bodyPr spcFirstLastPara="0" vert="horz" wrap="square" lIns="118110" tIns="118110" rIns="118110" bIns="118110" numCol="1" spcCol="1270" anchor="t" anchorCtr="0">
           <a:noAutofit/>
         </a:bodyPr>
         <a:lstStyle/>
         <a:p>
-          <a:pPr marL="0" lvl="0" indent="0" algn="l" defTabSz="1600200">
+          <a:pPr marL="0" lvl="0" indent="0" algn="l" defTabSz="1377950">
             <a:lnSpc>
               <a:spcPct val="90000"/>
             </a:lnSpc>
@@ -2220,14 +2285,14 @@
             <a:buNone/>
           </a:pPr>
           <a:r>
-            <a:rPr lang="en-US" sz="3600" kern="1200" dirty="0"/>
+            <a:rPr lang="en-US" sz="3100" kern="1200" dirty="0"/>
             <a:t>Heuristics</a:t>
           </a:r>
         </a:p>
       </dsp:txBody>
       <dsp:txXfrm>
-        <a:off x="0" y="3116430"/>
-        <a:ext cx="6666833" cy="778941"/>
+        <a:off x="0" y="2726960"/>
+        <a:ext cx="6666833" cy="681740"/>
       </dsp:txXfrm>
     </dsp:sp>
     <dsp:sp modelId="{4A327EBF-D52E-48DC-B755-381919AF03B9}">
@@ -2237,7 +2302,7 @@
       </dsp:nvSpPr>
       <dsp:spPr>
         <a:xfrm>
-          <a:off x="0" y="3895371"/>
+          <a:off x="0" y="3408700"/>
           <a:ext cx="6666833" cy="0"/>
         </a:xfrm>
         <a:prstGeom prst="line">
@@ -2317,8 +2382,8 @@
       </dsp:nvSpPr>
       <dsp:spPr>
         <a:xfrm>
-          <a:off x="0" y="3895371"/>
-          <a:ext cx="6666833" cy="778941"/>
+          <a:off x="0" y="3408700"/>
+          <a:ext cx="6666833" cy="681740"/>
         </a:xfrm>
         <a:prstGeom prst="rect">
           <a:avLst/>
@@ -2342,12 +2407,12 @@
         <a:fontRef idx="minor"/>
       </dsp:style>
       <dsp:txBody>
-        <a:bodyPr spcFirstLastPara="0" vert="horz" wrap="square" lIns="137160" tIns="137160" rIns="137160" bIns="137160" numCol="1" spcCol="1270" anchor="t" anchorCtr="0">
+        <a:bodyPr spcFirstLastPara="0" vert="horz" wrap="square" lIns="118110" tIns="118110" rIns="118110" bIns="118110" numCol="1" spcCol="1270" anchor="t" anchorCtr="0">
           <a:noAutofit/>
         </a:bodyPr>
         <a:lstStyle/>
         <a:p>
-          <a:pPr marL="0" lvl="0" indent="0" algn="l" defTabSz="1600200">
+          <a:pPr marL="0" lvl="0" indent="0" algn="l" defTabSz="1377950">
             <a:lnSpc>
               <a:spcPct val="90000"/>
             </a:lnSpc>
@@ -2360,27 +2425,27 @@
             <a:buNone/>
           </a:pPr>
           <a:r>
-            <a:rPr lang="it-IT" sz="3600" kern="1200" dirty="0"/>
+            <a:rPr lang="it-IT" sz="3100" kern="1200" dirty="0"/>
             <a:t>Clustering </a:t>
           </a:r>
           <a:r>
-            <a:rPr lang="it-IT" sz="3600" kern="1200" dirty="0" err="1"/>
+            <a:rPr lang="it-IT" sz="3100" kern="1200" dirty="0" err="1"/>
             <a:t>Algorithm</a:t>
           </a:r>
           <a:r>
-            <a:rPr lang="it-IT" sz="3600" kern="1200" dirty="0"/>
+            <a:rPr lang="it-IT" sz="3100" kern="1200" dirty="0"/>
             <a:t> </a:t>
           </a:r>
           <a:r>
-            <a:rPr lang="it-IT" sz="3600" kern="1200" dirty="0" err="1"/>
+            <a:rPr lang="it-IT" sz="3100" kern="1200" dirty="0" err="1"/>
             <a:t>Results</a:t>
           </a:r>
-          <a:endParaRPr lang="en-US" sz="3600" kern="1200" dirty="0"/>
+          <a:endParaRPr lang="en-US" sz="3100" kern="1200" dirty="0"/>
         </a:p>
       </dsp:txBody>
       <dsp:txXfrm>
-        <a:off x="0" y="3895371"/>
-        <a:ext cx="6666833" cy="778941"/>
+        <a:off x="0" y="3408700"/>
+        <a:ext cx="6666833" cy="681740"/>
       </dsp:txXfrm>
     </dsp:sp>
     <dsp:sp modelId="{4010D0BF-4F28-4181-B881-CB520CD45958}">
@@ -2390,7 +2455,7 @@
       </dsp:nvSpPr>
       <dsp:spPr>
         <a:xfrm>
-          <a:off x="0" y="4674313"/>
+          <a:off x="0" y="4090440"/>
           <a:ext cx="6666833" cy="0"/>
         </a:xfrm>
         <a:prstGeom prst="line">
@@ -2470,8 +2535,8 @@
       </dsp:nvSpPr>
       <dsp:spPr>
         <a:xfrm>
-          <a:off x="0" y="4674313"/>
-          <a:ext cx="6666833" cy="778941"/>
+          <a:off x="0" y="4090440"/>
+          <a:ext cx="6666833" cy="681740"/>
         </a:xfrm>
         <a:prstGeom prst="rect">
           <a:avLst/>
@@ -2495,12 +2560,12 @@
         <a:fontRef idx="minor"/>
       </dsp:style>
       <dsp:txBody>
-        <a:bodyPr spcFirstLastPara="0" vert="horz" wrap="square" lIns="137160" tIns="137160" rIns="137160" bIns="137160" numCol="1" spcCol="1270" anchor="t" anchorCtr="0">
+        <a:bodyPr spcFirstLastPara="0" vert="horz" wrap="square" lIns="118110" tIns="118110" rIns="118110" bIns="118110" numCol="1" spcCol="1270" anchor="t" anchorCtr="0">
           <a:noAutofit/>
         </a:bodyPr>
         <a:lstStyle/>
         <a:p>
-          <a:pPr marL="0" lvl="0" indent="0" algn="l" defTabSz="1600200">
+          <a:pPr marL="0" lvl="0" indent="0" algn="l" defTabSz="1377950">
             <a:lnSpc>
               <a:spcPct val="90000"/>
             </a:lnSpc>
@@ -2513,15 +2578,160 @@
             <a:buNone/>
           </a:pPr>
           <a:r>
-            <a:rPr lang="it-IT" sz="3600" kern="1200" dirty="0"/>
+            <a:rPr lang="it-IT" sz="3100" kern="1200" dirty="0"/>
             <a:t>Use Cases</a:t>
           </a:r>
-          <a:endParaRPr lang="en-US" sz="3600" kern="1200" dirty="0"/>
+          <a:endParaRPr lang="en-US" sz="3100" kern="1200" dirty="0"/>
         </a:p>
       </dsp:txBody>
       <dsp:txXfrm>
-        <a:off x="0" y="4674313"/>
-        <a:ext cx="6666833" cy="778941"/>
+        <a:off x="0" y="4090440"/>
+        <a:ext cx="6666833" cy="681740"/>
+      </dsp:txXfrm>
+    </dsp:sp>
+    <dsp:sp modelId="{5596FB96-9C8B-4459-B556-53B7F09F35C5}">
+      <dsp:nvSpPr>
+        <dsp:cNvPr id="0" name=""/>
+        <dsp:cNvSpPr/>
+      </dsp:nvSpPr>
+      <dsp:spPr>
+        <a:xfrm>
+          <a:off x="0" y="4772179"/>
+          <a:ext cx="6666833" cy="0"/>
+        </a:xfrm>
+        <a:prstGeom prst="line">
+          <a:avLst/>
+        </a:prstGeom>
+        <a:gradFill rotWithShape="0">
+          <a:gsLst>
+            <a:gs pos="0">
+              <a:schemeClr val="accent4">
+                <a:hueOff val="0"/>
+                <a:satOff val="0"/>
+                <a:lumOff val="0"/>
+                <a:alphaOff val="0"/>
+                <a:satMod val="103000"/>
+                <a:lumMod val="102000"/>
+                <a:tint val="94000"/>
+              </a:schemeClr>
+            </a:gs>
+            <a:gs pos="50000">
+              <a:schemeClr val="accent4">
+                <a:hueOff val="0"/>
+                <a:satOff val="0"/>
+                <a:lumOff val="0"/>
+                <a:alphaOff val="0"/>
+                <a:satMod val="110000"/>
+                <a:lumMod val="100000"/>
+                <a:shade val="100000"/>
+              </a:schemeClr>
+            </a:gs>
+            <a:gs pos="100000">
+              <a:schemeClr val="accent4">
+                <a:hueOff val="0"/>
+                <a:satOff val="0"/>
+                <a:lumOff val="0"/>
+                <a:alphaOff val="0"/>
+                <a:lumMod val="99000"/>
+                <a:satMod val="120000"/>
+                <a:shade val="78000"/>
+              </a:schemeClr>
+            </a:gs>
+          </a:gsLst>
+          <a:lin ang="5400000" scaled="0"/>
+        </a:gradFill>
+        <a:ln w="6350" cap="flat" cmpd="sng" algn="ctr">
+          <a:solidFill>
+            <a:schemeClr val="accent4">
+              <a:hueOff val="0"/>
+              <a:satOff val="0"/>
+              <a:lumOff val="0"/>
+              <a:alphaOff val="0"/>
+            </a:schemeClr>
+          </a:solidFill>
+          <a:prstDash val="solid"/>
+          <a:miter lim="800000"/>
+        </a:ln>
+        <a:effectLst/>
+      </dsp:spPr>
+      <dsp:style>
+        <a:lnRef idx="1">
+          <a:scrgbClr r="0" g="0" b="0"/>
+        </a:lnRef>
+        <a:fillRef idx="3">
+          <a:scrgbClr r="0" g="0" b="0"/>
+        </a:fillRef>
+        <a:effectRef idx="2">
+          <a:scrgbClr r="0" g="0" b="0"/>
+        </a:effectRef>
+        <a:fontRef idx="minor">
+          <a:schemeClr val="lt1"/>
+        </a:fontRef>
+      </dsp:style>
+    </dsp:sp>
+    <dsp:sp modelId="{C728DF10-6B7F-4BDF-A5D0-39AEA378C5C0}">
+      <dsp:nvSpPr>
+        <dsp:cNvPr id="0" name=""/>
+        <dsp:cNvSpPr/>
+      </dsp:nvSpPr>
+      <dsp:spPr>
+        <a:xfrm>
+          <a:off x="0" y="4772180"/>
+          <a:ext cx="6666833" cy="681740"/>
+        </a:xfrm>
+        <a:prstGeom prst="rect">
+          <a:avLst/>
+        </a:prstGeom>
+        <a:noFill/>
+        <a:ln>
+          <a:noFill/>
+        </a:ln>
+        <a:effectLst/>
+      </dsp:spPr>
+      <dsp:style>
+        <a:lnRef idx="0">
+          <a:scrgbClr r="0" g="0" b="0"/>
+        </a:lnRef>
+        <a:fillRef idx="0">
+          <a:scrgbClr r="0" g="0" b="0"/>
+        </a:fillRef>
+        <a:effectRef idx="0">
+          <a:scrgbClr r="0" g="0" b="0"/>
+        </a:effectRef>
+        <a:fontRef idx="minor"/>
+      </dsp:style>
+      <dsp:txBody>
+        <a:bodyPr spcFirstLastPara="0" vert="horz" wrap="square" lIns="118110" tIns="118110" rIns="118110" bIns="118110" numCol="1" spcCol="1270" anchor="t" anchorCtr="0">
+          <a:noAutofit/>
+        </a:bodyPr>
+        <a:lstStyle/>
+        <a:p>
+          <a:pPr marL="0" lvl="0" indent="0" algn="l" defTabSz="1377950">
+            <a:lnSpc>
+              <a:spcPct val="90000"/>
+            </a:lnSpc>
+            <a:spcBef>
+              <a:spcPct val="0"/>
+            </a:spcBef>
+            <a:spcAft>
+              <a:spcPct val="35000"/>
+            </a:spcAft>
+            <a:buNone/>
+          </a:pPr>
+          <a:r>
+            <a:rPr lang="it-IT" sz="3100" kern="1200" dirty="0"/>
+            <a:t>Future </a:t>
+          </a:r>
+          <a:r>
+            <a:rPr lang="it-IT" sz="3100" kern="1200" dirty="0" err="1"/>
+            <a:t>Improvements</a:t>
+          </a:r>
+          <a:endParaRPr lang="en-US" sz="3100" kern="1200" dirty="0"/>
+        </a:p>
+      </dsp:txBody>
+      <dsp:txXfrm>
+        <a:off x="0" y="4772180"/>
+        <a:ext cx="6666833" cy="681740"/>
       </dsp:txXfrm>
     </dsp:sp>
   </dsp:spTree>
@@ -4175,7 +4385,7 @@
           <a:p>
             <a:fld id="{246CB39B-5F4C-4A7E-9BE3-AAFD45576D16}" type="datetime2">
               <a:rPr lang="en-US" smtClean="0"/>
-              <a:t>Wednesday, June 29, 2022</a:t>
+              <a:t>Thursday, June 30, 2022</a:t>
             </a:fld>
             <a:endParaRPr lang="en-US" dirty="0"/>
           </a:p>
@@ -4379,7 +4589,7 @@
           <a:p>
             <a:fld id="{246CB39B-5F4C-4A7E-9BE3-AAFD45576D16}" type="datetime2">
               <a:rPr lang="en-US" smtClean="0"/>
-              <a:t>Wednesday, June 29, 2022</a:t>
+              <a:t>Thursday, June 30, 2022</a:t>
             </a:fld>
             <a:endParaRPr lang="en-US" dirty="0"/>
           </a:p>
@@ -4593,7 +4803,7 @@
           <a:p>
             <a:fld id="{246CB39B-5F4C-4A7E-9BE3-AAFD45576D16}" type="datetime2">
               <a:rPr lang="en-US" smtClean="0"/>
-              <a:t>Wednesday, June 29, 2022</a:t>
+              <a:t>Thursday, June 30, 2022</a:t>
             </a:fld>
             <a:endParaRPr lang="en-US" dirty="0"/>
           </a:p>
@@ -4797,7 +5007,7 @@
           <a:p>
             <a:fld id="{246CB39B-5F4C-4A7E-9BE3-AAFD45576D16}" type="datetime2">
               <a:rPr lang="en-US" smtClean="0"/>
-              <a:t>Wednesday, June 29, 2022</a:t>
+              <a:t>Thursday, June 30, 2022</a:t>
             </a:fld>
             <a:endParaRPr lang="en-US" dirty="0"/>
           </a:p>
@@ -5078,7 +5288,7 @@
           <a:p>
             <a:fld id="{246CB39B-5F4C-4A7E-9BE3-AAFD45576D16}" type="datetime2">
               <a:rPr lang="en-US" smtClean="0"/>
-              <a:t>Wednesday, June 29, 2022</a:t>
+              <a:t>Thursday, June 30, 2022</a:t>
             </a:fld>
             <a:endParaRPr lang="en-US" dirty="0"/>
           </a:p>
@@ -5349,7 +5559,7 @@
           <a:p>
             <a:fld id="{246CB39B-5F4C-4A7E-9BE3-AAFD45576D16}" type="datetime2">
               <a:rPr lang="en-US" smtClean="0"/>
-              <a:t>Wednesday, June 29, 2022</a:t>
+              <a:t>Thursday, June 30, 2022</a:t>
             </a:fld>
             <a:endParaRPr lang="en-US" dirty="0"/>
           </a:p>
@@ -5767,7 +5977,7 @@
           <a:p>
             <a:fld id="{246CB39B-5F4C-4A7E-9BE3-AAFD45576D16}" type="datetime2">
               <a:rPr lang="en-US" smtClean="0"/>
-              <a:t>Wednesday, June 29, 2022</a:t>
+              <a:t>Thursday, June 30, 2022</a:t>
             </a:fld>
             <a:endParaRPr lang="en-US" dirty="0"/>
           </a:p>
@@ -5914,7 +6124,7 @@
           <a:p>
             <a:fld id="{246CB39B-5F4C-4A7E-9BE3-AAFD45576D16}" type="datetime2">
               <a:rPr lang="en-US" smtClean="0"/>
-              <a:t>Wednesday, June 29, 2022</a:t>
+              <a:t>Thursday, June 30, 2022</a:t>
             </a:fld>
             <a:endParaRPr lang="en-US" dirty="0"/>
           </a:p>
@@ -6033,7 +6243,7 @@
           <a:p>
             <a:fld id="{246CB39B-5F4C-4A7E-9BE3-AAFD45576D16}" type="datetime2">
               <a:rPr lang="en-US" smtClean="0"/>
-              <a:t>Wednesday, June 29, 2022</a:t>
+              <a:t>Thursday, June 30, 2022</a:t>
             </a:fld>
             <a:endParaRPr lang="en-US" dirty="0"/>
           </a:p>
@@ -6350,7 +6560,7 @@
           <a:p>
             <a:fld id="{246CB39B-5F4C-4A7E-9BE3-AAFD45576D16}" type="datetime2">
               <a:rPr lang="en-US" smtClean="0"/>
-              <a:t>Wednesday, June 29, 2022</a:t>
+              <a:t>Thursday, June 30, 2022</a:t>
             </a:fld>
             <a:endParaRPr lang="en-US" dirty="0"/>
           </a:p>
@@ -6644,7 +6854,7 @@
           <a:p>
             <a:fld id="{246CB39B-5F4C-4A7E-9BE3-AAFD45576D16}" type="datetime2">
               <a:rPr lang="en-US" smtClean="0"/>
-              <a:t>Wednesday, June 29, 2022</a:t>
+              <a:t>Thursday, June 30, 2022</a:t>
             </a:fld>
             <a:endParaRPr lang="en-US" dirty="0"/>
           </a:p>
@@ -6894,7 +7104,7 @@
           <a:p>
             <a:fld id="{246CB39B-5F4C-4A7E-9BE3-AAFD45576D16}" type="datetime2">
               <a:rPr lang="en-US" smtClean="0"/>
-              <a:t>Wednesday, June 29, 2022</a:t>
+              <a:t>Thursday, June 30, 2022</a:t>
             </a:fld>
             <a:endParaRPr lang="en-US" dirty="0"/>
           </a:p>
@@ -7897,6 +8107,501 @@
 </file>
 
 <file path=ppt/slides/slide10.xml><?xml version="1.0" encoding="utf-8"?>
+<p:sld xmlns:a="http://schemas.openxmlformats.org/drawingml/2006/main" xmlns:r="http://schemas.openxmlformats.org/officeDocument/2006/relationships" xmlns:p="http://schemas.openxmlformats.org/presentationml/2006/main">
+  <p:cSld>
+    <p:bg>
+      <p:bgPr>
+        <a:solidFill>
+          <a:schemeClr val="bg1"/>
+        </a:solidFill>
+        <a:effectLst/>
+      </p:bgPr>
+    </p:bg>
+    <p:spTree>
+      <p:nvGrpSpPr>
+        <p:cNvPr id="1" name=""/>
+        <p:cNvGrpSpPr/>
+        <p:nvPr/>
+      </p:nvGrpSpPr>
+      <p:grpSpPr>
+        <a:xfrm>
+          <a:off x="0" y="0"/>
+          <a:ext cx="0" cy="0"/>
+          <a:chOff x="0" y="0"/>
+          <a:chExt cx="0" cy="0"/>
+        </a:xfrm>
+      </p:grpSpPr>
+      <p:sp useBgFill="1">
+        <p:nvSpPr>
+          <p:cNvPr id="11" name="Rectangle 10">
+            <a:extLst>
+              <a:ext uri="{FF2B5EF4-FFF2-40B4-BE49-F238E27FC236}">
+                <a16:creationId xmlns:a16="http://schemas.microsoft.com/office/drawing/2014/main" id="{9203DE33-2CD4-4CA8-9AF3-37C3B65133B0}"/>
+              </a:ext>
+              <a:ext uri="{C183D7F6-B498-43B3-948B-1728B52AA6E4}">
+                <adec:decorative xmlns:adec="http://schemas.microsoft.com/office/drawing/2017/decorative" val="1"/>
+              </a:ext>
+            </a:extLst>
+          </p:cNvPr>
+          <p:cNvSpPr>
+            <a:spLocks noGrp="1" noRot="1" noChangeAspect="1" noMove="1" noResize="1" noEditPoints="1" noAdjustHandles="1" noChangeArrowheads="1" noChangeShapeType="1" noTextEdit="1"/>
+          </p:cNvSpPr>
+          <p:nvPr>
+            <p:extLst>
+              <p:ext uri="{386F3935-93C4-4BCD-93E2-E3B085C9AB24}">
+                <p16:designElem xmlns:p16="http://schemas.microsoft.com/office/powerpoint/2015/main" val="1"/>
+              </p:ext>
+            </p:extLst>
+          </p:nvPr>
+        </p:nvSpPr>
+        <p:spPr>
+          <a:xfrm>
+            <a:off x="0" y="2"/>
+            <a:ext cx="12192000" cy="6857997"/>
+          </a:xfrm>
+          <a:prstGeom prst="rect">
+            <a:avLst/>
+          </a:prstGeom>
+          <a:ln>
+            <a:noFill/>
+          </a:ln>
+        </p:spPr>
+        <p:style>
+          <a:lnRef idx="2">
+            <a:schemeClr val="accent1">
+              <a:shade val="50000"/>
+            </a:schemeClr>
+          </a:lnRef>
+          <a:fillRef idx="1">
+            <a:schemeClr val="accent1"/>
+          </a:fillRef>
+          <a:effectRef idx="0">
+            <a:schemeClr val="accent1"/>
+          </a:effectRef>
+          <a:fontRef idx="minor">
+            <a:schemeClr val="lt1"/>
+          </a:fontRef>
+        </p:style>
+        <p:txBody>
+          <a:bodyPr rtlCol="0" anchor="ctr"/>
+          <a:lstStyle/>
+          <a:p>
+            <a:pPr algn="ctr"/>
+            <a:endParaRPr lang="en-US"/>
+          </a:p>
+        </p:txBody>
+      </p:sp>
+      <p:sp>
+        <p:nvSpPr>
+          <p:cNvPr id="8" name="Rectangle 12">
+            <a:extLst>
+              <a:ext uri="{FF2B5EF4-FFF2-40B4-BE49-F238E27FC236}">
+                <a16:creationId xmlns:a16="http://schemas.microsoft.com/office/drawing/2014/main" id="{0AF57B88-1D4C-41FA-A761-EC1DD10C35CB}"/>
+              </a:ext>
+              <a:ext uri="{C183D7F6-B498-43B3-948B-1728B52AA6E4}">
+                <adec:decorative xmlns:adec="http://schemas.microsoft.com/office/drawing/2017/decorative" val="1"/>
+              </a:ext>
+            </a:extLst>
+          </p:cNvPr>
+          <p:cNvSpPr>
+            <a:spLocks noGrp="1" noRot="1" noChangeAspect="1" noMove="1" noResize="1" noEditPoints="1" noAdjustHandles="1" noChangeArrowheads="1" noChangeShapeType="1" noTextEdit="1"/>
+          </p:cNvSpPr>
+          <p:nvPr>
+            <p:extLst>
+              <p:ext uri="{386F3935-93C4-4BCD-93E2-E3B085C9AB24}">
+                <p16:designElem xmlns:p16="http://schemas.microsoft.com/office/powerpoint/2015/main" val="1"/>
+              </p:ext>
+            </p:extLst>
+          </p:nvPr>
+        </p:nvSpPr>
+        <p:spPr>
+          <a:xfrm rot="5400000" flipH="1">
+            <a:off x="-1417539" y="1417538"/>
+            <a:ext cx="6875818" cy="4040744"/>
+          </a:xfrm>
+          <a:prstGeom prst="rect">
+            <a:avLst/>
+          </a:prstGeom>
+          <a:gradFill>
+            <a:gsLst>
+              <a:gs pos="11000">
+                <a:srgbClr val="000000"/>
+              </a:gs>
+              <a:gs pos="100000">
+                <a:schemeClr val="accent1">
+                  <a:lumMod val="75000"/>
+                </a:schemeClr>
+              </a:gs>
+            </a:gsLst>
+            <a:lin ang="18600000" scaled="0"/>
+          </a:gradFill>
+          <a:ln>
+            <a:noFill/>
+          </a:ln>
+        </p:spPr>
+        <p:style>
+          <a:lnRef idx="2">
+            <a:schemeClr val="accent1">
+              <a:shade val="50000"/>
+            </a:schemeClr>
+          </a:lnRef>
+          <a:fillRef idx="1">
+            <a:schemeClr val="accent1"/>
+          </a:fillRef>
+          <a:effectRef idx="0">
+            <a:schemeClr val="accent1"/>
+          </a:effectRef>
+          <a:fontRef idx="minor">
+            <a:schemeClr val="lt1"/>
+          </a:fontRef>
+        </p:style>
+        <p:txBody>
+          <a:bodyPr rtlCol="0" anchor="ctr"/>
+          <a:lstStyle/>
+          <a:p>
+            <a:pPr algn="ctr"/>
+            <a:endParaRPr lang="en-US" dirty="0"/>
+          </a:p>
+        </p:txBody>
+      </p:sp>
+      <p:sp>
+        <p:nvSpPr>
+          <p:cNvPr id="9" name="Rectangle 14">
+            <a:extLst>
+              <a:ext uri="{FF2B5EF4-FFF2-40B4-BE49-F238E27FC236}">
+                <a16:creationId xmlns:a16="http://schemas.microsoft.com/office/drawing/2014/main" id="{D2548F45-5164-4ABB-8212-7F293FDED8D4}"/>
+              </a:ext>
+              <a:ext uri="{C183D7F6-B498-43B3-948B-1728B52AA6E4}">
+                <adec:decorative xmlns:adec="http://schemas.microsoft.com/office/drawing/2017/decorative" val="1"/>
+              </a:ext>
+            </a:extLst>
+          </p:cNvPr>
+          <p:cNvSpPr>
+            <a:spLocks noGrp="1" noRot="1" noChangeAspect="1" noMove="1" noResize="1" noEditPoints="1" noAdjustHandles="1" noChangeArrowheads="1" noChangeShapeType="1" noTextEdit="1"/>
+          </p:cNvSpPr>
+          <p:nvPr>
+            <p:extLst>
+              <p:ext uri="{386F3935-93C4-4BCD-93E2-E3B085C9AB24}">
+                <p16:designElem xmlns:p16="http://schemas.microsoft.com/office/powerpoint/2015/main" val="1"/>
+              </p:ext>
+            </p:extLst>
+          </p:nvPr>
+        </p:nvSpPr>
+        <p:spPr>
+          <a:xfrm rot="16200000">
+            <a:off x="-159565" y="2659404"/>
+            <a:ext cx="4355594" cy="4040742"/>
+          </a:xfrm>
+          <a:prstGeom prst="rect">
+            <a:avLst/>
+          </a:prstGeom>
+          <a:gradFill>
+            <a:gsLst>
+              <a:gs pos="0">
+                <a:schemeClr val="accent1">
+                  <a:alpha val="50000"/>
+                </a:schemeClr>
+              </a:gs>
+              <a:gs pos="100000">
+                <a:schemeClr val="accent1">
+                  <a:lumMod val="50000"/>
+                  <a:alpha val="0"/>
+                </a:schemeClr>
+              </a:gs>
+            </a:gsLst>
+            <a:lin ang="11400000" scaled="0"/>
+          </a:gradFill>
+          <a:ln>
+            <a:noFill/>
+          </a:ln>
+        </p:spPr>
+        <p:style>
+          <a:lnRef idx="2">
+            <a:schemeClr val="accent1">
+              <a:shade val="50000"/>
+            </a:schemeClr>
+          </a:lnRef>
+          <a:fillRef idx="1">
+            <a:schemeClr val="accent1"/>
+          </a:fillRef>
+          <a:effectRef idx="0">
+            <a:schemeClr val="accent1"/>
+          </a:effectRef>
+          <a:fontRef idx="minor">
+            <a:schemeClr val="lt1"/>
+          </a:fontRef>
+        </p:style>
+        <p:txBody>
+          <a:bodyPr rtlCol="0" anchor="ctr"/>
+          <a:lstStyle/>
+          <a:p>
+            <a:pPr algn="ctr"/>
+            <a:endParaRPr lang="en-US"/>
+          </a:p>
+        </p:txBody>
+      </p:sp>
+      <p:pic>
+        <p:nvPicPr>
+          <p:cNvPr id="6" name="Segnaposto contenuto 5">
+            <a:extLst>
+              <a:ext uri="{FF2B5EF4-FFF2-40B4-BE49-F238E27FC236}">
+                <a16:creationId xmlns:a16="http://schemas.microsoft.com/office/drawing/2014/main" id="{4D1ACE0D-3795-311C-5BC1-7C021A568300}"/>
+              </a:ext>
+            </a:extLst>
+          </p:cNvPr>
+          <p:cNvPicPr>
+            <a:picLocks noChangeAspect="1"/>
+          </p:cNvPicPr>
+          <p:nvPr/>
+        </p:nvPicPr>
+        <p:blipFill rotWithShape="1">
+          <a:blip r:embed="rId2">
+            <a:extLst>
+              <a:ext uri="{28A0092B-C50C-407E-A947-70E740481C1C}">
+                <a14:useLocalDpi xmlns:a14="http://schemas.microsoft.com/office/drawing/2010/main" val="0"/>
+              </a:ext>
+            </a:extLst>
+          </a:blip>
+          <a:srcRect l="5265" r="5726" b="-2"/>
+          <a:stretch/>
+        </p:blipFill>
+        <p:spPr>
+          <a:xfrm flipH="1" flipV="1">
+            <a:off x="4038599" y="10"/>
+            <a:ext cx="8160026" cy="6875809"/>
+          </a:xfrm>
+          <a:prstGeom prst="rect">
+            <a:avLst/>
+          </a:prstGeom>
+        </p:spPr>
+      </p:pic>
+      <p:sp>
+        <p:nvSpPr>
+          <p:cNvPr id="12" name="Freeform: Shape 16">
+            <a:extLst>
+              <a:ext uri="{FF2B5EF4-FFF2-40B4-BE49-F238E27FC236}">
+                <a16:creationId xmlns:a16="http://schemas.microsoft.com/office/drawing/2014/main" id="{5E81CCFB-7BEF-4186-86FB-D09450B4D02D}"/>
+              </a:ext>
+              <a:ext uri="{C183D7F6-B498-43B3-948B-1728B52AA6E4}">
+                <adec:decorative xmlns:adec="http://schemas.microsoft.com/office/drawing/2017/decorative" val="1"/>
+              </a:ext>
+            </a:extLst>
+          </p:cNvPr>
+          <p:cNvSpPr>
+            <a:spLocks noGrp="1" noRot="1" noChangeAspect="1" noMove="1" noResize="1" noEditPoints="1" noAdjustHandles="1" noChangeArrowheads="1" noChangeShapeType="1" noTextEdit="1"/>
+          </p:cNvSpPr>
+          <p:nvPr>
+            <p:extLst>
+              <p:ext uri="{386F3935-93C4-4BCD-93E2-E3B085C9AB24}">
+                <p16:designElem xmlns:p16="http://schemas.microsoft.com/office/powerpoint/2015/main" val="1"/>
+              </p:ext>
+            </p:extLst>
+          </p:nvPr>
+        </p:nvSpPr>
+        <p:spPr>
+          <a:xfrm rot="6097846">
+            <a:off x="-747355" y="1201312"/>
+            <a:ext cx="4808302" cy="4088666"/>
+          </a:xfrm>
+          <a:custGeom>
+            <a:avLst/>
+            <a:gdLst>
+              <a:gd name="connsiteX0" fmla="*/ 48844 w 4808302"/>
+              <a:gd name="connsiteY0" fmla="*/ 2888671 h 4088666"/>
+              <a:gd name="connsiteX1" fmla="*/ 0 w 4808302"/>
+              <a:gd name="connsiteY1" fmla="*/ 2404151 h 4088666"/>
+              <a:gd name="connsiteX2" fmla="*/ 2404151 w 4808302"/>
+              <a:gd name="connsiteY2" fmla="*/ 0 h 4088666"/>
+              <a:gd name="connsiteX3" fmla="*/ 4808302 w 4808302"/>
+              <a:gd name="connsiteY3" fmla="*/ 2404151 h 4088666"/>
+              <a:gd name="connsiteX4" fmla="*/ 4700216 w 4808302"/>
+              <a:gd name="connsiteY4" fmla="*/ 3119072 h 4088666"/>
+              <a:gd name="connsiteX5" fmla="*/ 4643143 w 4808302"/>
+              <a:gd name="connsiteY5" fmla="*/ 3275009 h 4088666"/>
+              <a:gd name="connsiteX6" fmla="*/ 690093 w 4808302"/>
+              <a:gd name="connsiteY6" fmla="*/ 4088666 h 4088666"/>
+              <a:gd name="connsiteX7" fmla="*/ 548991 w 4808302"/>
+              <a:gd name="connsiteY7" fmla="*/ 3933414 h 4088666"/>
+              <a:gd name="connsiteX8" fmla="*/ 48844 w 4808302"/>
+              <a:gd name="connsiteY8" fmla="*/ 2888671 h 4088666"/>
+            </a:gdLst>
+            <a:ahLst/>
+            <a:cxnLst>
+              <a:cxn ang="0">
+                <a:pos x="connsiteX0" y="connsiteY0"/>
+              </a:cxn>
+              <a:cxn ang="0">
+                <a:pos x="connsiteX1" y="connsiteY1"/>
+              </a:cxn>
+              <a:cxn ang="0">
+                <a:pos x="connsiteX2" y="connsiteY2"/>
+              </a:cxn>
+              <a:cxn ang="0">
+                <a:pos x="connsiteX3" y="connsiteY3"/>
+              </a:cxn>
+              <a:cxn ang="0">
+                <a:pos x="connsiteX4" y="connsiteY4"/>
+              </a:cxn>
+              <a:cxn ang="0">
+                <a:pos x="connsiteX5" y="connsiteY5"/>
+              </a:cxn>
+              <a:cxn ang="0">
+                <a:pos x="connsiteX6" y="connsiteY6"/>
+              </a:cxn>
+              <a:cxn ang="0">
+                <a:pos x="connsiteX7" y="connsiteY7"/>
+              </a:cxn>
+              <a:cxn ang="0">
+                <a:pos x="connsiteX8" y="connsiteY8"/>
+              </a:cxn>
+            </a:cxnLst>
+            <a:rect l="l" t="t" r="r" b="b"/>
+            <a:pathLst>
+              <a:path w="4808302" h="4088666">
+                <a:moveTo>
+                  <a:pt x="48844" y="2888671"/>
+                </a:moveTo>
+                <a:cubicBezTo>
+                  <a:pt x="16818" y="2732167"/>
+                  <a:pt x="0" y="2570123"/>
+                  <a:pt x="0" y="2404151"/>
+                </a:cubicBezTo>
+                <a:cubicBezTo>
+                  <a:pt x="0" y="1076375"/>
+                  <a:pt x="1076375" y="0"/>
+                  <a:pt x="2404151" y="0"/>
+                </a:cubicBezTo>
+                <a:cubicBezTo>
+                  <a:pt x="3731927" y="0"/>
+                  <a:pt x="4808302" y="1076375"/>
+                  <a:pt x="4808302" y="2404151"/>
+                </a:cubicBezTo>
+                <a:cubicBezTo>
+                  <a:pt x="4808302" y="2653109"/>
+                  <a:pt x="4770461" y="2893229"/>
+                  <a:pt x="4700216" y="3119072"/>
+                </a:cubicBezTo>
+                <a:lnTo>
+                  <a:pt x="4643143" y="3275009"/>
+                </a:lnTo>
+                <a:lnTo>
+                  <a:pt x="690093" y="4088666"/>
+                </a:lnTo>
+                <a:lnTo>
+                  <a:pt x="548991" y="3933414"/>
+                </a:lnTo>
+                <a:cubicBezTo>
+                  <a:pt x="304015" y="3636572"/>
+                  <a:pt x="128908" y="3279932"/>
+                  <a:pt x="48844" y="2888671"/>
+                </a:cubicBezTo>
+                <a:close/>
+              </a:path>
+            </a:pathLst>
+          </a:custGeom>
+          <a:gradFill>
+            <a:gsLst>
+              <a:gs pos="39000">
+                <a:schemeClr val="accent1">
+                  <a:lumMod val="60000"/>
+                  <a:lumOff val="40000"/>
+                  <a:alpha val="0"/>
+                </a:schemeClr>
+              </a:gs>
+              <a:gs pos="100000">
+                <a:schemeClr val="accent1">
+                  <a:lumMod val="75000"/>
+                  <a:alpha val="26000"/>
+                </a:schemeClr>
+              </a:gs>
+            </a:gsLst>
+            <a:lin ang="16800000" scaled="0"/>
+          </a:gradFill>
+          <a:ln>
+            <a:noFill/>
+          </a:ln>
+        </p:spPr>
+        <p:style>
+          <a:lnRef idx="2">
+            <a:schemeClr val="accent1">
+              <a:shade val="50000"/>
+            </a:schemeClr>
+          </a:lnRef>
+          <a:fillRef idx="1">
+            <a:schemeClr val="accent1"/>
+          </a:fillRef>
+          <a:effectRef idx="0">
+            <a:schemeClr val="accent1"/>
+          </a:effectRef>
+          <a:fontRef idx="minor">
+            <a:schemeClr val="lt1"/>
+          </a:fontRef>
+        </p:style>
+        <p:txBody>
+          <a:bodyPr wrap="square" rtlCol="0" anchor="ctr">
+            <a:noAutofit/>
+          </a:bodyPr>
+          <a:lstStyle/>
+          <a:p>
+            <a:pPr algn="ctr"/>
+            <a:endParaRPr lang="en-US" dirty="0"/>
+          </a:p>
+        </p:txBody>
+      </p:sp>
+      <p:sp>
+        <p:nvSpPr>
+          <p:cNvPr id="2" name="Titolo 1">
+            <a:extLst>
+              <a:ext uri="{FF2B5EF4-FFF2-40B4-BE49-F238E27FC236}">
+                <a16:creationId xmlns:a16="http://schemas.microsoft.com/office/drawing/2014/main" id="{B3DA58DF-6F18-29C1-211F-B00BE5AA4D19}"/>
+              </a:ext>
+            </a:extLst>
+          </p:cNvPr>
+          <p:cNvSpPr>
+            <a:spLocks noGrp="1"/>
+          </p:cNvSpPr>
+          <p:nvPr>
+            <p:ph type="title"/>
+          </p:nvPr>
+        </p:nvSpPr>
+        <p:spPr>
+          <a:xfrm>
+            <a:off x="571183" y="1137971"/>
+            <a:ext cx="3052293" cy="3531403"/>
+          </a:xfrm>
+        </p:spPr>
+        <p:txBody>
+          <a:bodyPr vert="horz" lIns="91440" tIns="45720" rIns="91440" bIns="45720" rtlCol="0" anchor="t">
+            <a:normAutofit/>
+          </a:bodyPr>
+          <a:lstStyle/>
+          <a:p>
+            <a:pPr marL="0" indent="0" algn="r"/>
+            <a:r>
+              <a:rPr lang="en-US" sz="4800" b="1" dirty="0">
+                <a:solidFill>
+                  <a:srgbClr val="FFFFFF"/>
+                </a:solidFill>
+              </a:rPr>
+              <a:t>Data Processing: Transaction Graph</a:t>
+            </a:r>
+          </a:p>
+        </p:txBody>
+      </p:sp>
+    </p:spTree>
+    <p:extLst>
+      <p:ext uri="{BB962C8B-B14F-4D97-AF65-F5344CB8AC3E}">
+        <p14:creationId xmlns:p14="http://schemas.microsoft.com/office/powerpoint/2010/main" val="1381417715"/>
+      </p:ext>
+    </p:extLst>
+  </p:cSld>
+  <p:clrMapOvr>
+    <a:masterClrMapping/>
+  </p:clrMapOvr>
+</p:sld>
+</file>
+
+<file path=ppt/slides/slide11.xml><?xml version="1.0" encoding="utf-8"?>
 <p:sld xmlns:a="http://schemas.openxmlformats.org/drawingml/2006/main" xmlns:r="http://schemas.openxmlformats.org/officeDocument/2006/relationships" xmlns:p="http://schemas.openxmlformats.org/presentationml/2006/main" show="0">
   <p:cSld>
     <p:bg>
@@ -8584,7 +9289,7 @@
 </p:sld>
 </file>
 
-<file path=ppt/slides/slide11.xml><?xml version="1.0" encoding="utf-8"?>
+<file path=ppt/slides/slide12.xml><?xml version="1.0" encoding="utf-8"?>
 <p:sld xmlns:a="http://schemas.openxmlformats.org/drawingml/2006/main" xmlns:r="http://schemas.openxmlformats.org/officeDocument/2006/relationships" xmlns:p="http://schemas.openxmlformats.org/presentationml/2006/main">
   <p:cSld>
     <p:bg>
@@ -9231,7 +9936,7 @@
 </p:sld>
 </file>
 
-<file path=ppt/slides/slide12.xml><?xml version="1.0" encoding="utf-8"?>
+<file path=ppt/slides/slide13.xml><?xml version="1.0" encoding="utf-8"?>
 <p:sld xmlns:a="http://schemas.openxmlformats.org/drawingml/2006/main" xmlns:r="http://schemas.openxmlformats.org/officeDocument/2006/relationships" xmlns:p="http://schemas.openxmlformats.org/presentationml/2006/main">
   <p:cSld>
     <p:bg>
@@ -9913,7 +10618,7 @@
             </a:pPr>
             <a:r>
               <a:rPr lang="en-US" sz="2400" dirty="0"/>
-              <a:t>Alice owns all inputs and outputs, and is simply moving coins between her own addresses (fake transaction)</a:t>
+              <a:t>Alice owns all inputs and outputs, and is simply moving coins between her own addresses (fake transaction).</a:t>
             </a:r>
           </a:p>
           <a:p>
@@ -10045,7 +10750,7 @@
 </p:sld>
 </file>
 
-<file path=ppt/slides/slide13.xml><?xml version="1.0" encoding="utf-8"?>
+<file path=ppt/slides/slide14.xml><?xml version="1.0" encoding="utf-8"?>
 <p:sld xmlns:a="http://schemas.openxmlformats.org/drawingml/2006/main" xmlns:r="http://schemas.openxmlformats.org/officeDocument/2006/relationships" xmlns:p="http://schemas.openxmlformats.org/presentationml/2006/main">
   <p:cSld>
     <p:bg>
@@ -10534,7 +11239,7 @@
           <a:p>
             <a:r>
               <a:rPr lang="en-US" sz="2400" dirty="0"/>
-              <a:t>So we can assume that, the owner of output addresses of a </a:t>
+              <a:t>According to a New York Times research, we can assume the following: the owner of output addresses of a </a:t>
             </a:r>
             <a:r>
               <a:rPr lang="en-US" sz="2400" dirty="0" err="1"/>
@@ -10542,7 +11247,7 @@
             </a:r>
             <a:r>
               <a:rPr lang="en-US" sz="2400" dirty="0"/>
-              <a:t> transaction is Satoshi with reasonable certainty, only if it is a </a:t>
+              <a:t> transaction is Satoshi with high probability, only if it is a </a:t>
             </a:r>
             <a:r>
               <a:rPr lang="en-US" sz="2400" dirty="0" err="1"/>
@@ -10594,7 +11299,7 @@
 </p:sld>
 </file>
 
-<file path=ppt/slides/slide14.xml><?xml version="1.0" encoding="utf-8"?>
+<file path=ppt/slides/slide15.xml><?xml version="1.0" encoding="utf-8"?>
 <p:sld xmlns:a="http://schemas.openxmlformats.org/drawingml/2006/main" xmlns:r="http://schemas.openxmlformats.org/officeDocument/2006/relationships" xmlns:p="http://schemas.openxmlformats.org/presentationml/2006/main">
   <p:cSld>
     <p:bg>
@@ -11116,7 +11821,7 @@
 </p:sld>
 </file>
 
-<file path=ppt/slides/slide15.xml><?xml version="1.0" encoding="utf-8"?>
+<file path=ppt/slides/slide16.xml><?xml version="1.0" encoding="utf-8"?>
 <p:sld xmlns:a="http://schemas.openxmlformats.org/drawingml/2006/main" xmlns:r="http://schemas.openxmlformats.org/officeDocument/2006/relationships" xmlns:p="http://schemas.openxmlformats.org/presentationml/2006/main">
   <p:cSld>
     <p:bg>
@@ -12016,7 +12721,7 @@
 </p:sld>
 </file>
 
-<file path=ppt/slides/slide16.xml><?xml version="1.0" encoding="utf-8"?>
+<file path=ppt/slides/slide17.xml><?xml version="1.0" encoding="utf-8"?>
 <p:sld xmlns:a="http://schemas.openxmlformats.org/drawingml/2006/main" xmlns:r="http://schemas.openxmlformats.org/officeDocument/2006/relationships" xmlns:p="http://schemas.openxmlformats.org/presentationml/2006/main">
   <p:cSld>
     <p:bg>
@@ -12601,17 +13306,6 @@
             </a:r>
           </a:p>
           <a:p>
-            <a:pPr eaLnBrk="0" fontAlgn="base" hangingPunct="0">
-              <a:spcBef>
-                <a:spcPct val="0"/>
-              </a:spcBef>
-              <a:spcAft>
-                <a:spcPts val="600"/>
-              </a:spcAft>
-            </a:pPr>
-            <a:endParaRPr lang="it-IT" altLang="it-IT" sz="2400" dirty="0"/>
-          </a:p>
-          <a:p>
             <a:pPr marL="0" indent="0" eaLnBrk="0" fontAlgn="base" hangingPunct="0">
               <a:spcBef>
                 <a:spcPct val="0"/>
@@ -12623,7 +13317,22 @@
             </a:pPr>
             <a:r>
               <a:rPr lang="it-IT" altLang="it-IT" sz="2400" dirty="0"/>
-              <a:t>		    	A (1 </a:t>
+              <a:t>			</a:t>
+            </a:r>
+          </a:p>
+          <a:p>
+            <a:pPr marL="0" indent="0" eaLnBrk="0" fontAlgn="base" hangingPunct="0">
+              <a:spcBef>
+                <a:spcPct val="0"/>
+              </a:spcBef>
+              <a:spcAft>
+                <a:spcPts val="600"/>
+              </a:spcAft>
+              <a:buNone/>
+            </a:pPr>
+            <a:r>
+              <a:rPr lang="it-IT" altLang="it-IT" sz="2400" dirty="0"/>
+              <a:t>			A (1 </a:t>
             </a:r>
             <a:r>
               <a:rPr lang="it-IT" altLang="it-IT" sz="2400" dirty="0" err="1"/>
@@ -12848,7 +13557,7 @@
 </p:sld>
 </file>
 
-<file path=ppt/slides/slide17.xml><?xml version="1.0" encoding="utf-8"?>
+<file path=ppt/slides/slide18.xml><?xml version="1.0" encoding="utf-8"?>
 <p:sld xmlns:a="http://schemas.openxmlformats.org/drawingml/2006/main" xmlns:r="http://schemas.openxmlformats.org/officeDocument/2006/relationships" xmlns:p="http://schemas.openxmlformats.org/presentationml/2006/main">
   <p:cSld>
     <p:bg>
@@ -14036,7 +14745,7 @@
 </p:sld>
 </file>
 
-<file path=ppt/slides/slide18.xml><?xml version="1.0" encoding="utf-8"?>
+<file path=ppt/slides/slide19.xml><?xml version="1.0" encoding="utf-8"?>
 <p:sld xmlns:a="http://schemas.openxmlformats.org/drawingml/2006/main" xmlns:r="http://schemas.openxmlformats.org/officeDocument/2006/relationships" xmlns:p="http://schemas.openxmlformats.org/presentationml/2006/main">
   <p:cSld>
     <p:bg>
@@ -14923,7 +15632,7 @@
               <a:rPr lang="it-IT" altLang="it-IT" sz="2400" dirty="0">
                 <a:latin typeface="+mn-lt"/>
               </a:rPr>
-              <a:t>		A (10 </a:t>
+              <a:t>			A (10 </a:t>
             </a:r>
             <a:r>
               <a:rPr lang="it-IT" altLang="it-IT" sz="2400" dirty="0" err="1">
@@ -14971,7 +15680,7 @@
               <a:rPr lang="it-IT" altLang="it-IT" sz="2400" dirty="0">
                 <a:latin typeface="+mn-lt"/>
               </a:rPr>
-              <a:t>					Y (4 </a:t>
+              <a:t>						Y (4 </a:t>
             </a:r>
             <a:r>
               <a:rPr lang="it-IT" altLang="it-IT" sz="2400" dirty="0" err="1">
@@ -15071,7 +15780,7 @@
               <a:rPr lang="it-IT" altLang="it-IT" sz="2400" dirty="0" err="1">
                 <a:latin typeface="+mn-lt"/>
               </a:rPr>
-              <a:t>transition</a:t>
+              <a:t>transaction</a:t>
             </a:r>
             <a:r>
               <a:rPr lang="it-IT" altLang="it-IT" sz="2400" dirty="0">
@@ -15095,7 +15804,780 @@
 </p:sld>
 </file>
 
-<file path=ppt/slides/slide19.xml><?xml version="1.0" encoding="utf-8"?>
+<file path=ppt/slides/slide2.xml><?xml version="1.0" encoding="utf-8"?>
+<p:sld xmlns:a="http://schemas.openxmlformats.org/drawingml/2006/main" xmlns:r="http://schemas.openxmlformats.org/officeDocument/2006/relationships" xmlns:p="http://schemas.openxmlformats.org/presentationml/2006/main">
+  <p:cSld>
+    <p:bg>
+      <p:bgPr>
+        <a:solidFill>
+          <a:schemeClr val="bg1"/>
+        </a:solidFill>
+        <a:effectLst/>
+      </p:bgPr>
+    </p:bg>
+    <p:spTree>
+      <p:nvGrpSpPr>
+        <p:cNvPr id="1" name=""/>
+        <p:cNvGrpSpPr/>
+        <p:nvPr/>
+      </p:nvGrpSpPr>
+      <p:grpSpPr>
+        <a:xfrm>
+          <a:off x="0" y="0"/>
+          <a:ext cx="0" cy="0"/>
+          <a:chOff x="0" y="0"/>
+          <a:chExt cx="0" cy="0"/>
+        </a:xfrm>
+      </p:grpSpPr>
+      <p:sp useBgFill="1">
+        <p:nvSpPr>
+          <p:cNvPr id="28" name="Rectangle 27">
+            <a:extLst>
+              <a:ext uri="{FF2B5EF4-FFF2-40B4-BE49-F238E27FC236}">
+                <a16:creationId xmlns:a16="http://schemas.microsoft.com/office/drawing/2014/main" id="{8C790BE2-4E4F-4AAF-81A2-4A6F4885EBE6}"/>
+              </a:ext>
+              <a:ext uri="{C183D7F6-B498-43B3-948B-1728B52AA6E4}">
+                <adec:decorative xmlns:adec="http://schemas.microsoft.com/office/drawing/2017/decorative" val="1"/>
+              </a:ext>
+            </a:extLst>
+          </p:cNvPr>
+          <p:cNvSpPr>
+            <a:spLocks noGrp="1" noRot="1" noChangeAspect="1" noMove="1" noResize="1" noEditPoints="1" noAdjustHandles="1" noChangeArrowheads="1" noChangeShapeType="1" noTextEdit="1"/>
+          </p:cNvSpPr>
+          <p:nvPr>
+            <p:extLst>
+              <p:ext uri="{386F3935-93C4-4BCD-93E2-E3B085C9AB24}">
+                <p16:designElem xmlns:p16="http://schemas.microsoft.com/office/powerpoint/2015/main" val="1"/>
+              </p:ext>
+            </p:extLst>
+          </p:nvPr>
+        </p:nvSpPr>
+        <p:spPr>
+          <a:xfrm>
+            <a:off x="0" y="0"/>
+            <a:ext cx="12192000" cy="6858000"/>
+          </a:xfrm>
+          <a:prstGeom prst="rect">
+            <a:avLst/>
+          </a:prstGeom>
+          <a:ln w="12700" cap="flat" cmpd="sng" algn="ctr">
+            <a:noFill/>
+            <a:prstDash val="solid"/>
+            <a:miter lim="800000"/>
+          </a:ln>
+          <a:effectLst/>
+          <a:extLst>
+            <a:ext uri="{91240B29-F687-4F45-9708-019B960494DF}">
+              <a14:hiddenLine xmlns:a14="http://schemas.microsoft.com/office/drawing/2010/main" w="12700" cap="flat" cmpd="sng" algn="ctr">
+                <a:solidFill>
+                  <a:schemeClr val="accent1">
+                    <a:shade val="50000"/>
+                  </a:schemeClr>
+                </a:solidFill>
+                <a:prstDash val="solid"/>
+                <a:miter lim="800000"/>
+              </a14:hiddenLine>
+            </a:ext>
+          </a:extLst>
+        </p:spPr>
+        <p:style>
+          <a:lnRef idx="2">
+            <a:schemeClr val="accent1">
+              <a:shade val="50000"/>
+            </a:schemeClr>
+          </a:lnRef>
+          <a:fillRef idx="1">
+            <a:schemeClr val="accent1"/>
+          </a:fillRef>
+          <a:effectRef idx="0">
+            <a:schemeClr val="accent1"/>
+          </a:effectRef>
+          <a:fontRef idx="minor">
+            <a:schemeClr val="lt1"/>
+          </a:fontRef>
+        </p:style>
+        <p:txBody>
+          <a:bodyPr rtlCol="0" anchor="ctr"/>
+          <a:lstStyle/>
+          <a:p>
+            <a:pPr algn="ctr"/>
+            <a:endParaRPr lang="en-US"/>
+          </a:p>
+        </p:txBody>
+      </p:sp>
+      <p:sp>
+        <p:nvSpPr>
+          <p:cNvPr id="30" name="Rectangle 29">
+            <a:extLst>
+              <a:ext uri="{FF2B5EF4-FFF2-40B4-BE49-F238E27FC236}">
+                <a16:creationId xmlns:a16="http://schemas.microsoft.com/office/drawing/2014/main" id="{D28B54C3-B57B-472A-B96E-1FCB67093DC2}"/>
+              </a:ext>
+              <a:ext uri="{C183D7F6-B498-43B3-948B-1728B52AA6E4}">
+                <adec:decorative xmlns:adec="http://schemas.microsoft.com/office/drawing/2017/decorative" val="1"/>
+              </a:ext>
+            </a:extLst>
+          </p:cNvPr>
+          <p:cNvSpPr>
+            <a:spLocks noGrp="1" noRot="1" noChangeAspect="1" noMove="1" noResize="1" noEditPoints="1" noAdjustHandles="1" noChangeArrowheads="1" noChangeShapeType="1" noTextEdit="1"/>
+          </p:cNvSpPr>
+          <p:nvPr>
+            <p:extLst>
+              <p:ext uri="{386F3935-93C4-4BCD-93E2-E3B085C9AB24}">
+                <p16:designElem xmlns:p16="http://schemas.microsoft.com/office/powerpoint/2015/main" val="1"/>
+              </p:ext>
+            </p:extLst>
+          </p:nvPr>
+        </p:nvSpPr>
+        <p:spPr>
+          <a:xfrm flipH="1">
+            <a:off x="-1" y="0"/>
+            <a:ext cx="12191999" cy="6858000"/>
+          </a:xfrm>
+          <a:prstGeom prst="rect">
+            <a:avLst/>
+          </a:prstGeom>
+          <a:gradFill>
+            <a:gsLst>
+              <a:gs pos="0">
+                <a:schemeClr val="accent1">
+                  <a:lumMod val="50000"/>
+                </a:schemeClr>
+              </a:gs>
+              <a:gs pos="100000">
+                <a:srgbClr val="000000"/>
+              </a:gs>
+            </a:gsLst>
+            <a:lin ang="13800000" scaled="0"/>
+          </a:gradFill>
+          <a:ln>
+            <a:noFill/>
+          </a:ln>
+        </p:spPr>
+        <p:style>
+          <a:lnRef idx="2">
+            <a:schemeClr val="accent1">
+              <a:shade val="50000"/>
+            </a:schemeClr>
+          </a:lnRef>
+          <a:fillRef idx="1">
+            <a:schemeClr val="accent1"/>
+          </a:fillRef>
+          <a:effectRef idx="0">
+            <a:schemeClr val="accent1"/>
+          </a:effectRef>
+          <a:fontRef idx="minor">
+            <a:schemeClr val="lt1"/>
+          </a:fontRef>
+        </p:style>
+        <p:txBody>
+          <a:bodyPr rtlCol="0" anchor="ctr"/>
+          <a:lstStyle/>
+          <a:p>
+            <a:pPr algn="ctr"/>
+            <a:endParaRPr lang="en-US"/>
+          </a:p>
+        </p:txBody>
+      </p:sp>
+      <p:sp>
+        <p:nvSpPr>
+          <p:cNvPr id="32" name="Rectangle 31">
+            <a:extLst>
+              <a:ext uri="{FF2B5EF4-FFF2-40B4-BE49-F238E27FC236}">
+                <a16:creationId xmlns:a16="http://schemas.microsoft.com/office/drawing/2014/main" id="{7DB3C429-F8DA-49B9-AF84-21996FCF78B5}"/>
+              </a:ext>
+              <a:ext uri="{C183D7F6-B498-43B3-948B-1728B52AA6E4}">
+                <adec:decorative xmlns:adec="http://schemas.microsoft.com/office/drawing/2017/decorative" val="1"/>
+              </a:ext>
+            </a:extLst>
+          </p:cNvPr>
+          <p:cNvSpPr>
+            <a:spLocks noGrp="1" noRot="1" noChangeAspect="1" noMove="1" noResize="1" noEditPoints="1" noAdjustHandles="1" noChangeArrowheads="1" noChangeShapeType="1" noTextEdit="1"/>
+          </p:cNvSpPr>
+          <p:nvPr>
+            <p:extLst>
+              <p:ext uri="{386F3935-93C4-4BCD-93E2-E3B085C9AB24}">
+                <p16:designElem xmlns:p16="http://schemas.microsoft.com/office/powerpoint/2015/main" val="1"/>
+              </p:ext>
+            </p:extLst>
+          </p:nvPr>
+        </p:nvSpPr>
+        <p:spPr>
+          <a:xfrm rot="10800000">
+            <a:off x="0" y="-4"/>
+            <a:ext cx="12192000" cy="6402581"/>
+          </a:xfrm>
+          <a:prstGeom prst="rect">
+            <a:avLst/>
+          </a:prstGeom>
+          <a:gradFill>
+            <a:gsLst>
+              <a:gs pos="1000">
+                <a:schemeClr val="accent1">
+                  <a:lumMod val="75000"/>
+                  <a:alpha val="59000"/>
+                </a:schemeClr>
+              </a:gs>
+              <a:gs pos="100000">
+                <a:srgbClr val="000000"/>
+              </a:gs>
+            </a:gsLst>
+            <a:lin ang="15000000" scaled="0"/>
+          </a:gradFill>
+          <a:ln>
+            <a:noFill/>
+          </a:ln>
+        </p:spPr>
+        <p:style>
+          <a:lnRef idx="2">
+            <a:schemeClr val="accent1">
+              <a:shade val="50000"/>
+            </a:schemeClr>
+          </a:lnRef>
+          <a:fillRef idx="1">
+            <a:schemeClr val="accent1"/>
+          </a:fillRef>
+          <a:effectRef idx="0">
+            <a:schemeClr val="accent1"/>
+          </a:effectRef>
+          <a:fontRef idx="minor">
+            <a:schemeClr val="lt1"/>
+          </a:fontRef>
+        </p:style>
+        <p:txBody>
+          <a:bodyPr rtlCol="0" anchor="ctr"/>
+          <a:lstStyle/>
+          <a:p>
+            <a:pPr algn="ctr"/>
+            <a:endParaRPr lang="en-US"/>
+          </a:p>
+        </p:txBody>
+      </p:sp>
+      <p:sp>
+        <p:nvSpPr>
+          <p:cNvPr id="34" name="Rectangle 33">
+            <a:extLst>
+              <a:ext uri="{FF2B5EF4-FFF2-40B4-BE49-F238E27FC236}">
+                <a16:creationId xmlns:a16="http://schemas.microsoft.com/office/drawing/2014/main" id="{E12088DD-B1AD-40E0-8B86-1D87A2CCD9BE}"/>
+              </a:ext>
+              <a:ext uri="{C183D7F6-B498-43B3-948B-1728B52AA6E4}">
+                <adec:decorative xmlns:adec="http://schemas.microsoft.com/office/drawing/2017/decorative" val="1"/>
+              </a:ext>
+            </a:extLst>
+          </p:cNvPr>
+          <p:cNvSpPr>
+            <a:spLocks noGrp="1" noRot="1" noChangeAspect="1" noMove="1" noResize="1" noEditPoints="1" noAdjustHandles="1" noChangeArrowheads="1" noChangeShapeType="1" noTextEdit="1"/>
+          </p:cNvSpPr>
+          <p:nvPr>
+            <p:extLst>
+              <p:ext uri="{386F3935-93C4-4BCD-93E2-E3B085C9AB24}">
+                <p16:designElem xmlns:p16="http://schemas.microsoft.com/office/powerpoint/2015/main" val="1"/>
+              </p:ext>
+            </p:extLst>
+          </p:nvPr>
+        </p:nvSpPr>
+        <p:spPr>
+          <a:xfrm rot="5400000" flipH="1">
+            <a:off x="2663054" y="-2653923"/>
+            <a:ext cx="6858001" cy="12165846"/>
+          </a:xfrm>
+          <a:prstGeom prst="rect">
+            <a:avLst/>
+          </a:prstGeom>
+          <a:gradFill>
+            <a:gsLst>
+              <a:gs pos="13000">
+                <a:schemeClr val="accent1">
+                  <a:lumMod val="50000"/>
+                  <a:alpha val="0"/>
+                </a:schemeClr>
+              </a:gs>
+              <a:gs pos="99000">
+                <a:srgbClr val="000000">
+                  <a:alpha val="28000"/>
+                </a:srgbClr>
+              </a:gs>
+            </a:gsLst>
+            <a:lin ang="0" scaled="0"/>
+          </a:gradFill>
+          <a:ln>
+            <a:noFill/>
+          </a:ln>
+        </p:spPr>
+        <p:style>
+          <a:lnRef idx="2">
+            <a:schemeClr val="accent1">
+              <a:shade val="50000"/>
+            </a:schemeClr>
+          </a:lnRef>
+          <a:fillRef idx="1">
+            <a:schemeClr val="accent1"/>
+          </a:fillRef>
+          <a:effectRef idx="0">
+            <a:schemeClr val="accent1"/>
+          </a:effectRef>
+          <a:fontRef idx="minor">
+            <a:schemeClr val="lt1"/>
+          </a:fontRef>
+        </p:style>
+        <p:txBody>
+          <a:bodyPr rtlCol="0" anchor="ctr"/>
+          <a:lstStyle/>
+          <a:p>
+            <a:pPr algn="ctr"/>
+            <a:endParaRPr lang="en-US" dirty="0"/>
+          </a:p>
+        </p:txBody>
+      </p:sp>
+      <p:sp>
+        <p:nvSpPr>
+          <p:cNvPr id="36" name="Rectangle 35">
+            <a:extLst>
+              <a:ext uri="{FF2B5EF4-FFF2-40B4-BE49-F238E27FC236}">
+                <a16:creationId xmlns:a16="http://schemas.microsoft.com/office/drawing/2014/main" id="{C4C9F2B0-1044-46EB-8AEB-C3BFFDE6C2CC}"/>
+              </a:ext>
+              <a:ext uri="{C183D7F6-B498-43B3-948B-1728B52AA6E4}">
+                <adec:decorative xmlns:adec="http://schemas.microsoft.com/office/drawing/2017/decorative" val="1"/>
+              </a:ext>
+            </a:extLst>
+          </p:cNvPr>
+          <p:cNvSpPr>
+            <a:spLocks noGrp="1" noRot="1" noChangeAspect="1" noMove="1" noResize="1" noEditPoints="1" noAdjustHandles="1" noChangeArrowheads="1" noChangeShapeType="1" noTextEdit="1"/>
+          </p:cNvSpPr>
+          <p:nvPr>
+            <p:extLst>
+              <p:ext uri="{386F3935-93C4-4BCD-93E2-E3B085C9AB24}">
+                <p16:designElem xmlns:p16="http://schemas.microsoft.com/office/powerpoint/2015/main" val="1"/>
+              </p:ext>
+            </p:extLst>
+          </p:nvPr>
+        </p:nvSpPr>
+        <p:spPr>
+          <a:xfrm flipH="1">
+            <a:off x="6094763" y="0"/>
+            <a:ext cx="6096001" cy="6858000"/>
+          </a:xfrm>
+          <a:prstGeom prst="rect">
+            <a:avLst/>
+          </a:prstGeom>
+          <a:gradFill>
+            <a:gsLst>
+              <a:gs pos="13000">
+                <a:schemeClr val="accent1">
+                  <a:lumMod val="50000"/>
+                  <a:alpha val="0"/>
+                </a:schemeClr>
+              </a:gs>
+              <a:gs pos="99000">
+                <a:schemeClr val="accent1">
+                  <a:lumMod val="75000"/>
+                  <a:alpha val="50000"/>
+                </a:schemeClr>
+              </a:gs>
+            </a:gsLst>
+            <a:lin ang="6000000" scaled="0"/>
+          </a:gradFill>
+          <a:ln>
+            <a:noFill/>
+          </a:ln>
+        </p:spPr>
+        <p:style>
+          <a:lnRef idx="2">
+            <a:schemeClr val="accent1">
+              <a:shade val="50000"/>
+            </a:schemeClr>
+          </a:lnRef>
+          <a:fillRef idx="1">
+            <a:schemeClr val="accent1"/>
+          </a:fillRef>
+          <a:effectRef idx="0">
+            <a:schemeClr val="accent1"/>
+          </a:effectRef>
+          <a:fontRef idx="minor">
+            <a:schemeClr val="lt1"/>
+          </a:fontRef>
+        </p:style>
+        <p:txBody>
+          <a:bodyPr rtlCol="0" anchor="ctr"/>
+          <a:lstStyle/>
+          <a:p>
+            <a:pPr algn="ctr"/>
+            <a:endParaRPr lang="en-US" dirty="0"/>
+          </a:p>
+        </p:txBody>
+      </p:sp>
+      <p:sp>
+        <p:nvSpPr>
+          <p:cNvPr id="38" name="Rectangle 37">
+            <a:extLst>
+              <a:ext uri="{FF2B5EF4-FFF2-40B4-BE49-F238E27FC236}">
+                <a16:creationId xmlns:a16="http://schemas.microsoft.com/office/drawing/2014/main" id="{0C395952-4E26-45A2-8756-2ADFD6E53C6E}"/>
+              </a:ext>
+              <a:ext uri="{C183D7F6-B498-43B3-948B-1728B52AA6E4}">
+                <adec:decorative xmlns:adec="http://schemas.microsoft.com/office/drawing/2017/decorative" val="1"/>
+              </a:ext>
+            </a:extLst>
+          </p:cNvPr>
+          <p:cNvSpPr>
+            <a:spLocks noGrp="1" noRot="1" noChangeAspect="1" noMove="1" noResize="1" noEditPoints="1" noAdjustHandles="1" noChangeArrowheads="1" noChangeShapeType="1" noTextEdit="1"/>
+          </p:cNvSpPr>
+          <p:nvPr>
+            <p:extLst>
+              <p:ext uri="{386F3935-93C4-4BCD-93E2-E3B085C9AB24}">
+                <p16:designElem xmlns:p16="http://schemas.microsoft.com/office/powerpoint/2015/main" val="1"/>
+              </p:ext>
+            </p:extLst>
+          </p:nvPr>
+        </p:nvSpPr>
+        <p:spPr>
+          <a:xfrm flipH="1">
+            <a:off x="-4" y="-3"/>
+            <a:ext cx="12182871" cy="6871922"/>
+          </a:xfrm>
+          <a:prstGeom prst="rect">
+            <a:avLst/>
+          </a:prstGeom>
+          <a:gradFill>
+            <a:gsLst>
+              <a:gs pos="13000">
+                <a:srgbClr val="000000">
+                  <a:alpha val="35000"/>
+                </a:srgbClr>
+              </a:gs>
+              <a:gs pos="99000">
+                <a:schemeClr val="accent1">
+                  <a:lumMod val="75000"/>
+                  <a:alpha val="0"/>
+                </a:schemeClr>
+              </a:gs>
+            </a:gsLst>
+            <a:lin ang="4800000" scaled="0"/>
+          </a:gradFill>
+          <a:ln>
+            <a:noFill/>
+          </a:ln>
+        </p:spPr>
+        <p:style>
+          <a:lnRef idx="2">
+            <a:schemeClr val="accent1">
+              <a:shade val="50000"/>
+            </a:schemeClr>
+          </a:lnRef>
+          <a:fillRef idx="1">
+            <a:schemeClr val="accent1"/>
+          </a:fillRef>
+          <a:effectRef idx="0">
+            <a:schemeClr val="accent1"/>
+          </a:effectRef>
+          <a:fontRef idx="minor">
+            <a:schemeClr val="lt1"/>
+          </a:fontRef>
+        </p:style>
+        <p:txBody>
+          <a:bodyPr rtlCol="0" anchor="ctr"/>
+          <a:lstStyle/>
+          <a:p>
+            <a:pPr algn="ctr"/>
+            <a:endParaRPr lang="en-US" dirty="0"/>
+          </a:p>
+        </p:txBody>
+      </p:sp>
+      <p:sp>
+        <p:nvSpPr>
+          <p:cNvPr id="40" name="Freeform: Shape 39">
+            <a:extLst>
+              <a:ext uri="{FF2B5EF4-FFF2-40B4-BE49-F238E27FC236}">
+                <a16:creationId xmlns:a16="http://schemas.microsoft.com/office/drawing/2014/main" id="{4734BADF-9461-4621-B112-2D7BABEA7DD0}"/>
+              </a:ext>
+              <a:ext uri="{C183D7F6-B498-43B3-948B-1728B52AA6E4}">
+                <adec:decorative xmlns:adec="http://schemas.microsoft.com/office/drawing/2017/decorative" val="1"/>
+              </a:ext>
+            </a:extLst>
+          </p:cNvPr>
+          <p:cNvSpPr>
+            <a:spLocks noGrp="1" noRot="1" noChangeAspect="1" noMove="1" noResize="1" noEditPoints="1" noAdjustHandles="1" noChangeArrowheads="1" noChangeShapeType="1" noTextEdit="1"/>
+          </p:cNvSpPr>
+          <p:nvPr>
+            <p:extLst>
+              <p:ext uri="{386F3935-93C4-4BCD-93E2-E3B085C9AB24}">
+                <p16:designElem xmlns:p16="http://schemas.microsoft.com/office/powerpoint/2015/main" val="1"/>
+              </p:ext>
+            </p:extLst>
+          </p:nvPr>
+        </p:nvSpPr>
+        <p:spPr>
+          <a:xfrm>
+            <a:off x="987713" y="4049"/>
+            <a:ext cx="10216576" cy="4729040"/>
+          </a:xfrm>
+          <a:custGeom>
+            <a:avLst/>
+            <a:gdLst>
+              <a:gd name="connsiteX0" fmla="*/ 0 w 10216576"/>
+              <a:gd name="connsiteY0" fmla="*/ 0 h 4729040"/>
+              <a:gd name="connsiteX1" fmla="*/ 10216576 w 10216576"/>
+              <a:gd name="connsiteY1" fmla="*/ 0 h 4729040"/>
+              <a:gd name="connsiteX2" fmla="*/ 10210268 w 10216576"/>
+              <a:gd name="connsiteY2" fmla="*/ 124944 h 4729040"/>
+              <a:gd name="connsiteX3" fmla="*/ 5108288 w 10216576"/>
+              <a:gd name="connsiteY3" fmla="*/ 4729040 h 4729040"/>
+              <a:gd name="connsiteX4" fmla="*/ 6309 w 10216576"/>
+              <a:gd name="connsiteY4" fmla="*/ 124944 h 4729040"/>
+            </a:gdLst>
+            <a:ahLst/>
+            <a:cxnLst>
+              <a:cxn ang="0">
+                <a:pos x="connsiteX0" y="connsiteY0"/>
+              </a:cxn>
+              <a:cxn ang="0">
+                <a:pos x="connsiteX1" y="connsiteY1"/>
+              </a:cxn>
+              <a:cxn ang="0">
+                <a:pos x="connsiteX2" y="connsiteY2"/>
+              </a:cxn>
+              <a:cxn ang="0">
+                <a:pos x="connsiteX3" y="connsiteY3"/>
+              </a:cxn>
+              <a:cxn ang="0">
+                <a:pos x="connsiteX4" y="connsiteY4"/>
+              </a:cxn>
+            </a:cxnLst>
+            <a:rect l="l" t="t" r="r" b="b"/>
+            <a:pathLst>
+              <a:path w="10216576" h="4729040">
+                <a:moveTo>
+                  <a:pt x="0" y="0"/>
+                </a:moveTo>
+                <a:lnTo>
+                  <a:pt x="10216576" y="0"/>
+                </a:lnTo>
+                <a:lnTo>
+                  <a:pt x="10210268" y="124944"/>
+                </a:lnTo>
+                <a:cubicBezTo>
+                  <a:pt x="9947637" y="2710997"/>
+                  <a:pt x="7763635" y="4729040"/>
+                  <a:pt x="5108288" y="4729040"/>
+                </a:cubicBezTo>
+                <a:cubicBezTo>
+                  <a:pt x="2452942" y="4729040"/>
+                  <a:pt x="268937" y="2710997"/>
+                  <a:pt x="6309" y="124944"/>
+                </a:cubicBezTo>
+                <a:close/>
+              </a:path>
+            </a:pathLst>
+          </a:custGeom>
+          <a:gradFill>
+            <a:gsLst>
+              <a:gs pos="7000">
+                <a:schemeClr val="accent1">
+                  <a:lumMod val="50000"/>
+                  <a:alpha val="4000"/>
+                </a:schemeClr>
+              </a:gs>
+              <a:gs pos="99000">
+                <a:schemeClr val="accent1">
+                  <a:alpha val="24000"/>
+                </a:schemeClr>
+              </a:gs>
+            </a:gsLst>
+            <a:lin ang="10200000" scaled="0"/>
+          </a:gradFill>
+          <a:ln>
+            <a:noFill/>
+          </a:ln>
+        </p:spPr>
+        <p:style>
+          <a:lnRef idx="2">
+            <a:schemeClr val="accent1">
+              <a:shade val="50000"/>
+            </a:schemeClr>
+          </a:lnRef>
+          <a:fillRef idx="1">
+            <a:schemeClr val="accent1"/>
+          </a:fillRef>
+          <a:effectRef idx="0">
+            <a:schemeClr val="accent1"/>
+          </a:effectRef>
+          <a:fontRef idx="minor">
+            <a:schemeClr val="lt1"/>
+          </a:fontRef>
+        </p:style>
+        <p:txBody>
+          <a:bodyPr wrap="square" rtlCol="0" anchor="ctr">
+            <a:noAutofit/>
+          </a:bodyPr>
+          <a:lstStyle/>
+          <a:p>
+            <a:pPr algn="ctr"/>
+            <a:endParaRPr lang="en-US"/>
+          </a:p>
+        </p:txBody>
+      </p:sp>
+      <p:sp>
+        <p:nvSpPr>
+          <p:cNvPr id="2" name="Titolo 1">
+            <a:extLst>
+              <a:ext uri="{FF2B5EF4-FFF2-40B4-BE49-F238E27FC236}">
+                <a16:creationId xmlns:a16="http://schemas.microsoft.com/office/drawing/2014/main" id="{EF80583D-EA25-A6C8-26E9-1AECC9915F7C}"/>
+              </a:ext>
+            </a:extLst>
+          </p:cNvPr>
+          <p:cNvSpPr>
+            <a:spLocks noGrp="1"/>
+          </p:cNvSpPr>
+          <p:nvPr>
+            <p:ph type="ctrTitle"/>
+          </p:nvPr>
+        </p:nvSpPr>
+        <p:spPr>
+          <a:xfrm>
+            <a:off x="2026693" y="1030406"/>
+            <a:ext cx="8147713" cy="3081242"/>
+          </a:xfrm>
+        </p:spPr>
+        <p:txBody>
+          <a:bodyPr vert="horz" lIns="0" tIns="0" rIns="0" bIns="0" rtlCol="0" anchor="ctr" anchorCtr="0">
+            <a:normAutofit/>
+          </a:bodyPr>
+          <a:lstStyle/>
+          <a:p>
+            <a:r>
+              <a:rPr lang="en-US" sz="4800" b="1" dirty="0">
+                <a:solidFill>
+                  <a:srgbClr val="FFFFFF"/>
+                </a:solidFill>
+              </a:rPr>
+              <a:t>Project Goal</a:t>
+            </a:r>
+          </a:p>
+        </p:txBody>
+      </p:sp>
+      <p:sp>
+        <p:nvSpPr>
+          <p:cNvPr id="3" name="Sottotitolo 2">
+            <a:extLst>
+              <a:ext uri="{FF2B5EF4-FFF2-40B4-BE49-F238E27FC236}">
+                <a16:creationId xmlns:a16="http://schemas.microsoft.com/office/drawing/2014/main" id="{B1FB62D3-7661-10FC-960F-B919A3F6D924}"/>
+              </a:ext>
+            </a:extLst>
+          </p:cNvPr>
+          <p:cNvSpPr>
+            <a:spLocks noGrp="1"/>
+          </p:cNvSpPr>
+          <p:nvPr>
+            <p:ph type="subTitle" idx="1"/>
+          </p:nvPr>
+        </p:nvSpPr>
+        <p:spPr>
+          <a:xfrm>
+            <a:off x="1559943" y="2950471"/>
+            <a:ext cx="9078628" cy="3081242"/>
+          </a:xfrm>
+        </p:spPr>
+        <p:txBody>
+          <a:bodyPr vert="horz" lIns="0" tIns="0" rIns="0" bIns="0" rtlCol="0" anchor="ctr">
+            <a:normAutofit/>
+          </a:bodyPr>
+          <a:lstStyle/>
+          <a:p>
+            <a:r>
+              <a:rPr lang="en-US" b="1" dirty="0">
+                <a:solidFill>
+                  <a:srgbClr val="FFFFFF"/>
+                </a:solidFill>
+              </a:rPr>
+              <a:t>Extract </a:t>
+            </a:r>
+            <a:r>
+              <a:rPr lang="en-US" dirty="0" err="1">
+                <a:solidFill>
+                  <a:srgbClr val="FFFFFF"/>
+                </a:solidFill>
+              </a:rPr>
+              <a:t>informations</a:t>
+            </a:r>
+            <a:r>
+              <a:rPr lang="en-US" dirty="0">
+                <a:solidFill>
+                  <a:srgbClr val="FFFFFF"/>
+                </a:solidFill>
+              </a:rPr>
+              <a:t> from </a:t>
+            </a:r>
+            <a:r>
+              <a:rPr lang="en-US" b="1" dirty="0">
+                <a:solidFill>
+                  <a:srgbClr val="FFFFFF"/>
+                </a:solidFill>
+              </a:rPr>
+              <a:t>Bitcoin blockchain</a:t>
+            </a:r>
+          </a:p>
+          <a:p>
+            <a:r>
+              <a:rPr lang="en-US" b="1" dirty="0">
+                <a:solidFill>
+                  <a:srgbClr val="FFFFFF"/>
+                </a:solidFill>
+              </a:rPr>
+              <a:t>Manipulate </a:t>
+            </a:r>
+            <a:r>
+              <a:rPr lang="en-US" dirty="0">
+                <a:solidFill>
+                  <a:srgbClr val="FFFFFF"/>
+                </a:solidFill>
+              </a:rPr>
+              <a:t>them to build</a:t>
+            </a:r>
+            <a:r>
+              <a:rPr lang="en-US" b="1" dirty="0">
+                <a:solidFill>
+                  <a:srgbClr val="FFFFFF"/>
+                </a:solidFill>
+              </a:rPr>
+              <a:t> transaction graph</a:t>
+            </a:r>
+          </a:p>
+          <a:p>
+            <a:r>
+              <a:rPr lang="en-US" b="1" dirty="0">
+                <a:solidFill>
+                  <a:srgbClr val="FFFFFF"/>
+                </a:solidFill>
+              </a:rPr>
+              <a:t>Perform chain analysis tasks</a:t>
+            </a:r>
+            <a:endParaRPr lang="it-IT" b="1" dirty="0">
+              <a:solidFill>
+                <a:srgbClr val="FFFFFF"/>
+              </a:solidFill>
+            </a:endParaRPr>
+          </a:p>
+          <a:p>
+            <a:endParaRPr lang="en-US" dirty="0">
+              <a:solidFill>
+                <a:srgbClr val="FFFFFF"/>
+              </a:solidFill>
+            </a:endParaRPr>
+          </a:p>
+        </p:txBody>
+      </p:sp>
+    </p:spTree>
+    <p:extLst>
+      <p:ext uri="{BB962C8B-B14F-4D97-AF65-F5344CB8AC3E}">
+        <p14:creationId xmlns:p14="http://schemas.microsoft.com/office/powerpoint/2010/main" val="3746710809"/>
+      </p:ext>
+    </p:extLst>
+  </p:cSld>
+  <p:clrMapOvr>
+    <a:masterClrMapping/>
+  </p:clrMapOvr>
+</p:sld>
+</file>
+
+<file path=ppt/slides/slide20.xml><?xml version="1.0" encoding="utf-8"?>
 <p:sld xmlns:a="http://schemas.openxmlformats.org/drawingml/2006/main" xmlns:r="http://schemas.openxmlformats.org/officeDocument/2006/relationships" xmlns:p="http://schemas.openxmlformats.org/presentationml/2006/main">
   <p:cSld>
     <p:bg>
@@ -15822,780 +17304,7 @@
 </p:sld>
 </file>
 
-<file path=ppt/slides/slide2.xml><?xml version="1.0" encoding="utf-8"?>
-<p:sld xmlns:a="http://schemas.openxmlformats.org/drawingml/2006/main" xmlns:r="http://schemas.openxmlformats.org/officeDocument/2006/relationships" xmlns:p="http://schemas.openxmlformats.org/presentationml/2006/main">
-  <p:cSld>
-    <p:bg>
-      <p:bgPr>
-        <a:solidFill>
-          <a:schemeClr val="bg1"/>
-        </a:solidFill>
-        <a:effectLst/>
-      </p:bgPr>
-    </p:bg>
-    <p:spTree>
-      <p:nvGrpSpPr>
-        <p:cNvPr id="1" name=""/>
-        <p:cNvGrpSpPr/>
-        <p:nvPr/>
-      </p:nvGrpSpPr>
-      <p:grpSpPr>
-        <a:xfrm>
-          <a:off x="0" y="0"/>
-          <a:ext cx="0" cy="0"/>
-          <a:chOff x="0" y="0"/>
-          <a:chExt cx="0" cy="0"/>
-        </a:xfrm>
-      </p:grpSpPr>
-      <p:sp useBgFill="1">
-        <p:nvSpPr>
-          <p:cNvPr id="28" name="Rectangle 27">
-            <a:extLst>
-              <a:ext uri="{FF2B5EF4-FFF2-40B4-BE49-F238E27FC236}">
-                <a16:creationId xmlns:a16="http://schemas.microsoft.com/office/drawing/2014/main" id="{8C790BE2-4E4F-4AAF-81A2-4A6F4885EBE6}"/>
-              </a:ext>
-              <a:ext uri="{C183D7F6-B498-43B3-948B-1728B52AA6E4}">
-                <adec:decorative xmlns:adec="http://schemas.microsoft.com/office/drawing/2017/decorative" val="1"/>
-              </a:ext>
-            </a:extLst>
-          </p:cNvPr>
-          <p:cNvSpPr>
-            <a:spLocks noGrp="1" noRot="1" noChangeAspect="1" noMove="1" noResize="1" noEditPoints="1" noAdjustHandles="1" noChangeArrowheads="1" noChangeShapeType="1" noTextEdit="1"/>
-          </p:cNvSpPr>
-          <p:nvPr>
-            <p:extLst>
-              <p:ext uri="{386F3935-93C4-4BCD-93E2-E3B085C9AB24}">
-                <p16:designElem xmlns:p16="http://schemas.microsoft.com/office/powerpoint/2015/main" val="1"/>
-              </p:ext>
-            </p:extLst>
-          </p:nvPr>
-        </p:nvSpPr>
-        <p:spPr>
-          <a:xfrm>
-            <a:off x="0" y="0"/>
-            <a:ext cx="12192000" cy="6858000"/>
-          </a:xfrm>
-          <a:prstGeom prst="rect">
-            <a:avLst/>
-          </a:prstGeom>
-          <a:ln w="12700" cap="flat" cmpd="sng" algn="ctr">
-            <a:noFill/>
-            <a:prstDash val="solid"/>
-            <a:miter lim="800000"/>
-          </a:ln>
-          <a:effectLst/>
-          <a:extLst>
-            <a:ext uri="{91240B29-F687-4F45-9708-019B960494DF}">
-              <a14:hiddenLine xmlns:a14="http://schemas.microsoft.com/office/drawing/2010/main" w="12700" cap="flat" cmpd="sng" algn="ctr">
-                <a:solidFill>
-                  <a:schemeClr val="accent1">
-                    <a:shade val="50000"/>
-                  </a:schemeClr>
-                </a:solidFill>
-                <a:prstDash val="solid"/>
-                <a:miter lim="800000"/>
-              </a14:hiddenLine>
-            </a:ext>
-          </a:extLst>
-        </p:spPr>
-        <p:style>
-          <a:lnRef idx="2">
-            <a:schemeClr val="accent1">
-              <a:shade val="50000"/>
-            </a:schemeClr>
-          </a:lnRef>
-          <a:fillRef idx="1">
-            <a:schemeClr val="accent1"/>
-          </a:fillRef>
-          <a:effectRef idx="0">
-            <a:schemeClr val="accent1"/>
-          </a:effectRef>
-          <a:fontRef idx="minor">
-            <a:schemeClr val="lt1"/>
-          </a:fontRef>
-        </p:style>
-        <p:txBody>
-          <a:bodyPr rtlCol="0" anchor="ctr"/>
-          <a:lstStyle/>
-          <a:p>
-            <a:pPr algn="ctr"/>
-            <a:endParaRPr lang="en-US"/>
-          </a:p>
-        </p:txBody>
-      </p:sp>
-      <p:sp>
-        <p:nvSpPr>
-          <p:cNvPr id="30" name="Rectangle 29">
-            <a:extLst>
-              <a:ext uri="{FF2B5EF4-FFF2-40B4-BE49-F238E27FC236}">
-                <a16:creationId xmlns:a16="http://schemas.microsoft.com/office/drawing/2014/main" id="{D28B54C3-B57B-472A-B96E-1FCB67093DC2}"/>
-              </a:ext>
-              <a:ext uri="{C183D7F6-B498-43B3-948B-1728B52AA6E4}">
-                <adec:decorative xmlns:adec="http://schemas.microsoft.com/office/drawing/2017/decorative" val="1"/>
-              </a:ext>
-            </a:extLst>
-          </p:cNvPr>
-          <p:cNvSpPr>
-            <a:spLocks noGrp="1" noRot="1" noChangeAspect="1" noMove="1" noResize="1" noEditPoints="1" noAdjustHandles="1" noChangeArrowheads="1" noChangeShapeType="1" noTextEdit="1"/>
-          </p:cNvSpPr>
-          <p:nvPr>
-            <p:extLst>
-              <p:ext uri="{386F3935-93C4-4BCD-93E2-E3B085C9AB24}">
-                <p16:designElem xmlns:p16="http://schemas.microsoft.com/office/powerpoint/2015/main" val="1"/>
-              </p:ext>
-            </p:extLst>
-          </p:nvPr>
-        </p:nvSpPr>
-        <p:spPr>
-          <a:xfrm flipH="1">
-            <a:off x="-1" y="0"/>
-            <a:ext cx="12191999" cy="6858000"/>
-          </a:xfrm>
-          <a:prstGeom prst="rect">
-            <a:avLst/>
-          </a:prstGeom>
-          <a:gradFill>
-            <a:gsLst>
-              <a:gs pos="0">
-                <a:schemeClr val="accent1">
-                  <a:lumMod val="50000"/>
-                </a:schemeClr>
-              </a:gs>
-              <a:gs pos="100000">
-                <a:srgbClr val="000000"/>
-              </a:gs>
-            </a:gsLst>
-            <a:lin ang="13800000" scaled="0"/>
-          </a:gradFill>
-          <a:ln>
-            <a:noFill/>
-          </a:ln>
-        </p:spPr>
-        <p:style>
-          <a:lnRef idx="2">
-            <a:schemeClr val="accent1">
-              <a:shade val="50000"/>
-            </a:schemeClr>
-          </a:lnRef>
-          <a:fillRef idx="1">
-            <a:schemeClr val="accent1"/>
-          </a:fillRef>
-          <a:effectRef idx="0">
-            <a:schemeClr val="accent1"/>
-          </a:effectRef>
-          <a:fontRef idx="minor">
-            <a:schemeClr val="lt1"/>
-          </a:fontRef>
-        </p:style>
-        <p:txBody>
-          <a:bodyPr rtlCol="0" anchor="ctr"/>
-          <a:lstStyle/>
-          <a:p>
-            <a:pPr algn="ctr"/>
-            <a:endParaRPr lang="en-US"/>
-          </a:p>
-        </p:txBody>
-      </p:sp>
-      <p:sp>
-        <p:nvSpPr>
-          <p:cNvPr id="32" name="Rectangle 31">
-            <a:extLst>
-              <a:ext uri="{FF2B5EF4-FFF2-40B4-BE49-F238E27FC236}">
-                <a16:creationId xmlns:a16="http://schemas.microsoft.com/office/drawing/2014/main" id="{7DB3C429-F8DA-49B9-AF84-21996FCF78B5}"/>
-              </a:ext>
-              <a:ext uri="{C183D7F6-B498-43B3-948B-1728B52AA6E4}">
-                <adec:decorative xmlns:adec="http://schemas.microsoft.com/office/drawing/2017/decorative" val="1"/>
-              </a:ext>
-            </a:extLst>
-          </p:cNvPr>
-          <p:cNvSpPr>
-            <a:spLocks noGrp="1" noRot="1" noChangeAspect="1" noMove="1" noResize="1" noEditPoints="1" noAdjustHandles="1" noChangeArrowheads="1" noChangeShapeType="1" noTextEdit="1"/>
-          </p:cNvSpPr>
-          <p:nvPr>
-            <p:extLst>
-              <p:ext uri="{386F3935-93C4-4BCD-93E2-E3B085C9AB24}">
-                <p16:designElem xmlns:p16="http://schemas.microsoft.com/office/powerpoint/2015/main" val="1"/>
-              </p:ext>
-            </p:extLst>
-          </p:nvPr>
-        </p:nvSpPr>
-        <p:spPr>
-          <a:xfrm rot="10800000">
-            <a:off x="0" y="-4"/>
-            <a:ext cx="12192000" cy="6402581"/>
-          </a:xfrm>
-          <a:prstGeom prst="rect">
-            <a:avLst/>
-          </a:prstGeom>
-          <a:gradFill>
-            <a:gsLst>
-              <a:gs pos="1000">
-                <a:schemeClr val="accent1">
-                  <a:lumMod val="75000"/>
-                  <a:alpha val="59000"/>
-                </a:schemeClr>
-              </a:gs>
-              <a:gs pos="100000">
-                <a:srgbClr val="000000"/>
-              </a:gs>
-            </a:gsLst>
-            <a:lin ang="15000000" scaled="0"/>
-          </a:gradFill>
-          <a:ln>
-            <a:noFill/>
-          </a:ln>
-        </p:spPr>
-        <p:style>
-          <a:lnRef idx="2">
-            <a:schemeClr val="accent1">
-              <a:shade val="50000"/>
-            </a:schemeClr>
-          </a:lnRef>
-          <a:fillRef idx="1">
-            <a:schemeClr val="accent1"/>
-          </a:fillRef>
-          <a:effectRef idx="0">
-            <a:schemeClr val="accent1"/>
-          </a:effectRef>
-          <a:fontRef idx="minor">
-            <a:schemeClr val="lt1"/>
-          </a:fontRef>
-        </p:style>
-        <p:txBody>
-          <a:bodyPr rtlCol="0" anchor="ctr"/>
-          <a:lstStyle/>
-          <a:p>
-            <a:pPr algn="ctr"/>
-            <a:endParaRPr lang="en-US"/>
-          </a:p>
-        </p:txBody>
-      </p:sp>
-      <p:sp>
-        <p:nvSpPr>
-          <p:cNvPr id="34" name="Rectangle 33">
-            <a:extLst>
-              <a:ext uri="{FF2B5EF4-FFF2-40B4-BE49-F238E27FC236}">
-                <a16:creationId xmlns:a16="http://schemas.microsoft.com/office/drawing/2014/main" id="{E12088DD-B1AD-40E0-8B86-1D87A2CCD9BE}"/>
-              </a:ext>
-              <a:ext uri="{C183D7F6-B498-43B3-948B-1728B52AA6E4}">
-                <adec:decorative xmlns:adec="http://schemas.microsoft.com/office/drawing/2017/decorative" val="1"/>
-              </a:ext>
-            </a:extLst>
-          </p:cNvPr>
-          <p:cNvSpPr>
-            <a:spLocks noGrp="1" noRot="1" noChangeAspect="1" noMove="1" noResize="1" noEditPoints="1" noAdjustHandles="1" noChangeArrowheads="1" noChangeShapeType="1" noTextEdit="1"/>
-          </p:cNvSpPr>
-          <p:nvPr>
-            <p:extLst>
-              <p:ext uri="{386F3935-93C4-4BCD-93E2-E3B085C9AB24}">
-                <p16:designElem xmlns:p16="http://schemas.microsoft.com/office/powerpoint/2015/main" val="1"/>
-              </p:ext>
-            </p:extLst>
-          </p:nvPr>
-        </p:nvSpPr>
-        <p:spPr>
-          <a:xfrm rot="5400000" flipH="1">
-            <a:off x="2663054" y="-2653923"/>
-            <a:ext cx="6858001" cy="12165846"/>
-          </a:xfrm>
-          <a:prstGeom prst="rect">
-            <a:avLst/>
-          </a:prstGeom>
-          <a:gradFill>
-            <a:gsLst>
-              <a:gs pos="13000">
-                <a:schemeClr val="accent1">
-                  <a:lumMod val="50000"/>
-                  <a:alpha val="0"/>
-                </a:schemeClr>
-              </a:gs>
-              <a:gs pos="99000">
-                <a:srgbClr val="000000">
-                  <a:alpha val="28000"/>
-                </a:srgbClr>
-              </a:gs>
-            </a:gsLst>
-            <a:lin ang="0" scaled="0"/>
-          </a:gradFill>
-          <a:ln>
-            <a:noFill/>
-          </a:ln>
-        </p:spPr>
-        <p:style>
-          <a:lnRef idx="2">
-            <a:schemeClr val="accent1">
-              <a:shade val="50000"/>
-            </a:schemeClr>
-          </a:lnRef>
-          <a:fillRef idx="1">
-            <a:schemeClr val="accent1"/>
-          </a:fillRef>
-          <a:effectRef idx="0">
-            <a:schemeClr val="accent1"/>
-          </a:effectRef>
-          <a:fontRef idx="minor">
-            <a:schemeClr val="lt1"/>
-          </a:fontRef>
-        </p:style>
-        <p:txBody>
-          <a:bodyPr rtlCol="0" anchor="ctr"/>
-          <a:lstStyle/>
-          <a:p>
-            <a:pPr algn="ctr"/>
-            <a:endParaRPr lang="en-US" dirty="0"/>
-          </a:p>
-        </p:txBody>
-      </p:sp>
-      <p:sp>
-        <p:nvSpPr>
-          <p:cNvPr id="36" name="Rectangle 35">
-            <a:extLst>
-              <a:ext uri="{FF2B5EF4-FFF2-40B4-BE49-F238E27FC236}">
-                <a16:creationId xmlns:a16="http://schemas.microsoft.com/office/drawing/2014/main" id="{C4C9F2B0-1044-46EB-8AEB-C3BFFDE6C2CC}"/>
-              </a:ext>
-              <a:ext uri="{C183D7F6-B498-43B3-948B-1728B52AA6E4}">
-                <adec:decorative xmlns:adec="http://schemas.microsoft.com/office/drawing/2017/decorative" val="1"/>
-              </a:ext>
-            </a:extLst>
-          </p:cNvPr>
-          <p:cNvSpPr>
-            <a:spLocks noGrp="1" noRot="1" noChangeAspect="1" noMove="1" noResize="1" noEditPoints="1" noAdjustHandles="1" noChangeArrowheads="1" noChangeShapeType="1" noTextEdit="1"/>
-          </p:cNvSpPr>
-          <p:nvPr>
-            <p:extLst>
-              <p:ext uri="{386F3935-93C4-4BCD-93E2-E3B085C9AB24}">
-                <p16:designElem xmlns:p16="http://schemas.microsoft.com/office/powerpoint/2015/main" val="1"/>
-              </p:ext>
-            </p:extLst>
-          </p:nvPr>
-        </p:nvSpPr>
-        <p:spPr>
-          <a:xfrm flipH="1">
-            <a:off x="6094763" y="0"/>
-            <a:ext cx="6096001" cy="6858000"/>
-          </a:xfrm>
-          <a:prstGeom prst="rect">
-            <a:avLst/>
-          </a:prstGeom>
-          <a:gradFill>
-            <a:gsLst>
-              <a:gs pos="13000">
-                <a:schemeClr val="accent1">
-                  <a:lumMod val="50000"/>
-                  <a:alpha val="0"/>
-                </a:schemeClr>
-              </a:gs>
-              <a:gs pos="99000">
-                <a:schemeClr val="accent1">
-                  <a:lumMod val="75000"/>
-                  <a:alpha val="50000"/>
-                </a:schemeClr>
-              </a:gs>
-            </a:gsLst>
-            <a:lin ang="6000000" scaled="0"/>
-          </a:gradFill>
-          <a:ln>
-            <a:noFill/>
-          </a:ln>
-        </p:spPr>
-        <p:style>
-          <a:lnRef idx="2">
-            <a:schemeClr val="accent1">
-              <a:shade val="50000"/>
-            </a:schemeClr>
-          </a:lnRef>
-          <a:fillRef idx="1">
-            <a:schemeClr val="accent1"/>
-          </a:fillRef>
-          <a:effectRef idx="0">
-            <a:schemeClr val="accent1"/>
-          </a:effectRef>
-          <a:fontRef idx="minor">
-            <a:schemeClr val="lt1"/>
-          </a:fontRef>
-        </p:style>
-        <p:txBody>
-          <a:bodyPr rtlCol="0" anchor="ctr"/>
-          <a:lstStyle/>
-          <a:p>
-            <a:pPr algn="ctr"/>
-            <a:endParaRPr lang="en-US" dirty="0"/>
-          </a:p>
-        </p:txBody>
-      </p:sp>
-      <p:sp>
-        <p:nvSpPr>
-          <p:cNvPr id="38" name="Rectangle 37">
-            <a:extLst>
-              <a:ext uri="{FF2B5EF4-FFF2-40B4-BE49-F238E27FC236}">
-                <a16:creationId xmlns:a16="http://schemas.microsoft.com/office/drawing/2014/main" id="{0C395952-4E26-45A2-8756-2ADFD6E53C6E}"/>
-              </a:ext>
-              <a:ext uri="{C183D7F6-B498-43B3-948B-1728B52AA6E4}">
-                <adec:decorative xmlns:adec="http://schemas.microsoft.com/office/drawing/2017/decorative" val="1"/>
-              </a:ext>
-            </a:extLst>
-          </p:cNvPr>
-          <p:cNvSpPr>
-            <a:spLocks noGrp="1" noRot="1" noChangeAspect="1" noMove="1" noResize="1" noEditPoints="1" noAdjustHandles="1" noChangeArrowheads="1" noChangeShapeType="1" noTextEdit="1"/>
-          </p:cNvSpPr>
-          <p:nvPr>
-            <p:extLst>
-              <p:ext uri="{386F3935-93C4-4BCD-93E2-E3B085C9AB24}">
-                <p16:designElem xmlns:p16="http://schemas.microsoft.com/office/powerpoint/2015/main" val="1"/>
-              </p:ext>
-            </p:extLst>
-          </p:nvPr>
-        </p:nvSpPr>
-        <p:spPr>
-          <a:xfrm flipH="1">
-            <a:off x="-4" y="-3"/>
-            <a:ext cx="12182871" cy="6871922"/>
-          </a:xfrm>
-          <a:prstGeom prst="rect">
-            <a:avLst/>
-          </a:prstGeom>
-          <a:gradFill>
-            <a:gsLst>
-              <a:gs pos="13000">
-                <a:srgbClr val="000000">
-                  <a:alpha val="35000"/>
-                </a:srgbClr>
-              </a:gs>
-              <a:gs pos="99000">
-                <a:schemeClr val="accent1">
-                  <a:lumMod val="75000"/>
-                  <a:alpha val="0"/>
-                </a:schemeClr>
-              </a:gs>
-            </a:gsLst>
-            <a:lin ang="4800000" scaled="0"/>
-          </a:gradFill>
-          <a:ln>
-            <a:noFill/>
-          </a:ln>
-        </p:spPr>
-        <p:style>
-          <a:lnRef idx="2">
-            <a:schemeClr val="accent1">
-              <a:shade val="50000"/>
-            </a:schemeClr>
-          </a:lnRef>
-          <a:fillRef idx="1">
-            <a:schemeClr val="accent1"/>
-          </a:fillRef>
-          <a:effectRef idx="0">
-            <a:schemeClr val="accent1"/>
-          </a:effectRef>
-          <a:fontRef idx="minor">
-            <a:schemeClr val="lt1"/>
-          </a:fontRef>
-        </p:style>
-        <p:txBody>
-          <a:bodyPr rtlCol="0" anchor="ctr"/>
-          <a:lstStyle/>
-          <a:p>
-            <a:pPr algn="ctr"/>
-            <a:endParaRPr lang="en-US" dirty="0"/>
-          </a:p>
-        </p:txBody>
-      </p:sp>
-      <p:sp>
-        <p:nvSpPr>
-          <p:cNvPr id="40" name="Freeform: Shape 39">
-            <a:extLst>
-              <a:ext uri="{FF2B5EF4-FFF2-40B4-BE49-F238E27FC236}">
-                <a16:creationId xmlns:a16="http://schemas.microsoft.com/office/drawing/2014/main" id="{4734BADF-9461-4621-B112-2D7BABEA7DD0}"/>
-              </a:ext>
-              <a:ext uri="{C183D7F6-B498-43B3-948B-1728B52AA6E4}">
-                <adec:decorative xmlns:adec="http://schemas.microsoft.com/office/drawing/2017/decorative" val="1"/>
-              </a:ext>
-            </a:extLst>
-          </p:cNvPr>
-          <p:cNvSpPr>
-            <a:spLocks noGrp="1" noRot="1" noChangeAspect="1" noMove="1" noResize="1" noEditPoints="1" noAdjustHandles="1" noChangeArrowheads="1" noChangeShapeType="1" noTextEdit="1"/>
-          </p:cNvSpPr>
-          <p:nvPr>
-            <p:extLst>
-              <p:ext uri="{386F3935-93C4-4BCD-93E2-E3B085C9AB24}">
-                <p16:designElem xmlns:p16="http://schemas.microsoft.com/office/powerpoint/2015/main" val="1"/>
-              </p:ext>
-            </p:extLst>
-          </p:nvPr>
-        </p:nvSpPr>
-        <p:spPr>
-          <a:xfrm>
-            <a:off x="987713" y="4049"/>
-            <a:ext cx="10216576" cy="4729040"/>
-          </a:xfrm>
-          <a:custGeom>
-            <a:avLst/>
-            <a:gdLst>
-              <a:gd name="connsiteX0" fmla="*/ 0 w 10216576"/>
-              <a:gd name="connsiteY0" fmla="*/ 0 h 4729040"/>
-              <a:gd name="connsiteX1" fmla="*/ 10216576 w 10216576"/>
-              <a:gd name="connsiteY1" fmla="*/ 0 h 4729040"/>
-              <a:gd name="connsiteX2" fmla="*/ 10210268 w 10216576"/>
-              <a:gd name="connsiteY2" fmla="*/ 124944 h 4729040"/>
-              <a:gd name="connsiteX3" fmla="*/ 5108288 w 10216576"/>
-              <a:gd name="connsiteY3" fmla="*/ 4729040 h 4729040"/>
-              <a:gd name="connsiteX4" fmla="*/ 6309 w 10216576"/>
-              <a:gd name="connsiteY4" fmla="*/ 124944 h 4729040"/>
-            </a:gdLst>
-            <a:ahLst/>
-            <a:cxnLst>
-              <a:cxn ang="0">
-                <a:pos x="connsiteX0" y="connsiteY0"/>
-              </a:cxn>
-              <a:cxn ang="0">
-                <a:pos x="connsiteX1" y="connsiteY1"/>
-              </a:cxn>
-              <a:cxn ang="0">
-                <a:pos x="connsiteX2" y="connsiteY2"/>
-              </a:cxn>
-              <a:cxn ang="0">
-                <a:pos x="connsiteX3" y="connsiteY3"/>
-              </a:cxn>
-              <a:cxn ang="0">
-                <a:pos x="connsiteX4" y="connsiteY4"/>
-              </a:cxn>
-            </a:cxnLst>
-            <a:rect l="l" t="t" r="r" b="b"/>
-            <a:pathLst>
-              <a:path w="10216576" h="4729040">
-                <a:moveTo>
-                  <a:pt x="0" y="0"/>
-                </a:moveTo>
-                <a:lnTo>
-                  <a:pt x="10216576" y="0"/>
-                </a:lnTo>
-                <a:lnTo>
-                  <a:pt x="10210268" y="124944"/>
-                </a:lnTo>
-                <a:cubicBezTo>
-                  <a:pt x="9947637" y="2710997"/>
-                  <a:pt x="7763635" y="4729040"/>
-                  <a:pt x="5108288" y="4729040"/>
-                </a:cubicBezTo>
-                <a:cubicBezTo>
-                  <a:pt x="2452942" y="4729040"/>
-                  <a:pt x="268937" y="2710997"/>
-                  <a:pt x="6309" y="124944"/>
-                </a:cubicBezTo>
-                <a:close/>
-              </a:path>
-            </a:pathLst>
-          </a:custGeom>
-          <a:gradFill>
-            <a:gsLst>
-              <a:gs pos="7000">
-                <a:schemeClr val="accent1">
-                  <a:lumMod val="50000"/>
-                  <a:alpha val="4000"/>
-                </a:schemeClr>
-              </a:gs>
-              <a:gs pos="99000">
-                <a:schemeClr val="accent1">
-                  <a:alpha val="24000"/>
-                </a:schemeClr>
-              </a:gs>
-            </a:gsLst>
-            <a:lin ang="10200000" scaled="0"/>
-          </a:gradFill>
-          <a:ln>
-            <a:noFill/>
-          </a:ln>
-        </p:spPr>
-        <p:style>
-          <a:lnRef idx="2">
-            <a:schemeClr val="accent1">
-              <a:shade val="50000"/>
-            </a:schemeClr>
-          </a:lnRef>
-          <a:fillRef idx="1">
-            <a:schemeClr val="accent1"/>
-          </a:fillRef>
-          <a:effectRef idx="0">
-            <a:schemeClr val="accent1"/>
-          </a:effectRef>
-          <a:fontRef idx="minor">
-            <a:schemeClr val="lt1"/>
-          </a:fontRef>
-        </p:style>
-        <p:txBody>
-          <a:bodyPr wrap="square" rtlCol="0" anchor="ctr">
-            <a:noAutofit/>
-          </a:bodyPr>
-          <a:lstStyle/>
-          <a:p>
-            <a:pPr algn="ctr"/>
-            <a:endParaRPr lang="en-US"/>
-          </a:p>
-        </p:txBody>
-      </p:sp>
-      <p:sp>
-        <p:nvSpPr>
-          <p:cNvPr id="2" name="Titolo 1">
-            <a:extLst>
-              <a:ext uri="{FF2B5EF4-FFF2-40B4-BE49-F238E27FC236}">
-                <a16:creationId xmlns:a16="http://schemas.microsoft.com/office/drawing/2014/main" id="{EF80583D-EA25-A6C8-26E9-1AECC9915F7C}"/>
-              </a:ext>
-            </a:extLst>
-          </p:cNvPr>
-          <p:cNvSpPr>
-            <a:spLocks noGrp="1"/>
-          </p:cNvSpPr>
-          <p:nvPr>
-            <p:ph type="ctrTitle"/>
-          </p:nvPr>
-        </p:nvSpPr>
-        <p:spPr>
-          <a:xfrm>
-            <a:off x="2026693" y="1030406"/>
-            <a:ext cx="8147713" cy="3081242"/>
-          </a:xfrm>
-        </p:spPr>
-        <p:txBody>
-          <a:bodyPr vert="horz" lIns="0" tIns="0" rIns="0" bIns="0" rtlCol="0" anchor="ctr" anchorCtr="0">
-            <a:normAutofit/>
-          </a:bodyPr>
-          <a:lstStyle/>
-          <a:p>
-            <a:r>
-              <a:rPr lang="en-US" sz="4800" b="1" dirty="0">
-                <a:solidFill>
-                  <a:srgbClr val="FFFFFF"/>
-                </a:solidFill>
-              </a:rPr>
-              <a:t>Project Goal</a:t>
-            </a:r>
-          </a:p>
-        </p:txBody>
-      </p:sp>
-      <p:sp>
-        <p:nvSpPr>
-          <p:cNvPr id="3" name="Sottotitolo 2">
-            <a:extLst>
-              <a:ext uri="{FF2B5EF4-FFF2-40B4-BE49-F238E27FC236}">
-                <a16:creationId xmlns:a16="http://schemas.microsoft.com/office/drawing/2014/main" id="{B1FB62D3-7661-10FC-960F-B919A3F6D924}"/>
-              </a:ext>
-            </a:extLst>
-          </p:cNvPr>
-          <p:cNvSpPr>
-            <a:spLocks noGrp="1"/>
-          </p:cNvSpPr>
-          <p:nvPr>
-            <p:ph type="subTitle" idx="1"/>
-          </p:nvPr>
-        </p:nvSpPr>
-        <p:spPr>
-          <a:xfrm>
-            <a:off x="1559943" y="2950471"/>
-            <a:ext cx="9078628" cy="3081242"/>
-          </a:xfrm>
-        </p:spPr>
-        <p:txBody>
-          <a:bodyPr vert="horz" lIns="0" tIns="0" rIns="0" bIns="0" rtlCol="0" anchor="ctr">
-            <a:normAutofit/>
-          </a:bodyPr>
-          <a:lstStyle/>
-          <a:p>
-            <a:r>
-              <a:rPr lang="en-US" b="1" dirty="0">
-                <a:solidFill>
-                  <a:srgbClr val="FFFFFF"/>
-                </a:solidFill>
-              </a:rPr>
-              <a:t>Extract </a:t>
-            </a:r>
-            <a:r>
-              <a:rPr lang="en-US" dirty="0" err="1">
-                <a:solidFill>
-                  <a:srgbClr val="FFFFFF"/>
-                </a:solidFill>
-              </a:rPr>
-              <a:t>informations</a:t>
-            </a:r>
-            <a:r>
-              <a:rPr lang="en-US" dirty="0">
-                <a:solidFill>
-                  <a:srgbClr val="FFFFFF"/>
-                </a:solidFill>
-              </a:rPr>
-              <a:t> from </a:t>
-            </a:r>
-            <a:r>
-              <a:rPr lang="en-US" b="1" dirty="0">
-                <a:solidFill>
-                  <a:srgbClr val="FFFFFF"/>
-                </a:solidFill>
-              </a:rPr>
-              <a:t>Bitcoin blockchain</a:t>
-            </a:r>
-          </a:p>
-          <a:p>
-            <a:r>
-              <a:rPr lang="en-US" b="1" dirty="0">
-                <a:solidFill>
-                  <a:srgbClr val="FFFFFF"/>
-                </a:solidFill>
-              </a:rPr>
-              <a:t>Manipulate </a:t>
-            </a:r>
-            <a:r>
-              <a:rPr lang="en-US" dirty="0">
-                <a:solidFill>
-                  <a:srgbClr val="FFFFFF"/>
-                </a:solidFill>
-              </a:rPr>
-              <a:t>them to build</a:t>
-            </a:r>
-            <a:r>
-              <a:rPr lang="en-US" b="1" dirty="0">
-                <a:solidFill>
-                  <a:srgbClr val="FFFFFF"/>
-                </a:solidFill>
-              </a:rPr>
-              <a:t> transaction graph</a:t>
-            </a:r>
-          </a:p>
-          <a:p>
-            <a:r>
-              <a:rPr lang="en-US" b="1" dirty="0">
-                <a:solidFill>
-                  <a:srgbClr val="FFFFFF"/>
-                </a:solidFill>
-              </a:rPr>
-              <a:t>Perform chain analysis tasks</a:t>
-            </a:r>
-            <a:endParaRPr lang="it-IT" b="1" dirty="0">
-              <a:solidFill>
-                <a:srgbClr val="FFFFFF"/>
-              </a:solidFill>
-            </a:endParaRPr>
-          </a:p>
-          <a:p>
-            <a:endParaRPr lang="en-US" dirty="0">
-              <a:solidFill>
-                <a:srgbClr val="FFFFFF"/>
-              </a:solidFill>
-            </a:endParaRPr>
-          </a:p>
-        </p:txBody>
-      </p:sp>
-    </p:spTree>
-    <p:extLst>
-      <p:ext uri="{BB962C8B-B14F-4D97-AF65-F5344CB8AC3E}">
-        <p14:creationId xmlns:p14="http://schemas.microsoft.com/office/powerpoint/2010/main" val="3746710809"/>
-      </p:ext>
-    </p:extLst>
-  </p:cSld>
-  <p:clrMapOvr>
-    <a:masterClrMapping/>
-  </p:clrMapOvr>
-</p:sld>
-</file>
-
-<file path=ppt/slides/slide20.xml><?xml version="1.0" encoding="utf-8"?>
+<file path=ppt/slides/slide21.xml><?xml version="1.0" encoding="utf-8"?>
 <p:sld xmlns:a="http://schemas.openxmlformats.org/drawingml/2006/main" xmlns:r="http://schemas.openxmlformats.org/officeDocument/2006/relationships" xmlns:p="http://schemas.openxmlformats.org/presentationml/2006/main">
   <p:cSld>
     <p:bg>
@@ -17345,7 +18054,19 @@
               <a:rPr lang="en-US" sz="2400" dirty="0">
                 <a:latin typeface="+mn-lt"/>
               </a:rPr>
-              <a:t>On mixed transactions it is possible to apply taint analysis and </a:t>
+              <a:t>On mixed transactions it is possible to apply </a:t>
+            </a:r>
+            <a:r>
+              <a:rPr lang="en-US" sz="2400" b="1" dirty="0">
+                <a:latin typeface="+mn-lt"/>
+              </a:rPr>
+              <a:t>taint analysis </a:t>
+            </a:r>
+            <a:r>
+              <a:rPr lang="en-US" sz="2400" dirty="0">
+                <a:latin typeface="+mn-lt"/>
+              </a:rPr>
+              <a:t>and </a:t>
             </a:r>
             <a:r>
               <a:rPr lang="en-US" sz="2400" b="1" dirty="0" err="1">
@@ -17417,7 +18138,7 @@
 </p:sld>
 </file>
 
-<file path=ppt/slides/slide21.xml><?xml version="1.0" encoding="utf-8"?>
+<file path=ppt/slides/slide22.xml><?xml version="1.0" encoding="utf-8"?>
 <p:sld xmlns:a="http://schemas.openxmlformats.org/drawingml/2006/main" xmlns:r="http://schemas.openxmlformats.org/officeDocument/2006/relationships" xmlns:p="http://schemas.openxmlformats.org/presentationml/2006/main">
   <p:cSld>
     <p:bg>
@@ -17990,7 +18711,7 @@
 </p:sld>
 </file>
 
-<file path=ppt/slides/slide22.xml><?xml version="1.0" encoding="utf-8"?>
+<file path=ppt/slides/slide23.xml><?xml version="1.0" encoding="utf-8"?>
 <p:sld xmlns:a="http://schemas.openxmlformats.org/drawingml/2006/main" xmlns:r="http://schemas.openxmlformats.org/officeDocument/2006/relationships" xmlns:p="http://schemas.openxmlformats.org/presentationml/2006/main">
   <p:cSld>
     <p:bg>
@@ -18526,29 +19247,7 @@
                 <a:ea typeface="+mj-ea"/>
                 <a:cs typeface="+mj-cs"/>
               </a:rPr>
-              <a:t>Clustering </a:t>
-            </a:r>
-            <a:r>
-              <a:rPr lang="en-US" sz="4800" b="1" kern="1200" dirty="0" err="1">
-                <a:solidFill>
-                  <a:srgbClr val="FFFFFF"/>
-                </a:solidFill>
-                <a:latin typeface="+mj-lt"/>
-                <a:ea typeface="+mj-ea"/>
-                <a:cs typeface="+mj-cs"/>
-              </a:rPr>
-              <a:t>Algoritm</a:t>
-            </a:r>
-            <a:r>
-              <a:rPr lang="en-US" sz="4800" b="1" kern="1200" dirty="0">
-                <a:solidFill>
-                  <a:srgbClr val="FFFFFF"/>
-                </a:solidFill>
-                <a:latin typeface="+mj-lt"/>
-                <a:ea typeface="+mj-ea"/>
-                <a:cs typeface="+mj-cs"/>
-              </a:rPr>
-              <a:t> Results:</a:t>
+              <a:t>Clustering Algorithm Results:</a:t>
             </a:r>
             <a:br>
               <a:rPr lang="en-US" sz="4800" b="1" kern="1200" dirty="0">
@@ -18707,7 +19406,7 @@
 </p:sld>
 </file>
 
-<file path=ppt/slides/slide23.xml><?xml version="1.0" encoding="utf-8"?>
+<file path=ppt/slides/slide24.xml><?xml version="1.0" encoding="utf-8"?>
 <p:sld xmlns:a="http://schemas.openxmlformats.org/drawingml/2006/main" xmlns:r="http://schemas.openxmlformats.org/officeDocument/2006/relationships" xmlns:p="http://schemas.openxmlformats.org/presentationml/2006/main">
   <p:cSld>
     <p:bg>
@@ -19132,7 +19831,7 @@
         </p:spPr>
         <p:txBody>
           <a:bodyPr>
-            <a:normAutofit/>
+            <a:normAutofit fontScale="90000"/>
           </a:bodyPr>
           <a:lstStyle/>
           <a:p>
@@ -19150,7 +19849,7 @@
                   <a:srgbClr val="FFFFFF"/>
                 </a:solidFill>
               </a:rPr>
-              <a:t>Algoritm</a:t>
+              <a:t>Algorithm</a:t>
             </a:r>
             <a:r>
               <a:rPr lang="it-IT" sz="4800" b="1" dirty="0">
@@ -19231,14 +19930,14 @@
             </a:r>
             <a:r>
               <a:rPr lang="en-US" sz="2400" dirty="0"/>
-              <a:t>as much as possible, that is, it avoids as much as possible the union of two addresses belonging to different entities. </a:t>
+              <a:t>as much as possible. </a:t>
             </a:r>
           </a:p>
           <a:p>
             <a:pPr algn="l"/>
             <a:r>
               <a:rPr lang="en-US" sz="2400" dirty="0"/>
-              <a:t>So the algorithm doesn't risk merging between two clusters. This results in </a:t>
+              <a:t>This results in </a:t>
             </a:r>
             <a:r>
               <a:rPr lang="en-US" sz="2400" b="1" dirty="0"/>
@@ -19292,42 +19991,38 @@
             </a:r>
             <a:r>
               <a:rPr lang="it-IT" sz="2400" dirty="0"/>
-              <a:t> more </a:t>
-            </a:r>
-            <a:r>
-              <a:rPr lang="it-IT" sz="2400" dirty="0" err="1"/>
+              <a:t> </a:t>
+            </a:r>
+            <a:r>
+              <a:rPr lang="it-IT" sz="2400" b="1" dirty="0"/>
+              <a:t>more </a:t>
+            </a:r>
+            <a:r>
+              <a:rPr lang="it-IT" sz="2400" b="1" dirty="0" err="1"/>
               <a:t>important</a:t>
             </a:r>
             <a:r>
-              <a:rPr lang="it-IT" sz="2400" dirty="0"/>
+              <a:rPr lang="it-IT" sz="2400" b="1" dirty="0"/>
               <a:t> reduce false </a:t>
             </a:r>
             <a:r>
-              <a:rPr lang="it-IT" sz="2400" dirty="0" err="1"/>
+              <a:rPr lang="it-IT" sz="2400" b="1" dirty="0" err="1"/>
               <a:t>positives</a:t>
             </a:r>
             <a:r>
-              <a:rPr lang="it-IT" sz="2400" dirty="0"/>
+              <a:rPr lang="it-IT" sz="2400" b="1" dirty="0"/>
               <a:t> </a:t>
             </a:r>
             <a:r>
-              <a:rPr lang="it-IT" sz="2400" dirty="0" err="1"/>
+              <a:rPr lang="it-IT" sz="2400" b="1" dirty="0" err="1"/>
               <a:t>then</a:t>
             </a:r>
             <a:r>
-              <a:rPr lang="it-IT" sz="2400" dirty="0"/>
-              <a:t> </a:t>
-            </a:r>
-            <a:r>
-              <a:rPr lang="it-IT" sz="2400" dirty="0" err="1"/>
-              <a:t>that</a:t>
-            </a:r>
-            <a:r>
-              <a:rPr lang="it-IT" sz="2400" dirty="0"/>
-              <a:t> reduce false </a:t>
-            </a:r>
-            <a:r>
-              <a:rPr lang="it-IT" sz="2400" dirty="0" err="1"/>
+              <a:rPr lang="it-IT" sz="2400" b="1" dirty="0"/>
+              <a:t> false </a:t>
+            </a:r>
+            <a:r>
+              <a:rPr lang="it-IT" sz="2400" b="1" dirty="0" err="1"/>
               <a:t>negatives</a:t>
             </a:r>
             <a:r>
@@ -19351,7 +20046,7 @@
 </p:sld>
 </file>
 
-<file path=ppt/slides/slide24.xml><?xml version="1.0" encoding="utf-8"?>
+<file path=ppt/slides/slide25.xml><?xml version="1.0" encoding="utf-8"?>
 <p:sld xmlns:a="http://schemas.openxmlformats.org/drawingml/2006/main" xmlns:r="http://schemas.openxmlformats.org/officeDocument/2006/relationships" xmlns:p="http://schemas.openxmlformats.org/presentationml/2006/main">
   <p:cSld>
     <p:bg>
@@ -19842,14 +20537,22 @@
             <a:pPr algn="l"/>
             <a:r>
               <a:rPr lang="en-US" sz="2400" dirty="0"/>
-              <a:t>Thanks to the results of clustering algorithm, a web app has been developed. </a:t>
+              <a:t>Thanks to the results of clustering algorithm, a </a:t>
+            </a:r>
+            <a:r>
+              <a:rPr lang="en-US" sz="2400" b="1" dirty="0"/>
+              <a:t>web app </a:t>
+            </a:r>
+            <a:r>
+              <a:rPr lang="en-US" sz="2400" dirty="0"/>
+              <a:t>has been developed. </a:t>
             </a:r>
           </a:p>
           <a:p>
             <a:pPr algn="l"/>
             <a:r>
               <a:rPr lang="en-US" sz="2400" dirty="0"/>
-              <a:t>Given an address, the web app displays all the movements made by an entity that owns the address entered via a transaction graph.</a:t>
+              <a:t>Via the transaction graph, the web app displays all the movements made by an entity that owns the entered address.</a:t>
             </a:r>
           </a:p>
         </p:txBody>
@@ -19858,6 +20561,664 @@
     <p:extLst>
       <p:ext uri="{BB962C8B-B14F-4D97-AF65-F5344CB8AC3E}">
         <p14:creationId xmlns:p14="http://schemas.microsoft.com/office/powerpoint/2010/main" val="1725872126"/>
+      </p:ext>
+    </p:extLst>
+  </p:cSld>
+  <p:clrMapOvr>
+    <a:masterClrMapping/>
+  </p:clrMapOvr>
+</p:sld>
+</file>
+
+<file path=ppt/slides/slide26.xml><?xml version="1.0" encoding="utf-8"?>
+<p:sld xmlns:a="http://schemas.openxmlformats.org/drawingml/2006/main" xmlns:r="http://schemas.openxmlformats.org/officeDocument/2006/relationships" xmlns:p="http://schemas.openxmlformats.org/presentationml/2006/main">
+  <p:cSld>
+    <p:bg>
+      <p:bgPr>
+        <a:solidFill>
+          <a:schemeClr val="bg1"/>
+        </a:solidFill>
+        <a:effectLst/>
+      </p:bgPr>
+    </p:bg>
+    <p:spTree>
+      <p:nvGrpSpPr>
+        <p:cNvPr id="1" name=""/>
+        <p:cNvGrpSpPr/>
+        <p:nvPr/>
+      </p:nvGrpSpPr>
+      <p:grpSpPr>
+        <a:xfrm>
+          <a:off x="0" y="0"/>
+          <a:ext cx="0" cy="0"/>
+          <a:chOff x="0" y="0"/>
+          <a:chExt cx="0" cy="0"/>
+        </a:xfrm>
+      </p:grpSpPr>
+      <p:sp useBgFill="1">
+        <p:nvSpPr>
+          <p:cNvPr id="8" name="Rectangle 7">
+            <a:extLst>
+              <a:ext uri="{FF2B5EF4-FFF2-40B4-BE49-F238E27FC236}">
+                <a16:creationId xmlns:a16="http://schemas.microsoft.com/office/drawing/2014/main" id="{1B15ED52-F352-441B-82BF-E0EA34836D08}"/>
+              </a:ext>
+              <a:ext uri="{C183D7F6-B498-43B3-948B-1728B52AA6E4}">
+                <adec:decorative xmlns:adec="http://schemas.microsoft.com/office/drawing/2017/decorative" val="1"/>
+              </a:ext>
+            </a:extLst>
+          </p:cNvPr>
+          <p:cNvSpPr>
+            <a:spLocks noGrp="1" noRot="1" noChangeAspect="1" noMove="1" noResize="1" noEditPoints="1" noAdjustHandles="1" noChangeArrowheads="1" noChangeShapeType="1" noTextEdit="1"/>
+          </p:cNvSpPr>
+          <p:nvPr>
+            <p:extLst>
+              <p:ext uri="{386F3935-93C4-4BCD-93E2-E3B085C9AB24}">
+                <p16:designElem xmlns:p16="http://schemas.microsoft.com/office/powerpoint/2015/main" val="1"/>
+              </p:ext>
+            </p:extLst>
+          </p:nvPr>
+        </p:nvSpPr>
+        <p:spPr>
+          <a:xfrm>
+            <a:off x="0" y="0"/>
+            <a:ext cx="12192000" cy="6858000"/>
+          </a:xfrm>
+          <a:prstGeom prst="rect">
+            <a:avLst/>
+          </a:prstGeom>
+          <a:ln w="12700" cap="flat" cmpd="sng" algn="ctr">
+            <a:noFill/>
+            <a:prstDash val="solid"/>
+            <a:miter lim="800000"/>
+          </a:ln>
+          <a:effectLst/>
+          <a:extLst>
+            <a:ext uri="{91240B29-F687-4F45-9708-019B960494DF}">
+              <a14:hiddenLine xmlns:a14="http://schemas.microsoft.com/office/drawing/2010/main" w="12700" cap="flat" cmpd="sng" algn="ctr">
+                <a:solidFill>
+                  <a:schemeClr val="accent1">
+                    <a:shade val="50000"/>
+                  </a:schemeClr>
+                </a:solidFill>
+                <a:prstDash val="solid"/>
+                <a:miter lim="800000"/>
+              </a14:hiddenLine>
+            </a:ext>
+          </a:extLst>
+        </p:spPr>
+        <p:style>
+          <a:lnRef idx="2">
+            <a:schemeClr val="accent1">
+              <a:shade val="50000"/>
+            </a:schemeClr>
+          </a:lnRef>
+          <a:fillRef idx="1">
+            <a:schemeClr val="accent1"/>
+          </a:fillRef>
+          <a:effectRef idx="0">
+            <a:schemeClr val="accent1"/>
+          </a:effectRef>
+          <a:fontRef idx="minor">
+            <a:schemeClr val="lt1"/>
+          </a:fontRef>
+        </p:style>
+        <p:txBody>
+          <a:bodyPr rtlCol="0" anchor="ctr"/>
+          <a:lstStyle/>
+          <a:p>
+            <a:pPr algn="ctr"/>
+            <a:endParaRPr lang="en-US"/>
+          </a:p>
+        </p:txBody>
+      </p:sp>
+      <p:sp>
+        <p:nvSpPr>
+          <p:cNvPr id="10" name="Rectangle 9">
+            <a:extLst>
+              <a:ext uri="{FF2B5EF4-FFF2-40B4-BE49-F238E27FC236}">
+                <a16:creationId xmlns:a16="http://schemas.microsoft.com/office/drawing/2014/main" id="{3B2E3793-BFE6-45A2-9B7B-E18844431C99}"/>
+              </a:ext>
+              <a:ext uri="{C183D7F6-B498-43B3-948B-1728B52AA6E4}">
+                <adec:decorative xmlns:adec="http://schemas.microsoft.com/office/drawing/2017/decorative" val="1"/>
+              </a:ext>
+            </a:extLst>
+          </p:cNvPr>
+          <p:cNvSpPr>
+            <a:spLocks noGrp="1" noRot="1" noChangeAspect="1" noMove="1" noResize="1" noEditPoints="1" noAdjustHandles="1" noChangeArrowheads="1" noChangeShapeType="1" noTextEdit="1"/>
+          </p:cNvSpPr>
+          <p:nvPr>
+            <p:extLst>
+              <p:ext uri="{386F3935-93C4-4BCD-93E2-E3B085C9AB24}">
+                <p16:designElem xmlns:p16="http://schemas.microsoft.com/office/powerpoint/2015/main" val="1"/>
+              </p:ext>
+            </p:extLst>
+          </p:nvPr>
+        </p:nvSpPr>
+        <p:spPr>
+          <a:xfrm flipH="1">
+            <a:off x="-1" y="-1"/>
+            <a:ext cx="12191998" cy="1590742"/>
+          </a:xfrm>
+          <a:prstGeom prst="rect">
+            <a:avLst/>
+          </a:prstGeom>
+          <a:gradFill>
+            <a:gsLst>
+              <a:gs pos="0">
+                <a:srgbClr val="000000"/>
+              </a:gs>
+              <a:gs pos="100000">
+                <a:schemeClr val="accent1">
+                  <a:lumMod val="75000"/>
+                </a:schemeClr>
+              </a:gs>
+            </a:gsLst>
+            <a:lin ang="8400000" scaled="0"/>
+          </a:gradFill>
+          <a:ln>
+            <a:noFill/>
+          </a:ln>
+        </p:spPr>
+        <p:style>
+          <a:lnRef idx="2">
+            <a:schemeClr val="accent1">
+              <a:shade val="50000"/>
+            </a:schemeClr>
+          </a:lnRef>
+          <a:fillRef idx="1">
+            <a:schemeClr val="accent1"/>
+          </a:fillRef>
+          <a:effectRef idx="0">
+            <a:schemeClr val="accent1"/>
+          </a:effectRef>
+          <a:fontRef idx="minor">
+            <a:schemeClr val="lt1"/>
+          </a:fontRef>
+        </p:style>
+        <p:txBody>
+          <a:bodyPr rtlCol="0" anchor="ctr"/>
+          <a:lstStyle/>
+          <a:p>
+            <a:pPr algn="ctr"/>
+            <a:endParaRPr lang="en-US"/>
+          </a:p>
+        </p:txBody>
+      </p:sp>
+      <p:sp>
+        <p:nvSpPr>
+          <p:cNvPr id="12" name="Rectangle 11">
+            <a:extLst>
+              <a:ext uri="{FF2B5EF4-FFF2-40B4-BE49-F238E27FC236}">
+                <a16:creationId xmlns:a16="http://schemas.microsoft.com/office/drawing/2014/main" id="{BC4C4868-CB8F-4AF9-9CDB-8108F2C19B67}"/>
+              </a:ext>
+              <a:ext uri="{C183D7F6-B498-43B3-948B-1728B52AA6E4}">
+                <adec:decorative xmlns:adec="http://schemas.microsoft.com/office/drawing/2017/decorative" val="1"/>
+              </a:ext>
+            </a:extLst>
+          </p:cNvPr>
+          <p:cNvSpPr>
+            <a:spLocks noGrp="1" noRot="1" noChangeAspect="1" noMove="1" noResize="1" noEditPoints="1" noAdjustHandles="1" noChangeArrowheads="1" noChangeShapeType="1" noTextEdit="1"/>
+          </p:cNvSpPr>
+          <p:nvPr>
+            <p:extLst>
+              <p:ext uri="{386F3935-93C4-4BCD-93E2-E3B085C9AB24}">
+                <p16:designElem xmlns:p16="http://schemas.microsoft.com/office/powerpoint/2015/main" val="1"/>
+              </p:ext>
+            </p:extLst>
+          </p:nvPr>
+        </p:nvSpPr>
+        <p:spPr>
+          <a:xfrm rot="10800000" flipH="1">
+            <a:off x="-3" y="0"/>
+            <a:ext cx="8115306" cy="1590742"/>
+          </a:xfrm>
+          <a:prstGeom prst="rect">
+            <a:avLst/>
+          </a:prstGeom>
+          <a:gradFill>
+            <a:gsLst>
+              <a:gs pos="20000">
+                <a:schemeClr val="accent1">
+                  <a:alpha val="0"/>
+                </a:schemeClr>
+              </a:gs>
+              <a:gs pos="100000">
+                <a:schemeClr val="accent1">
+                  <a:lumMod val="50000"/>
+                  <a:alpha val="55000"/>
+                </a:schemeClr>
+              </a:gs>
+            </a:gsLst>
+            <a:lin ang="13800000" scaled="0"/>
+          </a:gradFill>
+          <a:ln>
+            <a:noFill/>
+          </a:ln>
+        </p:spPr>
+        <p:style>
+          <a:lnRef idx="2">
+            <a:schemeClr val="accent1">
+              <a:shade val="50000"/>
+            </a:schemeClr>
+          </a:lnRef>
+          <a:fillRef idx="1">
+            <a:schemeClr val="accent1"/>
+          </a:fillRef>
+          <a:effectRef idx="0">
+            <a:schemeClr val="accent1"/>
+          </a:effectRef>
+          <a:fontRef idx="minor">
+            <a:schemeClr val="lt1"/>
+          </a:fontRef>
+        </p:style>
+        <p:txBody>
+          <a:bodyPr rtlCol="0" anchor="ctr"/>
+          <a:lstStyle/>
+          <a:p>
+            <a:pPr algn="ctr"/>
+            <a:endParaRPr lang="en-US"/>
+          </a:p>
+        </p:txBody>
+      </p:sp>
+      <p:sp>
+        <p:nvSpPr>
+          <p:cNvPr id="14" name="Rectangle 13">
+            <a:extLst>
+              <a:ext uri="{FF2B5EF4-FFF2-40B4-BE49-F238E27FC236}">
+                <a16:creationId xmlns:a16="http://schemas.microsoft.com/office/drawing/2014/main" id="{375E0459-6403-40CD-989D-56A4407CA12E}"/>
+              </a:ext>
+              <a:ext uri="{C183D7F6-B498-43B3-948B-1728B52AA6E4}">
+                <adec:decorative xmlns:adec="http://schemas.microsoft.com/office/drawing/2017/decorative" val="1"/>
+              </a:ext>
+            </a:extLst>
+          </p:cNvPr>
+          <p:cNvSpPr>
+            <a:spLocks noGrp="1" noRot="1" noChangeAspect="1" noMove="1" noResize="1" noEditPoints="1" noAdjustHandles="1" noChangeArrowheads="1" noChangeShapeType="1" noTextEdit="1"/>
+          </p:cNvSpPr>
+          <p:nvPr>
+            <p:extLst>
+              <p:ext uri="{386F3935-93C4-4BCD-93E2-E3B085C9AB24}">
+                <p16:designElem xmlns:p16="http://schemas.microsoft.com/office/powerpoint/2015/main" val="1"/>
+              </p:ext>
+            </p:extLst>
+          </p:nvPr>
+        </p:nvSpPr>
+        <p:spPr>
+          <a:xfrm flipH="1">
+            <a:off x="8115299" y="-1"/>
+            <a:ext cx="4076698" cy="1590742"/>
+          </a:xfrm>
+          <a:prstGeom prst="rect">
+            <a:avLst/>
+          </a:prstGeom>
+          <a:gradFill>
+            <a:gsLst>
+              <a:gs pos="0">
+                <a:schemeClr val="accent1">
+                  <a:alpha val="66000"/>
+                </a:schemeClr>
+              </a:gs>
+              <a:gs pos="100000">
+                <a:srgbClr val="000000">
+                  <a:alpha val="30000"/>
+                </a:srgbClr>
+              </a:gs>
+            </a:gsLst>
+            <a:lin ang="13200000" scaled="0"/>
+          </a:gradFill>
+          <a:ln>
+            <a:noFill/>
+          </a:ln>
+        </p:spPr>
+        <p:style>
+          <a:lnRef idx="2">
+            <a:schemeClr val="accent1">
+              <a:shade val="50000"/>
+            </a:schemeClr>
+          </a:lnRef>
+          <a:fillRef idx="1">
+            <a:schemeClr val="accent1"/>
+          </a:fillRef>
+          <a:effectRef idx="0">
+            <a:schemeClr val="accent1"/>
+          </a:effectRef>
+          <a:fontRef idx="minor">
+            <a:schemeClr val="lt1"/>
+          </a:fontRef>
+        </p:style>
+        <p:txBody>
+          <a:bodyPr rtlCol="0" anchor="ctr"/>
+          <a:lstStyle/>
+          <a:p>
+            <a:pPr algn="ctr"/>
+            <a:endParaRPr lang="en-US"/>
+          </a:p>
+        </p:txBody>
+      </p:sp>
+      <p:sp>
+        <p:nvSpPr>
+          <p:cNvPr id="16" name="Rectangle 15">
+            <a:extLst>
+              <a:ext uri="{FF2B5EF4-FFF2-40B4-BE49-F238E27FC236}">
+                <a16:creationId xmlns:a16="http://schemas.microsoft.com/office/drawing/2014/main" id="{53E5B1A8-3AC9-4BD1-9BBC-78CA94F2D1BA}"/>
+              </a:ext>
+              <a:ext uri="{C183D7F6-B498-43B3-948B-1728B52AA6E4}">
+                <adec:decorative xmlns:adec="http://schemas.microsoft.com/office/drawing/2017/decorative" val="1"/>
+              </a:ext>
+            </a:extLst>
+          </p:cNvPr>
+          <p:cNvSpPr>
+            <a:spLocks noGrp="1" noRot="1" noChangeAspect="1" noMove="1" noResize="1" noEditPoints="1" noAdjustHandles="1" noChangeArrowheads="1" noChangeShapeType="1" noTextEdit="1"/>
+          </p:cNvSpPr>
+          <p:nvPr>
+            <p:extLst>
+              <p:ext uri="{386F3935-93C4-4BCD-93E2-E3B085C9AB24}">
+                <p16:designElem xmlns:p16="http://schemas.microsoft.com/office/powerpoint/2015/main" val="1"/>
+              </p:ext>
+            </p:extLst>
+          </p:nvPr>
+        </p:nvSpPr>
+        <p:spPr>
+          <a:xfrm>
+            <a:off x="459350" y="-1"/>
+            <a:ext cx="11732646" cy="1597433"/>
+          </a:xfrm>
+          <a:prstGeom prst="rect">
+            <a:avLst/>
+          </a:prstGeom>
+          <a:gradFill>
+            <a:gsLst>
+              <a:gs pos="50000">
+                <a:srgbClr val="000000">
+                  <a:alpha val="0"/>
+                </a:srgbClr>
+              </a:gs>
+              <a:gs pos="99000">
+                <a:schemeClr val="accent1">
+                  <a:lumMod val="50000"/>
+                  <a:alpha val="52000"/>
+                </a:schemeClr>
+              </a:gs>
+            </a:gsLst>
+            <a:lin ang="16800000" scaled="0"/>
+          </a:gradFill>
+          <a:ln>
+            <a:noFill/>
+          </a:ln>
+        </p:spPr>
+        <p:style>
+          <a:lnRef idx="2">
+            <a:schemeClr val="accent1">
+              <a:shade val="50000"/>
+            </a:schemeClr>
+          </a:lnRef>
+          <a:fillRef idx="1">
+            <a:schemeClr val="accent1"/>
+          </a:fillRef>
+          <a:effectRef idx="0">
+            <a:schemeClr val="accent1"/>
+          </a:effectRef>
+          <a:fontRef idx="minor">
+            <a:schemeClr val="lt1"/>
+          </a:fontRef>
+        </p:style>
+        <p:txBody>
+          <a:bodyPr rtlCol="0" anchor="ctr"/>
+          <a:lstStyle/>
+          <a:p>
+            <a:pPr algn="ctr"/>
+            <a:endParaRPr lang="en-US"/>
+          </a:p>
+        </p:txBody>
+      </p:sp>
+      <p:sp>
+        <p:nvSpPr>
+          <p:cNvPr id="2" name="Titolo 1">
+            <a:extLst>
+              <a:ext uri="{FF2B5EF4-FFF2-40B4-BE49-F238E27FC236}">
+                <a16:creationId xmlns:a16="http://schemas.microsoft.com/office/drawing/2014/main" id="{5FF484BA-4414-7148-D31D-D3EE8024E5A8}"/>
+              </a:ext>
+            </a:extLst>
+          </p:cNvPr>
+          <p:cNvSpPr>
+            <a:spLocks noGrp="1"/>
+          </p:cNvSpPr>
+          <p:nvPr>
+            <p:ph type="title"/>
+          </p:nvPr>
+        </p:nvSpPr>
+        <p:spPr>
+          <a:xfrm>
+            <a:off x="1371599" y="294538"/>
+            <a:ext cx="9895951" cy="1033669"/>
+          </a:xfrm>
+        </p:spPr>
+        <p:txBody>
+          <a:bodyPr>
+            <a:normAutofit/>
+          </a:bodyPr>
+          <a:lstStyle/>
+          <a:p>
+            <a:r>
+              <a:rPr lang="en-US" sz="4800" b="1" dirty="0">
+                <a:solidFill>
+                  <a:srgbClr val="FFFFFF"/>
+                </a:solidFill>
+              </a:rPr>
+              <a:t>Future Improvement</a:t>
+            </a:r>
+            <a:endParaRPr lang="it-IT" sz="4800" b="1" dirty="0">
+              <a:solidFill>
+                <a:srgbClr val="FFFFFF"/>
+              </a:solidFill>
+            </a:endParaRPr>
+          </a:p>
+        </p:txBody>
+      </p:sp>
+      <p:sp>
+        <p:nvSpPr>
+          <p:cNvPr id="3" name="Segnaposto contenuto 2">
+            <a:extLst>
+              <a:ext uri="{FF2B5EF4-FFF2-40B4-BE49-F238E27FC236}">
+                <a16:creationId xmlns:a16="http://schemas.microsoft.com/office/drawing/2014/main" id="{DDCF35A8-DF97-3936-09CE-4002A605276C}"/>
+              </a:ext>
+            </a:extLst>
+          </p:cNvPr>
+          <p:cNvSpPr>
+            <a:spLocks noGrp="1"/>
+          </p:cNvSpPr>
+          <p:nvPr>
+            <p:ph idx="1"/>
+          </p:nvPr>
+        </p:nvSpPr>
+        <p:spPr>
+          <a:xfrm>
+            <a:off x="1371599" y="1885279"/>
+            <a:ext cx="9724031" cy="4595420"/>
+          </a:xfrm>
+        </p:spPr>
+        <p:txBody>
+          <a:bodyPr anchor="ctr">
+            <a:normAutofit/>
+          </a:bodyPr>
+          <a:lstStyle/>
+          <a:p>
+            <a:pPr algn="l"/>
+            <a:r>
+              <a:rPr lang="en-US" sz="2400" dirty="0"/>
+              <a:t>Load the transaction graph in </a:t>
+            </a:r>
+            <a:r>
+              <a:rPr lang="en-US" sz="2400" b="1" dirty="0"/>
+              <a:t>Neo4j</a:t>
+            </a:r>
+            <a:r>
+              <a:rPr lang="en-US" sz="2400" dirty="0"/>
+              <a:t> for the best scalability.</a:t>
+            </a:r>
+          </a:p>
+          <a:p>
+            <a:pPr algn="l"/>
+            <a:r>
+              <a:rPr lang="en-US" sz="2400" dirty="0"/>
+              <a:t>Find the </a:t>
+            </a:r>
+            <a:r>
+              <a:rPr lang="en-US" sz="2400" b="1" dirty="0"/>
+              <a:t>change addresses </a:t>
+            </a:r>
+            <a:r>
+              <a:rPr lang="en-US" sz="2400" dirty="0"/>
+              <a:t>iteratively </a:t>
+            </a:r>
+            <a:r>
+              <a:rPr lang="en-US" sz="2400" b="1" dirty="0"/>
+              <a:t>until convergence</a:t>
+            </a:r>
+            <a:r>
+              <a:rPr lang="en-US" sz="2400" dirty="0"/>
+              <a:t>.</a:t>
+            </a:r>
+          </a:p>
+          <a:p>
+            <a:pPr algn="l"/>
+            <a:r>
+              <a:rPr lang="en-US" sz="2400" dirty="0"/>
+              <a:t>Implement </a:t>
+            </a:r>
+            <a:r>
+              <a:rPr lang="en-US" sz="2400" b="1" dirty="0" err="1"/>
+              <a:t>Coinjoin</a:t>
+            </a:r>
+            <a:r>
+              <a:rPr lang="en-US" sz="2400" b="1" dirty="0"/>
+              <a:t> Sudoku</a:t>
+            </a:r>
+            <a:r>
+              <a:rPr lang="en-US" sz="2400" dirty="0"/>
+              <a:t>.</a:t>
+            </a:r>
+          </a:p>
+          <a:p>
+            <a:pPr algn="l"/>
+            <a:r>
+              <a:rPr lang="en-US" sz="2400" dirty="0"/>
+              <a:t>Implement </a:t>
+            </a:r>
+            <a:r>
+              <a:rPr lang="en-US" sz="2400" b="1" dirty="0"/>
+              <a:t>new complex heuristics </a:t>
+            </a:r>
+            <a:r>
+              <a:rPr lang="en-US" sz="2400" dirty="0"/>
+              <a:t>after the observation of clustering algorithm results.</a:t>
+            </a:r>
+          </a:p>
+          <a:p>
+            <a:pPr algn="l"/>
+            <a:r>
+              <a:rPr lang="en-US" sz="2400" b="1" dirty="0"/>
+              <a:t>Merge</a:t>
+            </a:r>
+            <a:r>
+              <a:rPr lang="en-US" sz="2400" dirty="0"/>
+              <a:t> or </a:t>
+            </a:r>
+            <a:r>
+              <a:rPr lang="en-US" sz="2400" b="1" dirty="0"/>
+              <a:t>demerge</a:t>
+            </a:r>
+            <a:r>
+              <a:rPr lang="en-US" sz="2400" dirty="0"/>
+              <a:t> </a:t>
+            </a:r>
+            <a:r>
+              <a:rPr lang="en-US" sz="2400" b="1" dirty="0"/>
+              <a:t>clusters</a:t>
+            </a:r>
+            <a:r>
+              <a:rPr lang="en-US" sz="2400" dirty="0"/>
+              <a:t> thanks to </a:t>
+            </a:r>
+            <a:r>
+              <a:rPr lang="en-US" sz="2400" b="1" dirty="0"/>
+              <a:t>off-chain</a:t>
+            </a:r>
+            <a:r>
+              <a:rPr lang="en-US" sz="2400" dirty="0"/>
+              <a:t> </a:t>
+            </a:r>
+            <a:r>
+              <a:rPr lang="en-US" sz="2400" dirty="0" err="1"/>
+              <a:t>informations</a:t>
+            </a:r>
+            <a:r>
+              <a:rPr lang="en-US" sz="2400"/>
+              <a:t>.</a:t>
+            </a:r>
+            <a:endParaRPr lang="en-US" sz="2400" dirty="0"/>
+          </a:p>
+          <a:p>
+            <a:pPr algn="l"/>
+            <a:r>
+              <a:rPr lang="it-IT" sz="2400" dirty="0" err="1"/>
+              <a:t>Apply</a:t>
+            </a:r>
+            <a:r>
+              <a:rPr lang="it-IT" sz="2400" dirty="0"/>
+              <a:t> </a:t>
+            </a:r>
+            <a:r>
+              <a:rPr lang="it-IT" sz="2400" b="1" dirty="0" err="1"/>
+              <a:t>louvain</a:t>
+            </a:r>
+            <a:r>
+              <a:rPr lang="it-IT" sz="2400" b="1" dirty="0"/>
+              <a:t> community </a:t>
+            </a:r>
+            <a:r>
+              <a:rPr lang="it-IT" sz="2400" b="1" dirty="0" err="1"/>
+              <a:t>detection</a:t>
+            </a:r>
+            <a:r>
+              <a:rPr lang="it-IT" sz="2400" b="1" dirty="0"/>
+              <a:t> </a:t>
+            </a:r>
+            <a:r>
+              <a:rPr lang="it-IT" sz="2400" dirty="0" err="1"/>
+              <a:t>algorithm</a:t>
+            </a:r>
+            <a:r>
+              <a:rPr lang="it-IT" sz="2400" dirty="0"/>
+              <a:t> after clustering </a:t>
+            </a:r>
+            <a:r>
+              <a:rPr lang="it-IT" sz="2400" dirty="0" err="1"/>
+              <a:t>algorithm</a:t>
+            </a:r>
+            <a:r>
+              <a:rPr lang="it-IT" sz="2400" dirty="0"/>
+              <a:t>.</a:t>
+            </a:r>
+            <a:endParaRPr lang="en-US" sz="2400" dirty="0"/>
+          </a:p>
+          <a:p>
+            <a:pPr algn="l"/>
+            <a:r>
+              <a:rPr lang="en-US" sz="2400" b="1" dirty="0"/>
+              <a:t>Caching web app data </a:t>
+            </a:r>
+            <a:r>
+              <a:rPr lang="en-US" sz="2400" dirty="0"/>
+              <a:t>for increase scalability.</a:t>
+            </a:r>
+          </a:p>
+        </p:txBody>
+      </p:sp>
+    </p:spTree>
+    <p:extLst>
+      <p:ext uri="{BB962C8B-B14F-4D97-AF65-F5344CB8AC3E}">
+        <p14:creationId xmlns:p14="http://schemas.microsoft.com/office/powerpoint/2010/main" val="909784064"/>
       </p:ext>
     </p:extLst>
   </p:cSld>
@@ -20330,7 +21691,7 @@
             <p:ph idx="1"/>
             <p:extLst>
               <p:ext uri="{D42A27DB-BD31-4B8C-83A1-F6EECF244321}">
-                <p14:modId xmlns:p14="http://schemas.microsoft.com/office/powerpoint/2010/main" val="2348317146"/>
+                <p14:modId xmlns:p14="http://schemas.microsoft.com/office/powerpoint/2010/main" val="4236014946"/>
               </p:ext>
             </p:extLst>
           </p:nvPr>
@@ -20784,7 +22145,7 @@
                   <a:srgbClr val="FFFFFF"/>
                 </a:solidFill>
               </a:rPr>
-              <a:t>Transaction spent previews unspent outputs transaction (</a:t>
+              <a:t>Transaction spent previews unspent transaction outputs (</a:t>
             </a:r>
             <a:r>
               <a:rPr lang="en-US" sz="2400" b="1" dirty="0">
@@ -20800,7 +22161,7 @@
                   <a:srgbClr val="FFFFFF"/>
                 </a:solidFill>
               </a:rPr>
-              <a:t>) to create new unspent outputs transaction. </a:t>
+              <a:t>) to create new unspent transaction outputs. </a:t>
             </a:r>
           </a:p>
           <a:p>
@@ -21203,7 +22564,7 @@
             <a:pPr marL="0"/>
             <a:r>
               <a:rPr lang="en-US" sz="2400" dirty="0"/>
-              <a:t>Given an address, it is possible to know </a:t>
+              <a:t>It is possible to know </a:t>
             </a:r>
             <a:r>
               <a:rPr lang="en-US" sz="2400" b="1" dirty="0"/>
@@ -22686,7 +24047,7 @@
                   <a:srgbClr val="FFFFFF"/>
                 </a:solidFill>
               </a:rPr>
-              <a:t>Transaction Graph</a:t>
+              <a:t>Blockchain Parsing</a:t>
             </a:r>
             <a:endParaRPr lang="en-US" sz="4800" b="1" kern="1200" dirty="0">
               <a:solidFill>
@@ -22727,94 +24088,171 @@
           </a:bodyPr>
           <a:lstStyle/>
           <a:p>
+            <a:pPr marL="0" indent="0">
+              <a:buNone/>
+            </a:pPr>
+            <a:r>
+              <a:rPr lang="en-US" sz="2400" dirty="0"/>
+              <a:t>For each </a:t>
+            </a:r>
+            <a:r>
+              <a:rPr lang="en-US" sz="2400" b="1" dirty="0"/>
+              <a:t>raw block </a:t>
+            </a:r>
+            <a:r>
+              <a:rPr lang="en-US" sz="2400" dirty="0"/>
+              <a:t>are extrapolated </a:t>
+            </a:r>
+            <a:r>
+              <a:rPr lang="en-US" sz="2400" dirty="0" err="1"/>
+              <a:t>usefull</a:t>
+            </a:r>
+            <a:r>
+              <a:rPr lang="en-US" sz="2400" dirty="0"/>
+              <a:t> </a:t>
+            </a:r>
+            <a:r>
+              <a:rPr lang="en-US" sz="2400" dirty="0" err="1"/>
+              <a:t>informations</a:t>
+            </a:r>
+            <a:r>
+              <a:rPr lang="en-US" sz="2400" dirty="0"/>
+              <a:t> related to transactions and UTXOs:</a:t>
+            </a:r>
+          </a:p>
+          <a:p>
             <a:pPr marL="0"/>
             <a:r>
-              <a:rPr lang="en-US" sz="2400" dirty="0"/>
-              <a:t>Each transaction can be interpreted as a </a:t>
-            </a:r>
-            <a:r>
               <a:rPr lang="en-US" sz="2400" b="1" dirty="0"/>
-              <a:t>graph node</a:t>
-            </a:r>
-            <a:r>
-              <a:rPr lang="en-US" sz="2400" dirty="0"/>
+              <a:t>Transaction</a:t>
+            </a:r>
+            <a:endParaRPr lang="en-US" sz="2400" dirty="0"/>
+          </a:p>
+          <a:p>
+            <a:pPr marL="457200" lvl="1"/>
+            <a:r>
+              <a:rPr lang="en-US" sz="2000" u="sng" dirty="0"/>
+              <a:t>id</a:t>
+            </a:r>
+            <a:r>
+              <a:rPr lang="en-US" sz="2000" dirty="0"/>
+              <a:t>, </a:t>
+            </a:r>
+            <a:r>
+              <a:rPr lang="en-US" sz="2000" dirty="0" err="1"/>
+              <a:t>tx_hash</a:t>
+            </a:r>
+            <a:r>
+              <a:rPr lang="en-US" sz="2000" dirty="0"/>
+              <a:t>, </a:t>
+            </a:r>
+            <a:r>
+              <a:rPr lang="en-US" sz="2000" dirty="0" err="1"/>
+              <a:t>block_height</a:t>
+            </a:r>
+            <a:r>
+              <a:rPr lang="en-US" sz="2000" dirty="0"/>
+              <a:t>, </a:t>
+            </a:r>
+            <a:r>
+              <a:rPr lang="en-US" sz="2000" dirty="0" err="1"/>
+              <a:t>block_hash</a:t>
+            </a:r>
+            <a:r>
+              <a:rPr lang="en-US" sz="2000" dirty="0"/>
+              <a:t>, fee, </a:t>
+            </a:r>
+            <a:r>
+              <a:rPr lang="en-US" sz="2000" dirty="0" err="1"/>
+              <a:t>n_input</a:t>
+            </a:r>
+            <a:r>
+              <a:rPr lang="en-US" sz="2000" dirty="0"/>
+              <a:t>, </a:t>
+            </a:r>
+            <a:r>
+              <a:rPr lang="en-US" sz="2000" dirty="0" err="1"/>
+              <a:t>amount_input</a:t>
+            </a:r>
+            <a:r>
+              <a:rPr lang="en-US" sz="2000" dirty="0"/>
+              <a:t>, </a:t>
+            </a:r>
+            <a:r>
+              <a:rPr lang="en-US" sz="2000" dirty="0" err="1"/>
+              <a:t>n_output</a:t>
+            </a:r>
+            <a:r>
+              <a:rPr lang="en-US" sz="2000" dirty="0"/>
+              <a:t>, </a:t>
+            </a:r>
+            <a:r>
+              <a:rPr lang="en-US" sz="2000" dirty="0" err="1"/>
+              <a:t>amount_output</a:t>
+            </a:r>
+            <a:r>
+              <a:rPr lang="en-US" sz="2000" dirty="0"/>
+              <a:t>, </a:t>
+            </a:r>
+            <a:r>
+              <a:rPr lang="en-US" sz="2000" dirty="0" err="1"/>
+              <a:t>temporal_index</a:t>
+            </a:r>
+            <a:r>
+              <a:rPr lang="en-US" sz="2000" dirty="0"/>
               <a:t>.</a:t>
             </a:r>
           </a:p>
           <a:p>
             <a:pPr marL="0"/>
             <a:r>
-              <a:rPr lang="en-US" sz="2400" dirty="0"/>
-              <a:t>The transaction’s inputs are the </a:t>
-            </a:r>
-            <a:r>
               <a:rPr lang="en-US" sz="2400" b="1" dirty="0"/>
-              <a:t>incoming edges</a:t>
-            </a:r>
-            <a:r>
-              <a:rPr lang="en-US" sz="2400" dirty="0"/>
-              <a:t>.</a:t>
-            </a:r>
+              <a:t>UTXO</a:t>
+            </a:r>
+            <a:endParaRPr lang="en-US" sz="2400" dirty="0"/>
+          </a:p>
+          <a:p>
+            <a:pPr marL="457200" lvl="1"/>
+            <a:r>
+              <a:rPr lang="en-US" sz="2000" u="sng" dirty="0" err="1"/>
+              <a:t>src_id</a:t>
+            </a:r>
+            <a:r>
+              <a:rPr lang="en-US" sz="2000" dirty="0"/>
+              <a:t>, </a:t>
+            </a:r>
+            <a:r>
+              <a:rPr lang="en-US" sz="2000" u="sng" dirty="0" err="1"/>
+              <a:t>dst_id</a:t>
+            </a:r>
+            <a:r>
+              <a:rPr lang="en-US" sz="2000" dirty="0"/>
+              <a:t>, </a:t>
+            </a:r>
+            <a:r>
+              <a:rPr lang="en-US" sz="2000" u="sng" dirty="0" err="1"/>
+              <a:t>src_position</a:t>
+            </a:r>
+            <a:r>
+              <a:rPr lang="en-US" sz="2000" dirty="0"/>
+              <a:t>, </a:t>
+            </a:r>
+            <a:r>
+              <a:rPr lang="en-US" sz="2000" u="sng" dirty="0" err="1"/>
+              <a:t>dst_position</a:t>
+            </a:r>
+            <a:r>
+              <a:rPr lang="en-US" sz="2000" dirty="0"/>
+              <a:t>, address, value.</a:t>
+            </a:r>
+          </a:p>
+          <a:p>
+            <a:pPr marL="457200" lvl="1"/>
+            <a:endParaRPr lang="en-US" sz="2000" dirty="0"/>
           </a:p>
           <a:p>
             <a:pPr marL="0"/>
-            <a:r>
-              <a:rPr lang="en-US" sz="2400" dirty="0"/>
-              <a:t>The transaction’s outputs are the </a:t>
-            </a:r>
-            <a:r>
-              <a:rPr lang="en-US" sz="2400" b="1" dirty="0"/>
-              <a:t>outgoing edges</a:t>
-            </a:r>
-            <a:r>
-              <a:rPr lang="en-US" sz="2400" dirty="0"/>
-              <a:t>.</a:t>
-            </a:r>
-          </a:p>
-          <a:p>
-            <a:pPr marL="0"/>
-            <a:r>
-              <a:rPr lang="en-US" sz="2400" dirty="0"/>
-              <a:t>The entire blockchain can be represented as a </a:t>
-            </a:r>
-            <a:r>
-              <a:rPr lang="en-US" sz="2400" b="1" dirty="0"/>
-              <a:t>multi directed graph</a:t>
-            </a:r>
-            <a:r>
-              <a:rPr lang="en-US" sz="2400" dirty="0"/>
-              <a:t>.</a:t>
-            </a:r>
-          </a:p>
-          <a:p>
-            <a:pPr marL="0"/>
-            <a:r>
-              <a:rPr lang="en-US" sz="2400" dirty="0"/>
-              <a:t>Through these observations, the transaction graph was created starting from the downloaded blocks.</a:t>
-            </a:r>
-          </a:p>
-          <a:p>
-            <a:pPr marL="0"/>
-            <a:r>
-              <a:rPr lang="en-US" sz="2400" dirty="0"/>
-              <a:t>The result is a graph of </a:t>
-            </a:r>
-            <a:r>
-              <a:rPr lang="en-US" sz="2400" b="1" dirty="0"/>
-              <a:t>559,528 nodes </a:t>
-            </a:r>
-            <a:r>
-              <a:rPr lang="en-US" sz="2400" dirty="0"/>
-              <a:t>and </a:t>
-            </a:r>
-            <a:r>
-              <a:rPr lang="en-US" sz="2400" b="1" dirty="0"/>
-              <a:t>630,301 edges</a:t>
-            </a:r>
-            <a:r>
-              <a:rPr lang="en-US" sz="2400" dirty="0"/>
-              <a:t>.</a:t>
-            </a:r>
+            <a:endParaRPr lang="en-US" sz="2400" dirty="0"/>
           </a:p>
         </p:txBody>
       </p:sp>
@@ -22858,10 +24296,10 @@
       </p:grpSpPr>
       <p:sp useBgFill="1">
         <p:nvSpPr>
-          <p:cNvPr id="11" name="Rectangle 10">
+          <p:cNvPr id="37" name="Rectangle 36">
             <a:extLst>
               <a:ext uri="{FF2B5EF4-FFF2-40B4-BE49-F238E27FC236}">
-                <a16:creationId xmlns:a16="http://schemas.microsoft.com/office/drawing/2014/main" id="{9203DE33-2CD4-4CA8-9AF3-37C3B65133B0}"/>
+                <a16:creationId xmlns:a16="http://schemas.microsoft.com/office/drawing/2014/main" id="{1B15ED52-F352-441B-82BF-E0EA34836D08}"/>
               </a:ext>
               <a:ext uri="{C183D7F6-B498-43B3-948B-1728B52AA6E4}">
                 <adec:decorative xmlns:adec="http://schemas.microsoft.com/office/drawing/2017/decorative" val="1"/>
@@ -22881,15 +24319,31 @@
         </p:nvSpPr>
         <p:spPr>
           <a:xfrm>
-            <a:off x="0" y="2"/>
-            <a:ext cx="12192000" cy="6857997"/>
+            <a:off x="0" y="0"/>
+            <a:ext cx="12192000" cy="6858000"/>
           </a:xfrm>
           <a:prstGeom prst="rect">
             <a:avLst/>
           </a:prstGeom>
-          <a:ln>
+          <a:ln w="12700" cap="flat" cmpd="sng" algn="ctr">
             <a:noFill/>
+            <a:prstDash val="solid"/>
+            <a:miter lim="800000"/>
           </a:ln>
+          <a:effectLst/>
+          <a:extLst>
+            <a:ext uri="{91240B29-F687-4F45-9708-019B960494DF}">
+              <a14:hiddenLine xmlns:a14="http://schemas.microsoft.com/office/drawing/2010/main" w="12700" cap="flat" cmpd="sng" algn="ctr">
+                <a:solidFill>
+                  <a:schemeClr val="accent1">
+                    <a:shade val="50000"/>
+                  </a:schemeClr>
+                </a:solidFill>
+                <a:prstDash val="solid"/>
+                <a:miter lim="800000"/>
+              </a14:hiddenLine>
+            </a:ext>
+          </a:extLst>
         </p:spPr>
         <p:style>
           <a:lnRef idx="2">
@@ -22918,10 +24372,10 @@
       </p:sp>
       <p:sp>
         <p:nvSpPr>
-          <p:cNvPr id="8" name="Rectangle 12">
+          <p:cNvPr id="39" name="Rectangle 38">
             <a:extLst>
               <a:ext uri="{FF2B5EF4-FFF2-40B4-BE49-F238E27FC236}">
-                <a16:creationId xmlns:a16="http://schemas.microsoft.com/office/drawing/2014/main" id="{0AF57B88-1D4C-41FA-A761-EC1DD10C35CB}"/>
+                <a16:creationId xmlns:a16="http://schemas.microsoft.com/office/drawing/2014/main" id="{3B2E3793-BFE6-45A2-9B7B-E18844431C99}"/>
               </a:ext>
               <a:ext uri="{C183D7F6-B498-43B3-948B-1728B52AA6E4}">
                 <adec:decorative xmlns:adec="http://schemas.microsoft.com/office/drawing/2017/decorative" val="1"/>
@@ -22940,16 +24394,16 @@
           </p:nvPr>
         </p:nvSpPr>
         <p:spPr>
-          <a:xfrm rot="5400000" flipH="1">
-            <a:off x="-1417539" y="1417538"/>
-            <a:ext cx="6875818" cy="4040744"/>
+          <a:xfrm flipH="1">
+            <a:off x="-1" y="-1"/>
+            <a:ext cx="12191998" cy="1590742"/>
           </a:xfrm>
           <a:prstGeom prst="rect">
             <a:avLst/>
           </a:prstGeom>
           <a:gradFill>
             <a:gsLst>
-              <a:gs pos="11000">
+              <a:gs pos="0">
                 <a:srgbClr val="000000"/>
               </a:gs>
               <a:gs pos="100000">
@@ -22958,7 +24412,7 @@
                 </a:schemeClr>
               </a:gs>
             </a:gsLst>
-            <a:lin ang="18600000" scaled="0"/>
+            <a:lin ang="8400000" scaled="0"/>
           </a:gradFill>
           <a:ln>
             <a:noFill/>
@@ -22985,16 +24439,16 @@
           <a:lstStyle/>
           <a:p>
             <a:pPr algn="ctr"/>
-            <a:endParaRPr lang="en-US" dirty="0"/>
+            <a:endParaRPr lang="en-US"/>
           </a:p>
         </p:txBody>
       </p:sp>
       <p:sp>
         <p:nvSpPr>
-          <p:cNvPr id="9" name="Rectangle 14">
+          <p:cNvPr id="41" name="Rectangle 40">
             <a:extLst>
               <a:ext uri="{FF2B5EF4-FFF2-40B4-BE49-F238E27FC236}">
-                <a16:creationId xmlns:a16="http://schemas.microsoft.com/office/drawing/2014/main" id="{D2548F45-5164-4ABB-8212-7F293FDED8D4}"/>
+                <a16:creationId xmlns:a16="http://schemas.microsoft.com/office/drawing/2014/main" id="{BC4C4868-CB8F-4AF9-9CDB-8108F2C19B67}"/>
               </a:ext>
               <a:ext uri="{C183D7F6-B498-43B3-948B-1728B52AA6E4}">
                 <adec:decorative xmlns:adec="http://schemas.microsoft.com/office/drawing/2017/decorative" val="1"/>
@@ -23013,28 +24467,28 @@
           </p:nvPr>
         </p:nvSpPr>
         <p:spPr>
-          <a:xfrm rot="16200000">
-            <a:off x="-159565" y="2659404"/>
-            <a:ext cx="4355594" cy="4040742"/>
+          <a:xfrm rot="10800000" flipH="1">
+            <a:off x="-3" y="0"/>
+            <a:ext cx="8115306" cy="1590742"/>
           </a:xfrm>
           <a:prstGeom prst="rect">
             <a:avLst/>
           </a:prstGeom>
           <a:gradFill>
             <a:gsLst>
-              <a:gs pos="0">
+              <a:gs pos="20000">
                 <a:schemeClr val="accent1">
-                  <a:alpha val="50000"/>
+                  <a:alpha val="0"/>
                 </a:schemeClr>
               </a:gs>
               <a:gs pos="100000">
                 <a:schemeClr val="accent1">
                   <a:lumMod val="50000"/>
-                  <a:alpha val="0"/>
+                  <a:alpha val="55000"/>
                 </a:schemeClr>
               </a:gs>
             </a:gsLst>
-            <a:lin ang="11400000" scaled="0"/>
+            <a:lin ang="13800000" scaled="0"/>
           </a:gradFill>
           <a:ln>
             <a:noFill/>
@@ -23065,47 +24519,12 @@
           </a:p>
         </p:txBody>
       </p:sp>
-      <p:pic>
-        <p:nvPicPr>
-          <p:cNvPr id="6" name="Segnaposto contenuto 5">
-            <a:extLst>
-              <a:ext uri="{FF2B5EF4-FFF2-40B4-BE49-F238E27FC236}">
-                <a16:creationId xmlns:a16="http://schemas.microsoft.com/office/drawing/2014/main" id="{4D1ACE0D-3795-311C-5BC1-7C021A568300}"/>
-              </a:ext>
-            </a:extLst>
-          </p:cNvPr>
-          <p:cNvPicPr>
-            <a:picLocks noChangeAspect="1"/>
-          </p:cNvPicPr>
-          <p:nvPr/>
-        </p:nvPicPr>
-        <p:blipFill rotWithShape="1">
-          <a:blip r:embed="rId2">
-            <a:extLst>
-              <a:ext uri="{28A0092B-C50C-407E-A947-70E740481C1C}">
-                <a14:useLocalDpi xmlns:a14="http://schemas.microsoft.com/office/drawing/2010/main" val="0"/>
-              </a:ext>
-            </a:extLst>
-          </a:blip>
-          <a:srcRect l="5265" r="5726" b="-2"/>
-          <a:stretch/>
-        </p:blipFill>
-        <p:spPr>
-          <a:xfrm flipH="1" flipV="1">
-            <a:off x="4038599" y="10"/>
-            <a:ext cx="8160026" cy="6875809"/>
-          </a:xfrm>
-          <a:prstGeom prst="rect">
-            <a:avLst/>
-          </a:prstGeom>
-        </p:spPr>
-      </p:pic>
       <p:sp>
         <p:nvSpPr>
-          <p:cNvPr id="12" name="Freeform: Shape 16">
+          <p:cNvPr id="43" name="Rectangle 42">
             <a:extLst>
               <a:ext uri="{FF2B5EF4-FFF2-40B4-BE49-F238E27FC236}">
-                <a16:creationId xmlns:a16="http://schemas.microsoft.com/office/drawing/2014/main" id="{5E81CCFB-7BEF-4186-86FB-D09450B4D02D}"/>
+                <a16:creationId xmlns:a16="http://schemas.microsoft.com/office/drawing/2014/main" id="{375E0459-6403-40CD-989D-56A4407CA12E}"/>
               </a:ext>
               <a:ext uri="{C183D7F6-B498-43B3-948B-1728B52AA6E4}">
                 <adec:decorative xmlns:adec="http://schemas.microsoft.com/office/drawing/2017/decorative" val="1"/>
@@ -23124,119 +24543,99 @@
           </p:nvPr>
         </p:nvSpPr>
         <p:spPr>
-          <a:xfrm rot="6097846">
-            <a:off x="-747355" y="1201312"/>
-            <a:ext cx="4808302" cy="4088666"/>
+          <a:xfrm flipH="1">
+            <a:off x="8115299" y="-1"/>
+            <a:ext cx="4076698" cy="1590742"/>
           </a:xfrm>
-          <a:custGeom>
+          <a:prstGeom prst="rect">
             <a:avLst/>
-            <a:gdLst>
-              <a:gd name="connsiteX0" fmla="*/ 48844 w 4808302"/>
-              <a:gd name="connsiteY0" fmla="*/ 2888671 h 4088666"/>
-              <a:gd name="connsiteX1" fmla="*/ 0 w 4808302"/>
-              <a:gd name="connsiteY1" fmla="*/ 2404151 h 4088666"/>
-              <a:gd name="connsiteX2" fmla="*/ 2404151 w 4808302"/>
-              <a:gd name="connsiteY2" fmla="*/ 0 h 4088666"/>
-              <a:gd name="connsiteX3" fmla="*/ 4808302 w 4808302"/>
-              <a:gd name="connsiteY3" fmla="*/ 2404151 h 4088666"/>
-              <a:gd name="connsiteX4" fmla="*/ 4700216 w 4808302"/>
-              <a:gd name="connsiteY4" fmla="*/ 3119072 h 4088666"/>
-              <a:gd name="connsiteX5" fmla="*/ 4643143 w 4808302"/>
-              <a:gd name="connsiteY5" fmla="*/ 3275009 h 4088666"/>
-              <a:gd name="connsiteX6" fmla="*/ 690093 w 4808302"/>
-              <a:gd name="connsiteY6" fmla="*/ 4088666 h 4088666"/>
-              <a:gd name="connsiteX7" fmla="*/ 548991 w 4808302"/>
-              <a:gd name="connsiteY7" fmla="*/ 3933414 h 4088666"/>
-              <a:gd name="connsiteX8" fmla="*/ 48844 w 4808302"/>
-              <a:gd name="connsiteY8" fmla="*/ 2888671 h 4088666"/>
-            </a:gdLst>
-            <a:ahLst/>
-            <a:cxnLst>
-              <a:cxn ang="0">
-                <a:pos x="connsiteX0" y="connsiteY0"/>
-              </a:cxn>
-              <a:cxn ang="0">
-                <a:pos x="connsiteX1" y="connsiteY1"/>
-              </a:cxn>
-              <a:cxn ang="0">
-                <a:pos x="connsiteX2" y="connsiteY2"/>
-              </a:cxn>
-              <a:cxn ang="0">
-                <a:pos x="connsiteX3" y="connsiteY3"/>
-              </a:cxn>
-              <a:cxn ang="0">
-                <a:pos x="connsiteX4" y="connsiteY4"/>
-              </a:cxn>
-              <a:cxn ang="0">
-                <a:pos x="connsiteX5" y="connsiteY5"/>
-              </a:cxn>
-              <a:cxn ang="0">
-                <a:pos x="connsiteX6" y="connsiteY6"/>
-              </a:cxn>
-              <a:cxn ang="0">
-                <a:pos x="connsiteX7" y="connsiteY7"/>
-              </a:cxn>
-              <a:cxn ang="0">
-                <a:pos x="connsiteX8" y="connsiteY8"/>
-              </a:cxn>
-            </a:cxnLst>
-            <a:rect l="l" t="t" r="r" b="b"/>
-            <a:pathLst>
-              <a:path w="4808302" h="4088666">
-                <a:moveTo>
-                  <a:pt x="48844" y="2888671"/>
-                </a:moveTo>
-                <a:cubicBezTo>
-                  <a:pt x="16818" y="2732167"/>
-                  <a:pt x="0" y="2570123"/>
-                  <a:pt x="0" y="2404151"/>
-                </a:cubicBezTo>
-                <a:cubicBezTo>
-                  <a:pt x="0" y="1076375"/>
-                  <a:pt x="1076375" y="0"/>
-                  <a:pt x="2404151" y="0"/>
-                </a:cubicBezTo>
-                <a:cubicBezTo>
-                  <a:pt x="3731927" y="0"/>
-                  <a:pt x="4808302" y="1076375"/>
-                  <a:pt x="4808302" y="2404151"/>
-                </a:cubicBezTo>
-                <a:cubicBezTo>
-                  <a:pt x="4808302" y="2653109"/>
-                  <a:pt x="4770461" y="2893229"/>
-                  <a:pt x="4700216" y="3119072"/>
-                </a:cubicBezTo>
-                <a:lnTo>
-                  <a:pt x="4643143" y="3275009"/>
-                </a:lnTo>
-                <a:lnTo>
-                  <a:pt x="690093" y="4088666"/>
-                </a:lnTo>
-                <a:lnTo>
-                  <a:pt x="548991" y="3933414"/>
-                </a:lnTo>
-                <a:cubicBezTo>
-                  <a:pt x="304015" y="3636572"/>
-                  <a:pt x="128908" y="3279932"/>
-                  <a:pt x="48844" y="2888671"/>
-                </a:cubicBezTo>
-                <a:close/>
-              </a:path>
-            </a:pathLst>
-          </a:custGeom>
+          </a:prstGeom>
           <a:gradFill>
             <a:gsLst>
-              <a:gs pos="39000">
+              <a:gs pos="0">
                 <a:schemeClr val="accent1">
-                  <a:lumMod val="60000"/>
-                  <a:lumOff val="40000"/>
-                  <a:alpha val="0"/>
+                  <a:alpha val="66000"/>
                 </a:schemeClr>
               </a:gs>
               <a:gs pos="100000">
+                <a:srgbClr val="000000">
+                  <a:alpha val="30000"/>
+                </a:srgbClr>
+              </a:gs>
+            </a:gsLst>
+            <a:lin ang="13200000" scaled="0"/>
+          </a:gradFill>
+          <a:ln>
+            <a:noFill/>
+          </a:ln>
+        </p:spPr>
+        <p:style>
+          <a:lnRef idx="2">
+            <a:schemeClr val="accent1">
+              <a:shade val="50000"/>
+            </a:schemeClr>
+          </a:lnRef>
+          <a:fillRef idx="1">
+            <a:schemeClr val="accent1"/>
+          </a:fillRef>
+          <a:effectRef idx="0">
+            <a:schemeClr val="accent1"/>
+          </a:effectRef>
+          <a:fontRef idx="minor">
+            <a:schemeClr val="lt1"/>
+          </a:fontRef>
+        </p:style>
+        <p:txBody>
+          <a:bodyPr rtlCol="0" anchor="ctr"/>
+          <a:lstStyle/>
+          <a:p>
+            <a:pPr algn="ctr"/>
+            <a:endParaRPr lang="en-US"/>
+          </a:p>
+        </p:txBody>
+      </p:sp>
+      <p:sp>
+        <p:nvSpPr>
+          <p:cNvPr id="45" name="Rectangle 44">
+            <a:extLst>
+              <a:ext uri="{FF2B5EF4-FFF2-40B4-BE49-F238E27FC236}">
+                <a16:creationId xmlns:a16="http://schemas.microsoft.com/office/drawing/2014/main" id="{53E5B1A8-3AC9-4BD1-9BBC-78CA94F2D1BA}"/>
+              </a:ext>
+              <a:ext uri="{C183D7F6-B498-43B3-948B-1728B52AA6E4}">
+                <adec:decorative xmlns:adec="http://schemas.microsoft.com/office/drawing/2017/decorative" val="1"/>
+              </a:ext>
+            </a:extLst>
+          </p:cNvPr>
+          <p:cNvSpPr>
+            <a:spLocks noGrp="1" noRot="1" noChangeAspect="1" noMove="1" noResize="1" noEditPoints="1" noAdjustHandles="1" noChangeArrowheads="1" noChangeShapeType="1" noTextEdit="1"/>
+          </p:cNvSpPr>
+          <p:nvPr>
+            <p:extLst>
+              <p:ext uri="{386F3935-93C4-4BCD-93E2-E3B085C9AB24}">
+                <p16:designElem xmlns:p16="http://schemas.microsoft.com/office/powerpoint/2015/main" val="1"/>
+              </p:ext>
+            </p:extLst>
+          </p:nvPr>
+        </p:nvSpPr>
+        <p:spPr>
+          <a:xfrm>
+            <a:off x="459350" y="-1"/>
+            <a:ext cx="11732646" cy="1597433"/>
+          </a:xfrm>
+          <a:prstGeom prst="rect">
+            <a:avLst/>
+          </a:prstGeom>
+          <a:gradFill>
+            <a:gsLst>
+              <a:gs pos="50000">
+                <a:srgbClr val="000000">
+                  <a:alpha val="0"/>
+                </a:srgbClr>
+              </a:gs>
+              <a:gs pos="99000">
                 <a:schemeClr val="accent1">
-                  <a:lumMod val="75000"/>
-                  <a:alpha val="26000"/>
+                  <a:lumMod val="50000"/>
+                  <a:alpha val="52000"/>
                 </a:schemeClr>
               </a:gs>
             </a:gsLst>
@@ -23263,13 +24662,11 @@
           </a:fontRef>
         </p:style>
         <p:txBody>
-          <a:bodyPr wrap="square" rtlCol="0" anchor="ctr">
-            <a:noAutofit/>
-          </a:bodyPr>
+          <a:bodyPr rtlCol="0" anchor="ctr"/>
           <a:lstStyle/>
           <a:p>
             <a:pPr algn="ctr"/>
-            <a:endParaRPr lang="en-US" dirty="0"/>
+            <a:endParaRPr lang="en-US"/>
           </a:p>
         </p:txBody>
       </p:sp>
@@ -23291,24 +24688,162 @@
         </p:nvSpPr>
         <p:spPr>
           <a:xfrm>
-            <a:off x="571183" y="1137971"/>
-            <a:ext cx="3052293" cy="3531403"/>
+            <a:off x="1371599" y="294538"/>
+            <a:ext cx="9895951" cy="1033669"/>
           </a:xfrm>
         </p:spPr>
         <p:txBody>
-          <a:bodyPr vert="horz" lIns="91440" tIns="45720" rIns="91440" bIns="45720" rtlCol="0" anchor="t">
+          <a:bodyPr vert="horz" lIns="91440" tIns="45720" rIns="91440" bIns="45720" rtlCol="0" anchor="ctr">
             <a:normAutofit/>
           </a:bodyPr>
           <a:lstStyle/>
           <a:p>
-            <a:pPr marL="0" indent="0" algn="r"/>
+            <a:pPr marL="0" indent="0"/>
+            <a:r>
+              <a:rPr lang="en-US" sz="4800" b="1" kern="1200" dirty="0">
+                <a:solidFill>
+                  <a:srgbClr val="FFFFFF"/>
+                </a:solidFill>
+                <a:latin typeface="+mj-lt"/>
+                <a:ea typeface="+mj-ea"/>
+                <a:cs typeface="+mj-cs"/>
+              </a:rPr>
+              <a:t>Data Processing: </a:t>
+            </a:r>
             <a:r>
               <a:rPr lang="en-US" sz="4800" b="1" dirty="0">
                 <a:solidFill>
                   <a:srgbClr val="FFFFFF"/>
                 </a:solidFill>
               </a:rPr>
-              <a:t>Data Processing: Transaction Graph</a:t>
+              <a:t>Transaction Graph</a:t>
+            </a:r>
+            <a:endParaRPr lang="en-US" sz="4800" b="1" kern="1200" dirty="0">
+              <a:solidFill>
+                <a:srgbClr val="FFFFFF"/>
+              </a:solidFill>
+              <a:latin typeface="+mj-lt"/>
+              <a:ea typeface="+mj-ea"/>
+              <a:cs typeface="+mj-cs"/>
+            </a:endParaRPr>
+          </a:p>
+        </p:txBody>
+      </p:sp>
+      <p:sp>
+        <p:nvSpPr>
+          <p:cNvPr id="15" name="Segnaposto testo 14">
+            <a:extLst>
+              <a:ext uri="{FF2B5EF4-FFF2-40B4-BE49-F238E27FC236}">
+                <a16:creationId xmlns:a16="http://schemas.microsoft.com/office/drawing/2014/main" id="{8864F8A4-BA5F-3D5B-FF57-092CB74D077D}"/>
+              </a:ext>
+            </a:extLst>
+          </p:cNvPr>
+          <p:cNvSpPr>
+            <a:spLocks noGrp="1"/>
+          </p:cNvSpPr>
+          <p:nvPr>
+            <p:ph sz="half" idx="1"/>
+          </p:nvPr>
+        </p:nvSpPr>
+        <p:spPr>
+          <a:xfrm>
+            <a:off x="1371599" y="2318197"/>
+            <a:ext cx="9724031" cy="3683358"/>
+          </a:xfrm>
+        </p:spPr>
+        <p:txBody>
+          <a:bodyPr vert="horz" lIns="91440" tIns="45720" rIns="91440" bIns="45720" rtlCol="0" anchor="ctr">
+            <a:normAutofit/>
+          </a:bodyPr>
+          <a:lstStyle/>
+          <a:p>
+            <a:pPr marL="0"/>
+            <a:r>
+              <a:rPr lang="en-US" sz="2400" dirty="0"/>
+              <a:t>Each transaction can be interpreted as a </a:t>
+            </a:r>
+            <a:r>
+              <a:rPr lang="en-US" sz="2400" b="1" dirty="0"/>
+              <a:t>graph node</a:t>
+            </a:r>
+            <a:r>
+              <a:rPr lang="en-US" sz="2400" dirty="0"/>
+              <a:t>.</a:t>
+            </a:r>
+          </a:p>
+          <a:p>
+            <a:pPr marL="0"/>
+            <a:r>
+              <a:rPr lang="en-US" sz="2400" dirty="0"/>
+              <a:t>The transaction’s inputs are the </a:t>
+            </a:r>
+            <a:r>
+              <a:rPr lang="en-US" sz="2400" b="1" dirty="0"/>
+              <a:t>incoming edges</a:t>
+            </a:r>
+            <a:r>
+              <a:rPr lang="en-US" sz="2400" dirty="0"/>
+              <a:t>.</a:t>
+            </a:r>
+          </a:p>
+          <a:p>
+            <a:pPr marL="0"/>
+            <a:r>
+              <a:rPr lang="en-US" sz="2400" dirty="0"/>
+              <a:t>The transaction’s outputs are the </a:t>
+            </a:r>
+            <a:r>
+              <a:rPr lang="en-US" sz="2400" b="1" dirty="0"/>
+              <a:t>outgoing edges</a:t>
+            </a:r>
+            <a:r>
+              <a:rPr lang="en-US" sz="2400" dirty="0"/>
+              <a:t>.</a:t>
+            </a:r>
+          </a:p>
+          <a:p>
+            <a:pPr marL="0"/>
+            <a:r>
+              <a:rPr lang="en-US" sz="2400" dirty="0"/>
+              <a:t>The entire blockchain can be represented as a </a:t>
+            </a:r>
+            <a:r>
+              <a:rPr lang="en-US" sz="2400" b="1" dirty="0"/>
+              <a:t>multi directed graph</a:t>
+            </a:r>
+            <a:r>
+              <a:rPr lang="en-US" sz="2400" dirty="0"/>
+              <a:t>.</a:t>
+            </a:r>
+          </a:p>
+          <a:p>
+            <a:pPr marL="0"/>
+            <a:r>
+              <a:rPr lang="en-US" sz="2400" dirty="0"/>
+              <a:t>Through these observations, the transaction graph was created starting from the downloaded blocks.</a:t>
+            </a:r>
+          </a:p>
+          <a:p>
+            <a:pPr marL="0"/>
+            <a:r>
+              <a:rPr lang="en-US" sz="2400" dirty="0"/>
+              <a:t>The result is a graph of </a:t>
+            </a:r>
+            <a:r>
+              <a:rPr lang="en-US" sz="2400" b="1" dirty="0"/>
+              <a:t>559,528 nodes </a:t>
+            </a:r>
+            <a:r>
+              <a:rPr lang="en-US" sz="2400" dirty="0"/>
+              <a:t>and </a:t>
+            </a:r>
+            <a:r>
+              <a:rPr lang="en-US" sz="2400" b="1" dirty="0"/>
+              <a:t>630,301 edges</a:t>
+            </a:r>
+            <a:r>
+              <a:rPr lang="en-US" sz="2400" dirty="0"/>
+              <a:t>.</a:t>
             </a:r>
           </a:p>
         </p:txBody>
@@ -23316,7 +24851,7 @@
     </p:spTree>
     <p:extLst>
       <p:ext uri="{BB962C8B-B14F-4D97-AF65-F5344CB8AC3E}">
-        <p14:creationId xmlns:p14="http://schemas.microsoft.com/office/powerpoint/2010/main" val="1381417715"/>
+        <p14:creationId xmlns:p14="http://schemas.microsoft.com/office/powerpoint/2010/main" val="3623279124"/>
       </p:ext>
     </p:extLst>
   </p:cSld>

--- a/Bitcoin Address Clustering.pptx
+++ b/Bitcoin Address Clustering.pptx
@@ -21153,10 +21153,9 @@
               <a:t>informations</a:t>
             </a:r>
             <a:r>
-              <a:rPr lang="en-US" sz="2400"/>
+              <a:rPr lang="en-US" sz="2400" dirty="0"/>
               <a:t>.</a:t>
             </a:r>
-            <a:endParaRPr lang="en-US" sz="2400" dirty="0"/>
           </a:p>
           <a:p>
             <a:pPr algn="l"/>
@@ -21197,21 +21196,10 @@
               <a:t>algorithm</a:t>
             </a:r>
             <a:r>
-              <a:rPr lang="it-IT" sz="2400" dirty="0"/>
+              <a:rPr lang="it-IT" sz="2400"/>
               <a:t>.</a:t>
             </a:r>
             <a:endParaRPr lang="en-US" sz="2400" dirty="0"/>
-          </a:p>
-          <a:p>
-            <a:pPr algn="l"/>
-            <a:r>
-              <a:rPr lang="en-US" sz="2400" b="1" dirty="0"/>
-              <a:t>Caching web app data </a:t>
-            </a:r>
-            <a:r>
-              <a:rPr lang="en-US" sz="2400" dirty="0"/>
-              <a:t>for increase scalability.</a:t>
-            </a:r>
           </a:p>
         </p:txBody>
       </p:sp>
